--- a/Documents/软件工程第一次迭代答辩.pptx
+++ b/Documents/软件工程第一次迭代答辩.pptx
@@ -5,10 +5,10 @@
     <p:sldMasterId id="2147483648" r:id="rId1"/>
   </p:sldMasterIdLst>
   <p:notesMasterIdLst>
-    <p:notesMasterId r:id="rId27"/>
+    <p:notesMasterId r:id="rId25"/>
   </p:notesMasterIdLst>
   <p:handoutMasterIdLst>
-    <p:handoutMasterId r:id="rId28"/>
+    <p:handoutMasterId r:id="rId26"/>
   </p:handoutMasterIdLst>
   <p:sldIdLst>
     <p:sldId id="256" r:id="rId2"/>
@@ -33,9 +33,7 @@
     <p:sldId id="278" r:id="rId21"/>
     <p:sldId id="276" r:id="rId22"/>
     <p:sldId id="315" r:id="rId23"/>
-    <p:sldId id="280" r:id="rId24"/>
-    <p:sldId id="316" r:id="rId25"/>
-    <p:sldId id="282" r:id="rId26"/>
+    <p:sldId id="282" r:id="rId24"/>
   </p:sldIdLst>
   <p:sldSz cx="9144000" cy="6858000" type="screen4x3"/>
   <p:notesSz cx="6858000" cy="9144000"/>
@@ -13056,253 +13054,6 @@
           </a:p>
         </p:txBody>
       </p:sp>
-      <p:sp>
-        <p:nvSpPr>
-          <p:cNvPr id="33" name="Freeform 10"/>
-          <p:cNvSpPr/>
-          <p:nvPr userDrawn="1"/>
-        </p:nvSpPr>
-        <p:spPr bwMode="auto">
-          <a:xfrm>
-            <a:off x="1841535" y="5047251"/>
-            <a:ext cx="843427" cy="343858"/>
-          </a:xfrm>
-          <a:custGeom>
-            <a:avLst/>
-            <a:gdLst>
-              <a:gd name="T0" fmla="*/ 3120 w 3800"/>
-              <a:gd name="T1" fmla="*/ 0 h 1532"/>
-              <a:gd name="T2" fmla="*/ 682 w 3800"/>
-              <a:gd name="T3" fmla="*/ 0 h 1532"/>
-              <a:gd name="T4" fmla="*/ 682 w 3800"/>
-              <a:gd name="T5" fmla="*/ 284 h 1532"/>
-              <a:gd name="T6" fmla="*/ 0 w 3800"/>
-              <a:gd name="T7" fmla="*/ 766 h 1532"/>
-              <a:gd name="T8" fmla="*/ 682 w 3800"/>
-              <a:gd name="T9" fmla="*/ 1248 h 1532"/>
-              <a:gd name="T10" fmla="*/ 682 w 3800"/>
-              <a:gd name="T11" fmla="*/ 1532 h 1532"/>
-              <a:gd name="T12" fmla="*/ 3120 w 3800"/>
-              <a:gd name="T13" fmla="*/ 1532 h 1532"/>
-              <a:gd name="T14" fmla="*/ 3120 w 3800"/>
-              <a:gd name="T15" fmla="*/ 1248 h 1532"/>
-              <a:gd name="T16" fmla="*/ 3800 w 3800"/>
-              <a:gd name="T17" fmla="*/ 766 h 1532"/>
-              <a:gd name="T18" fmla="*/ 3120 w 3800"/>
-              <a:gd name="T19" fmla="*/ 284 h 1532"/>
-              <a:gd name="T20" fmla="*/ 3120 w 3800"/>
-              <a:gd name="T21" fmla="*/ 0 h 1532"/>
-            </a:gdLst>
-            <a:ahLst/>
-            <a:cxnLst>
-              <a:cxn ang="0">
-                <a:pos x="T0" y="T1"/>
-              </a:cxn>
-              <a:cxn ang="0">
-                <a:pos x="T2" y="T3"/>
-              </a:cxn>
-              <a:cxn ang="0">
-                <a:pos x="T4" y="T5"/>
-              </a:cxn>
-              <a:cxn ang="0">
-                <a:pos x="T6" y="T7"/>
-              </a:cxn>
-              <a:cxn ang="0">
-                <a:pos x="T8" y="T9"/>
-              </a:cxn>
-              <a:cxn ang="0">
-                <a:pos x="T10" y="T11"/>
-              </a:cxn>
-              <a:cxn ang="0">
-                <a:pos x="T12" y="T13"/>
-              </a:cxn>
-              <a:cxn ang="0">
-                <a:pos x="T14" y="T15"/>
-              </a:cxn>
-              <a:cxn ang="0">
-                <a:pos x="T16" y="T17"/>
-              </a:cxn>
-              <a:cxn ang="0">
-                <a:pos x="T18" y="T19"/>
-              </a:cxn>
-              <a:cxn ang="0">
-                <a:pos x="T20" y="T21"/>
-              </a:cxn>
-            </a:cxnLst>
-            <a:rect l="0" t="0" r="r" b="b"/>
-            <a:pathLst>
-              <a:path w="3800" h="1532">
-                <a:moveTo>
-                  <a:pt x="3120" y="0"/>
-                </a:moveTo>
-                <a:lnTo>
-                  <a:pt x="682" y="0"/>
-                </a:lnTo>
-                <a:lnTo>
-                  <a:pt x="682" y="284"/>
-                </a:lnTo>
-                <a:lnTo>
-                  <a:pt x="0" y="766"/>
-                </a:lnTo>
-                <a:lnTo>
-                  <a:pt x="682" y="1248"/>
-                </a:lnTo>
-                <a:lnTo>
-                  <a:pt x="682" y="1532"/>
-                </a:lnTo>
-                <a:lnTo>
-                  <a:pt x="3120" y="1532"/>
-                </a:lnTo>
-                <a:lnTo>
-                  <a:pt x="3120" y="1248"/>
-                </a:lnTo>
-                <a:lnTo>
-                  <a:pt x="3800" y="766"/>
-                </a:lnTo>
-                <a:lnTo>
-                  <a:pt x="3120" y="284"/>
-                </a:lnTo>
-                <a:lnTo>
-                  <a:pt x="3120" y="0"/>
-                </a:lnTo>
-                <a:close/>
-              </a:path>
-            </a:pathLst>
-          </a:custGeom>
-          <a:solidFill>
-            <a:schemeClr val="bg2"/>
-          </a:solidFill>
-          <a:ln>
-            <a:noFill/>
-          </a:ln>
-        </p:spPr>
-        <p:txBody>
-          <a:bodyPr vert="horz" wrap="square" lIns="91440" tIns="45720" rIns="91440" bIns="45720" numCol="1" anchor="ctr" anchorCtr="0" compatLnSpc="1">
-            <a:noAutofit/>
-          </a:bodyPr>
-          <a:lstStyle/>
-          <a:p>
-            <a:pPr algn="ctr"/>
-            <a:endParaRPr lang="zh-CN" altLang="en-US" sz="3200" b="1"/>
-          </a:p>
-        </p:txBody>
-      </p:sp>
-      <p:sp>
-        <p:nvSpPr>
-          <p:cNvPr id="34" name="文本框 33"/>
-          <p:cNvSpPr txBox="1"/>
-          <p:nvPr userDrawn="1"/>
-        </p:nvSpPr>
-        <p:spPr>
-          <a:xfrm>
-            <a:off x="2071646" y="4983444"/>
-            <a:ext cx="383206" cy="443226"/>
-          </a:xfrm>
-          <a:prstGeom prst="rect">
-            <a:avLst/>
-          </a:prstGeom>
-          <a:noFill/>
-        </p:spPr>
-        <p:txBody>
-          <a:bodyPr wrap="none" rtlCol="0" anchor="ctr">
-            <a:noAutofit/>
-          </a:bodyPr>
-          <a:lstStyle/>
-          <a:p>
-            <a:pPr algn="ctr"/>
-            <a:r>
-              <a:rPr lang="en-US" altLang="zh-CN" b="1" dirty="0" smtClean="0">
-                <a:solidFill>
-                  <a:schemeClr val="bg1"/>
-                </a:solidFill>
-                <a:latin typeface="微软雅黑" panose="020B0503020204020204" pitchFamily="34" charset="-122"/>
-                <a:ea typeface="微软雅黑" panose="020B0503020204020204" pitchFamily="34" charset="-122"/>
-              </a:rPr>
-              <a:t>5</a:t>
-            </a:r>
-            <a:endParaRPr lang="zh-CN" altLang="en-US" b="1" dirty="0">
-              <a:solidFill>
-                <a:schemeClr val="bg1"/>
-              </a:solidFill>
-              <a:latin typeface="微软雅黑" panose="020B0503020204020204" pitchFamily="34" charset="-122"/>
-              <a:ea typeface="微软雅黑" panose="020B0503020204020204" pitchFamily="34" charset="-122"/>
-            </a:endParaRPr>
-          </a:p>
-        </p:txBody>
-      </p:sp>
-      <p:cxnSp>
-        <p:nvCxnSpPr>
-          <p:cNvPr id="35" name="直接连接符 34"/>
-          <p:cNvCxnSpPr>
-            <a:stCxn id="33" idx="6"/>
-          </p:cNvCxnSpPr>
-          <p:nvPr/>
-        </p:nvCxnSpPr>
-        <p:spPr>
-          <a:xfrm>
-            <a:off x="2534033" y="5391109"/>
-            <a:ext cx="4500000" cy="0"/>
-          </a:xfrm>
-          <a:prstGeom prst="line">
-            <a:avLst/>
-          </a:prstGeom>
-          <a:ln>
-            <a:solidFill>
-              <a:schemeClr val="bg2"/>
-            </a:solidFill>
-          </a:ln>
-        </p:spPr>
-        <p:style>
-          <a:lnRef idx="1">
-            <a:schemeClr val="accent1"/>
-          </a:lnRef>
-          <a:fillRef idx="0">
-            <a:schemeClr val="accent1"/>
-          </a:fillRef>
-          <a:effectRef idx="0">
-            <a:schemeClr val="accent1"/>
-          </a:effectRef>
-          <a:fontRef idx="minor">
-            <a:schemeClr val="tx1"/>
-          </a:fontRef>
-        </p:style>
-      </p:cxnSp>
-      <p:sp>
-        <p:nvSpPr>
-          <p:cNvPr id="36" name="文本框 35"/>
-          <p:cNvSpPr txBox="1"/>
-          <p:nvPr/>
-        </p:nvSpPr>
-        <p:spPr>
-          <a:xfrm>
-            <a:off x="2915073" y="4954628"/>
-            <a:ext cx="4387392" cy="460375"/>
-          </a:xfrm>
-          <a:prstGeom prst="rect">
-            <a:avLst/>
-          </a:prstGeom>
-          <a:noFill/>
-        </p:spPr>
-        <p:txBody>
-          <a:bodyPr wrap="square" rtlCol="0">
-            <a:spAutoFit/>
-          </a:bodyPr>
-          <a:lstStyle/>
-          <a:p>
-            <a:r>
-              <a:rPr lang="zh-CN" altLang="en-US" sz="2400" dirty="0">
-                <a:solidFill>
-                  <a:schemeClr val="tx1">
-                    <a:lumMod val="75000"/>
-                    <a:lumOff val="25000"/>
-                  </a:schemeClr>
-                </a:solidFill>
-              </a:rPr>
-              <a:t>总结</a:t>
-            </a:r>
-          </a:p>
-        </p:txBody>
-      </p:sp>
     </p:spTree>
   </p:cSld>
   <p:clrMapOvr>
@@ -16695,253 +16446,6 @@
           </a:p>
         </p:txBody>
       </p:sp>
-      <p:sp>
-        <p:nvSpPr>
-          <p:cNvPr id="33" name="Freeform 10"/>
-          <p:cNvSpPr/>
-          <p:nvPr userDrawn="1"/>
-        </p:nvSpPr>
-        <p:spPr bwMode="auto">
-          <a:xfrm>
-            <a:off x="1841535" y="5047251"/>
-            <a:ext cx="843427" cy="343858"/>
-          </a:xfrm>
-          <a:custGeom>
-            <a:avLst/>
-            <a:gdLst>
-              <a:gd name="T0" fmla="*/ 3120 w 3800"/>
-              <a:gd name="T1" fmla="*/ 0 h 1532"/>
-              <a:gd name="T2" fmla="*/ 682 w 3800"/>
-              <a:gd name="T3" fmla="*/ 0 h 1532"/>
-              <a:gd name="T4" fmla="*/ 682 w 3800"/>
-              <a:gd name="T5" fmla="*/ 284 h 1532"/>
-              <a:gd name="T6" fmla="*/ 0 w 3800"/>
-              <a:gd name="T7" fmla="*/ 766 h 1532"/>
-              <a:gd name="T8" fmla="*/ 682 w 3800"/>
-              <a:gd name="T9" fmla="*/ 1248 h 1532"/>
-              <a:gd name="T10" fmla="*/ 682 w 3800"/>
-              <a:gd name="T11" fmla="*/ 1532 h 1532"/>
-              <a:gd name="T12" fmla="*/ 3120 w 3800"/>
-              <a:gd name="T13" fmla="*/ 1532 h 1532"/>
-              <a:gd name="T14" fmla="*/ 3120 w 3800"/>
-              <a:gd name="T15" fmla="*/ 1248 h 1532"/>
-              <a:gd name="T16" fmla="*/ 3800 w 3800"/>
-              <a:gd name="T17" fmla="*/ 766 h 1532"/>
-              <a:gd name="T18" fmla="*/ 3120 w 3800"/>
-              <a:gd name="T19" fmla="*/ 284 h 1532"/>
-              <a:gd name="T20" fmla="*/ 3120 w 3800"/>
-              <a:gd name="T21" fmla="*/ 0 h 1532"/>
-            </a:gdLst>
-            <a:ahLst/>
-            <a:cxnLst>
-              <a:cxn ang="0">
-                <a:pos x="T0" y="T1"/>
-              </a:cxn>
-              <a:cxn ang="0">
-                <a:pos x="T2" y="T3"/>
-              </a:cxn>
-              <a:cxn ang="0">
-                <a:pos x="T4" y="T5"/>
-              </a:cxn>
-              <a:cxn ang="0">
-                <a:pos x="T6" y="T7"/>
-              </a:cxn>
-              <a:cxn ang="0">
-                <a:pos x="T8" y="T9"/>
-              </a:cxn>
-              <a:cxn ang="0">
-                <a:pos x="T10" y="T11"/>
-              </a:cxn>
-              <a:cxn ang="0">
-                <a:pos x="T12" y="T13"/>
-              </a:cxn>
-              <a:cxn ang="0">
-                <a:pos x="T14" y="T15"/>
-              </a:cxn>
-              <a:cxn ang="0">
-                <a:pos x="T16" y="T17"/>
-              </a:cxn>
-              <a:cxn ang="0">
-                <a:pos x="T18" y="T19"/>
-              </a:cxn>
-              <a:cxn ang="0">
-                <a:pos x="T20" y="T21"/>
-              </a:cxn>
-            </a:cxnLst>
-            <a:rect l="0" t="0" r="r" b="b"/>
-            <a:pathLst>
-              <a:path w="3800" h="1532">
-                <a:moveTo>
-                  <a:pt x="3120" y="0"/>
-                </a:moveTo>
-                <a:lnTo>
-                  <a:pt x="682" y="0"/>
-                </a:lnTo>
-                <a:lnTo>
-                  <a:pt x="682" y="284"/>
-                </a:lnTo>
-                <a:lnTo>
-                  <a:pt x="0" y="766"/>
-                </a:lnTo>
-                <a:lnTo>
-                  <a:pt x="682" y="1248"/>
-                </a:lnTo>
-                <a:lnTo>
-                  <a:pt x="682" y="1532"/>
-                </a:lnTo>
-                <a:lnTo>
-                  <a:pt x="3120" y="1532"/>
-                </a:lnTo>
-                <a:lnTo>
-                  <a:pt x="3120" y="1248"/>
-                </a:lnTo>
-                <a:lnTo>
-                  <a:pt x="3800" y="766"/>
-                </a:lnTo>
-                <a:lnTo>
-                  <a:pt x="3120" y="284"/>
-                </a:lnTo>
-                <a:lnTo>
-                  <a:pt x="3120" y="0"/>
-                </a:lnTo>
-                <a:close/>
-              </a:path>
-            </a:pathLst>
-          </a:custGeom>
-          <a:solidFill>
-            <a:schemeClr val="bg2"/>
-          </a:solidFill>
-          <a:ln>
-            <a:noFill/>
-          </a:ln>
-        </p:spPr>
-        <p:txBody>
-          <a:bodyPr vert="horz" wrap="square" lIns="91440" tIns="45720" rIns="91440" bIns="45720" numCol="1" anchor="ctr" anchorCtr="0" compatLnSpc="1">
-            <a:noAutofit/>
-          </a:bodyPr>
-          <a:lstStyle/>
-          <a:p>
-            <a:pPr algn="ctr"/>
-            <a:endParaRPr lang="zh-CN" altLang="en-US" sz="3200" b="1"/>
-          </a:p>
-        </p:txBody>
-      </p:sp>
-      <p:sp>
-        <p:nvSpPr>
-          <p:cNvPr id="34" name="文本框 33"/>
-          <p:cNvSpPr txBox="1"/>
-          <p:nvPr userDrawn="1"/>
-        </p:nvSpPr>
-        <p:spPr>
-          <a:xfrm>
-            <a:off x="2071646" y="4983444"/>
-            <a:ext cx="383206" cy="443226"/>
-          </a:xfrm>
-          <a:prstGeom prst="rect">
-            <a:avLst/>
-          </a:prstGeom>
-          <a:noFill/>
-        </p:spPr>
-        <p:txBody>
-          <a:bodyPr wrap="none" rtlCol="0" anchor="ctr">
-            <a:noAutofit/>
-          </a:bodyPr>
-          <a:lstStyle/>
-          <a:p>
-            <a:pPr algn="ctr"/>
-            <a:r>
-              <a:rPr lang="en-US" altLang="zh-CN" b="1" dirty="0" smtClean="0">
-                <a:solidFill>
-                  <a:schemeClr val="bg1"/>
-                </a:solidFill>
-                <a:latin typeface="微软雅黑" panose="020B0503020204020204" pitchFamily="34" charset="-122"/>
-                <a:ea typeface="微软雅黑" panose="020B0503020204020204" pitchFamily="34" charset="-122"/>
-              </a:rPr>
-              <a:t>5</a:t>
-            </a:r>
-            <a:endParaRPr lang="zh-CN" altLang="en-US" b="1" dirty="0">
-              <a:solidFill>
-                <a:schemeClr val="bg1"/>
-              </a:solidFill>
-              <a:latin typeface="微软雅黑" panose="020B0503020204020204" pitchFamily="34" charset="-122"/>
-              <a:ea typeface="微软雅黑" panose="020B0503020204020204" pitchFamily="34" charset="-122"/>
-            </a:endParaRPr>
-          </a:p>
-        </p:txBody>
-      </p:sp>
-      <p:cxnSp>
-        <p:nvCxnSpPr>
-          <p:cNvPr id="35" name="直接连接符 34"/>
-          <p:cNvCxnSpPr>
-            <a:stCxn id="33" idx="6"/>
-          </p:cNvCxnSpPr>
-          <p:nvPr/>
-        </p:nvCxnSpPr>
-        <p:spPr>
-          <a:xfrm>
-            <a:off x="2534033" y="5391109"/>
-            <a:ext cx="4500000" cy="0"/>
-          </a:xfrm>
-          <a:prstGeom prst="line">
-            <a:avLst/>
-          </a:prstGeom>
-          <a:ln>
-            <a:solidFill>
-              <a:schemeClr val="bg2"/>
-            </a:solidFill>
-          </a:ln>
-        </p:spPr>
-        <p:style>
-          <a:lnRef idx="1">
-            <a:schemeClr val="accent1"/>
-          </a:lnRef>
-          <a:fillRef idx="0">
-            <a:schemeClr val="accent1"/>
-          </a:fillRef>
-          <a:effectRef idx="0">
-            <a:schemeClr val="accent1"/>
-          </a:effectRef>
-          <a:fontRef idx="minor">
-            <a:schemeClr val="tx1"/>
-          </a:fontRef>
-        </p:style>
-      </p:cxnSp>
-      <p:sp>
-        <p:nvSpPr>
-          <p:cNvPr id="36" name="文本框 35"/>
-          <p:cNvSpPr txBox="1"/>
-          <p:nvPr/>
-        </p:nvSpPr>
-        <p:spPr>
-          <a:xfrm>
-            <a:off x="2915073" y="4954628"/>
-            <a:ext cx="4387392" cy="460375"/>
-          </a:xfrm>
-          <a:prstGeom prst="rect">
-            <a:avLst/>
-          </a:prstGeom>
-          <a:noFill/>
-        </p:spPr>
-        <p:txBody>
-          <a:bodyPr wrap="square" rtlCol="0">
-            <a:spAutoFit/>
-          </a:bodyPr>
-          <a:lstStyle/>
-          <a:p>
-            <a:r>
-              <a:rPr lang="zh-CN" altLang="en-US" sz="2400" dirty="0">
-                <a:solidFill>
-                  <a:schemeClr val="tx1">
-                    <a:lumMod val="75000"/>
-                    <a:lumOff val="25000"/>
-                  </a:schemeClr>
-                </a:solidFill>
-              </a:rPr>
-              <a:t>总结</a:t>
-            </a:r>
-          </a:p>
-        </p:txBody>
-      </p:sp>
     </p:spTree>
   </p:cSld>
   <p:clrMapOvr>
@@ -18215,261 +17719,6 @@
             <a:r>
               <a:rPr lang="zh-CN" altLang="en-US" sz="2400" dirty="0"/>
               <a:t>迭代评估报告</a:t>
-            </a:r>
-          </a:p>
-        </p:txBody>
-      </p:sp>
-      <p:grpSp>
-        <p:nvGrpSpPr>
-          <p:cNvPr id="32" name="组合 31"/>
-          <p:cNvGrpSpPr/>
-          <p:nvPr/>
-        </p:nvGrpSpPr>
-        <p:grpSpPr>
-          <a:xfrm>
-            <a:off x="1841535" y="4983444"/>
-            <a:ext cx="843427" cy="443226"/>
-            <a:chOff x="666810" y="2586037"/>
-            <a:chExt cx="468000" cy="245937"/>
-          </a:xfrm>
-        </p:grpSpPr>
-        <p:sp>
-          <p:nvSpPr>
-            <p:cNvPr id="33" name="Freeform 10"/>
-            <p:cNvSpPr/>
-            <p:nvPr userDrawn="1"/>
-          </p:nvSpPr>
-          <p:spPr bwMode="auto">
-            <a:xfrm>
-              <a:off x="666810" y="2621442"/>
-              <a:ext cx="468000" cy="190800"/>
-            </a:xfrm>
-            <a:custGeom>
-              <a:avLst/>
-              <a:gdLst>
-                <a:gd name="T0" fmla="*/ 3120 w 3800"/>
-                <a:gd name="T1" fmla="*/ 0 h 1532"/>
-                <a:gd name="T2" fmla="*/ 682 w 3800"/>
-                <a:gd name="T3" fmla="*/ 0 h 1532"/>
-                <a:gd name="T4" fmla="*/ 682 w 3800"/>
-                <a:gd name="T5" fmla="*/ 284 h 1532"/>
-                <a:gd name="T6" fmla="*/ 0 w 3800"/>
-                <a:gd name="T7" fmla="*/ 766 h 1532"/>
-                <a:gd name="T8" fmla="*/ 682 w 3800"/>
-                <a:gd name="T9" fmla="*/ 1248 h 1532"/>
-                <a:gd name="T10" fmla="*/ 682 w 3800"/>
-                <a:gd name="T11" fmla="*/ 1532 h 1532"/>
-                <a:gd name="T12" fmla="*/ 3120 w 3800"/>
-                <a:gd name="T13" fmla="*/ 1532 h 1532"/>
-                <a:gd name="T14" fmla="*/ 3120 w 3800"/>
-                <a:gd name="T15" fmla="*/ 1248 h 1532"/>
-                <a:gd name="T16" fmla="*/ 3800 w 3800"/>
-                <a:gd name="T17" fmla="*/ 766 h 1532"/>
-                <a:gd name="T18" fmla="*/ 3120 w 3800"/>
-                <a:gd name="T19" fmla="*/ 284 h 1532"/>
-                <a:gd name="T20" fmla="*/ 3120 w 3800"/>
-                <a:gd name="T21" fmla="*/ 0 h 1532"/>
-              </a:gdLst>
-              <a:ahLst/>
-              <a:cxnLst>
-                <a:cxn ang="0">
-                  <a:pos x="T0" y="T1"/>
-                </a:cxn>
-                <a:cxn ang="0">
-                  <a:pos x="T2" y="T3"/>
-                </a:cxn>
-                <a:cxn ang="0">
-                  <a:pos x="T4" y="T5"/>
-                </a:cxn>
-                <a:cxn ang="0">
-                  <a:pos x="T6" y="T7"/>
-                </a:cxn>
-                <a:cxn ang="0">
-                  <a:pos x="T8" y="T9"/>
-                </a:cxn>
-                <a:cxn ang="0">
-                  <a:pos x="T10" y="T11"/>
-                </a:cxn>
-                <a:cxn ang="0">
-                  <a:pos x="T12" y="T13"/>
-                </a:cxn>
-                <a:cxn ang="0">
-                  <a:pos x="T14" y="T15"/>
-                </a:cxn>
-                <a:cxn ang="0">
-                  <a:pos x="T16" y="T17"/>
-                </a:cxn>
-                <a:cxn ang="0">
-                  <a:pos x="T18" y="T19"/>
-                </a:cxn>
-                <a:cxn ang="0">
-                  <a:pos x="T20" y="T21"/>
-                </a:cxn>
-              </a:cxnLst>
-              <a:rect l="0" t="0" r="r" b="b"/>
-              <a:pathLst>
-                <a:path w="3800" h="1532">
-                  <a:moveTo>
-                    <a:pt x="3120" y="0"/>
-                  </a:moveTo>
-                  <a:lnTo>
-                    <a:pt x="682" y="0"/>
-                  </a:lnTo>
-                  <a:lnTo>
-                    <a:pt x="682" y="284"/>
-                  </a:lnTo>
-                  <a:lnTo>
-                    <a:pt x="0" y="766"/>
-                  </a:lnTo>
-                  <a:lnTo>
-                    <a:pt x="682" y="1248"/>
-                  </a:lnTo>
-                  <a:lnTo>
-                    <a:pt x="682" y="1532"/>
-                  </a:lnTo>
-                  <a:lnTo>
-                    <a:pt x="3120" y="1532"/>
-                  </a:lnTo>
-                  <a:lnTo>
-                    <a:pt x="3120" y="1248"/>
-                  </a:lnTo>
-                  <a:lnTo>
-                    <a:pt x="3800" y="766"/>
-                  </a:lnTo>
-                  <a:lnTo>
-                    <a:pt x="3120" y="284"/>
-                  </a:lnTo>
-                  <a:lnTo>
-                    <a:pt x="3120" y="0"/>
-                  </a:lnTo>
-                  <a:close/>
-                </a:path>
-              </a:pathLst>
-            </a:custGeom>
-            <a:solidFill>
-              <a:schemeClr val="accent1"/>
-            </a:solidFill>
-            <a:ln>
-              <a:noFill/>
-            </a:ln>
-          </p:spPr>
-          <p:txBody>
-            <a:bodyPr vert="horz" wrap="square" lIns="91440" tIns="45720" rIns="91440" bIns="45720" numCol="1" anchor="ctr" anchorCtr="0" compatLnSpc="1">
-              <a:noAutofit/>
-            </a:bodyPr>
-            <a:lstStyle/>
-            <a:p>
-              <a:pPr algn="ctr"/>
-              <a:endParaRPr lang="zh-CN" altLang="en-US" sz="3200" b="1"/>
-            </a:p>
-          </p:txBody>
-        </p:sp>
-        <p:sp>
-          <p:nvSpPr>
-            <p:cNvPr id="34" name="文本框 33"/>
-            <p:cNvSpPr txBox="1"/>
-            <p:nvPr userDrawn="1"/>
-          </p:nvSpPr>
-          <p:spPr>
-            <a:xfrm>
-              <a:off x="794494" y="2586037"/>
-              <a:ext cx="212633" cy="245937"/>
-            </a:xfrm>
-            <a:prstGeom prst="rect">
-              <a:avLst/>
-            </a:prstGeom>
-            <a:noFill/>
-          </p:spPr>
-          <p:txBody>
-            <a:bodyPr wrap="none" rtlCol="0" anchor="ctr">
-              <a:noAutofit/>
-            </a:bodyPr>
-            <a:lstStyle/>
-            <a:p>
-              <a:pPr algn="ctr"/>
-              <a:r>
-                <a:rPr lang="en-US" altLang="zh-CN" b="1" dirty="0" smtClean="0">
-                  <a:solidFill>
-                    <a:schemeClr val="bg1"/>
-                  </a:solidFill>
-                  <a:latin typeface="微软雅黑" panose="020B0503020204020204" pitchFamily="34" charset="-122"/>
-                  <a:ea typeface="微软雅黑" panose="020B0503020204020204" pitchFamily="34" charset="-122"/>
-                </a:rPr>
-                <a:t>5</a:t>
-              </a:r>
-              <a:endParaRPr lang="zh-CN" altLang="en-US" b="1" dirty="0">
-                <a:solidFill>
-                  <a:schemeClr val="bg1"/>
-                </a:solidFill>
-                <a:latin typeface="微软雅黑" panose="020B0503020204020204" pitchFamily="34" charset="-122"/>
-                <a:ea typeface="微软雅黑" panose="020B0503020204020204" pitchFamily="34" charset="-122"/>
-              </a:endParaRPr>
-            </a:p>
-          </p:txBody>
-        </p:sp>
-      </p:grpSp>
-      <p:cxnSp>
-        <p:nvCxnSpPr>
-          <p:cNvPr id="35" name="直接连接符 34"/>
-          <p:cNvCxnSpPr>
-            <a:stCxn id="33" idx="6"/>
-          </p:cNvCxnSpPr>
-          <p:nvPr/>
-        </p:nvCxnSpPr>
-        <p:spPr>
-          <a:xfrm>
-            <a:off x="2534033" y="5391109"/>
-            <a:ext cx="4500000" cy="0"/>
-          </a:xfrm>
-          <a:prstGeom prst="line">
-            <a:avLst/>
-          </a:prstGeom>
-          <a:ln>
-            <a:solidFill>
-              <a:schemeClr val="accent1"/>
-            </a:solidFill>
-          </a:ln>
-        </p:spPr>
-        <p:style>
-          <a:lnRef idx="1">
-            <a:schemeClr val="accent1"/>
-          </a:lnRef>
-          <a:fillRef idx="0">
-            <a:schemeClr val="accent1"/>
-          </a:fillRef>
-          <a:effectRef idx="0">
-            <a:schemeClr val="accent1"/>
-          </a:effectRef>
-          <a:fontRef idx="minor">
-            <a:schemeClr val="tx1"/>
-          </a:fontRef>
-        </p:style>
-      </p:cxnSp>
-      <p:sp>
-        <p:nvSpPr>
-          <p:cNvPr id="36" name="文本框 35"/>
-          <p:cNvSpPr txBox="1"/>
-          <p:nvPr/>
-        </p:nvSpPr>
-        <p:spPr>
-          <a:xfrm>
-            <a:off x="2915073" y="4954628"/>
-            <a:ext cx="4387392" cy="460375"/>
-          </a:xfrm>
-          <a:prstGeom prst="rect">
-            <a:avLst/>
-          </a:prstGeom>
-          <a:noFill/>
-        </p:spPr>
-        <p:txBody>
-          <a:bodyPr wrap="square" rtlCol="0">
-            <a:spAutoFit/>
-          </a:bodyPr>
-          <a:lstStyle/>
-          <a:p>
-            <a:r>
-              <a:rPr lang="zh-CN" altLang="en-US" sz="2400" dirty="0"/>
-              <a:t>总结</a:t>
             </a:r>
           </a:p>
         </p:txBody>
@@ -20251,263 +19500,6 @@
           </a:p>
         </p:txBody>
       </p:sp>
-      <p:sp>
-        <p:nvSpPr>
-          <p:cNvPr id="33" name="Freeform 10"/>
-          <p:cNvSpPr>
-            <a:spLocks noChangeAspect="1"/>
-          </p:cNvSpPr>
-          <p:nvPr userDrawn="1"/>
-        </p:nvSpPr>
-        <p:spPr bwMode="auto">
-          <a:xfrm>
-            <a:off x="1841535" y="5047251"/>
-            <a:ext cx="843427" cy="343858"/>
-          </a:xfrm>
-          <a:custGeom>
-            <a:avLst/>
-            <a:gdLst>
-              <a:gd name="T0" fmla="*/ 3120 w 3800"/>
-              <a:gd name="T1" fmla="*/ 0 h 1532"/>
-              <a:gd name="T2" fmla="*/ 682 w 3800"/>
-              <a:gd name="T3" fmla="*/ 0 h 1532"/>
-              <a:gd name="T4" fmla="*/ 682 w 3800"/>
-              <a:gd name="T5" fmla="*/ 284 h 1532"/>
-              <a:gd name="T6" fmla="*/ 0 w 3800"/>
-              <a:gd name="T7" fmla="*/ 766 h 1532"/>
-              <a:gd name="T8" fmla="*/ 682 w 3800"/>
-              <a:gd name="T9" fmla="*/ 1248 h 1532"/>
-              <a:gd name="T10" fmla="*/ 682 w 3800"/>
-              <a:gd name="T11" fmla="*/ 1532 h 1532"/>
-              <a:gd name="T12" fmla="*/ 3120 w 3800"/>
-              <a:gd name="T13" fmla="*/ 1532 h 1532"/>
-              <a:gd name="T14" fmla="*/ 3120 w 3800"/>
-              <a:gd name="T15" fmla="*/ 1248 h 1532"/>
-              <a:gd name="T16" fmla="*/ 3800 w 3800"/>
-              <a:gd name="T17" fmla="*/ 766 h 1532"/>
-              <a:gd name="T18" fmla="*/ 3120 w 3800"/>
-              <a:gd name="T19" fmla="*/ 284 h 1532"/>
-              <a:gd name="T20" fmla="*/ 3120 w 3800"/>
-              <a:gd name="T21" fmla="*/ 0 h 1532"/>
-            </a:gdLst>
-            <a:ahLst/>
-            <a:cxnLst>
-              <a:cxn ang="0">
-                <a:pos x="T0" y="T1"/>
-              </a:cxn>
-              <a:cxn ang="0">
-                <a:pos x="T2" y="T3"/>
-              </a:cxn>
-              <a:cxn ang="0">
-                <a:pos x="T4" y="T5"/>
-              </a:cxn>
-              <a:cxn ang="0">
-                <a:pos x="T6" y="T7"/>
-              </a:cxn>
-              <a:cxn ang="0">
-                <a:pos x="T8" y="T9"/>
-              </a:cxn>
-              <a:cxn ang="0">
-                <a:pos x="T10" y="T11"/>
-              </a:cxn>
-              <a:cxn ang="0">
-                <a:pos x="T12" y="T13"/>
-              </a:cxn>
-              <a:cxn ang="0">
-                <a:pos x="T14" y="T15"/>
-              </a:cxn>
-              <a:cxn ang="0">
-                <a:pos x="T16" y="T17"/>
-              </a:cxn>
-              <a:cxn ang="0">
-                <a:pos x="T18" y="T19"/>
-              </a:cxn>
-              <a:cxn ang="0">
-                <a:pos x="T20" y="T21"/>
-              </a:cxn>
-            </a:cxnLst>
-            <a:rect l="0" t="0" r="r" b="b"/>
-            <a:pathLst>
-              <a:path w="3800" h="1532">
-                <a:moveTo>
-                  <a:pt x="3120" y="0"/>
-                </a:moveTo>
-                <a:lnTo>
-                  <a:pt x="682" y="0"/>
-                </a:lnTo>
-                <a:lnTo>
-                  <a:pt x="682" y="284"/>
-                </a:lnTo>
-                <a:lnTo>
-                  <a:pt x="0" y="766"/>
-                </a:lnTo>
-                <a:lnTo>
-                  <a:pt x="682" y="1248"/>
-                </a:lnTo>
-                <a:lnTo>
-                  <a:pt x="682" y="1532"/>
-                </a:lnTo>
-                <a:lnTo>
-                  <a:pt x="3120" y="1532"/>
-                </a:lnTo>
-                <a:lnTo>
-                  <a:pt x="3120" y="1248"/>
-                </a:lnTo>
-                <a:lnTo>
-                  <a:pt x="3800" y="766"/>
-                </a:lnTo>
-                <a:lnTo>
-                  <a:pt x="3120" y="284"/>
-                </a:lnTo>
-                <a:lnTo>
-                  <a:pt x="3120" y="0"/>
-                </a:lnTo>
-                <a:close/>
-              </a:path>
-            </a:pathLst>
-          </a:custGeom>
-          <a:solidFill>
-            <a:schemeClr val="bg2"/>
-          </a:solidFill>
-          <a:ln>
-            <a:noFill/>
-          </a:ln>
-        </p:spPr>
-        <p:txBody>
-          <a:bodyPr vert="horz" wrap="square" lIns="91440" tIns="45720" rIns="91440" bIns="45720" numCol="1" anchor="ctr" anchorCtr="0" compatLnSpc="1">
-            <a:noAutofit/>
-          </a:bodyPr>
-          <a:lstStyle/>
-          <a:p>
-            <a:pPr algn="ctr"/>
-            <a:endParaRPr lang="zh-CN" altLang="en-US" sz="3200" b="1"/>
-          </a:p>
-        </p:txBody>
-      </p:sp>
-      <p:sp>
-        <p:nvSpPr>
-          <p:cNvPr id="34" name="文本框 33"/>
-          <p:cNvSpPr txBox="1"/>
-          <p:nvPr userDrawn="1"/>
-        </p:nvSpPr>
-        <p:spPr>
-          <a:xfrm>
-            <a:off x="2071646" y="4983444"/>
-            <a:ext cx="383206" cy="443226"/>
-          </a:xfrm>
-          <a:prstGeom prst="rect">
-            <a:avLst/>
-          </a:prstGeom>
-          <a:noFill/>
-        </p:spPr>
-        <p:txBody>
-          <a:bodyPr wrap="none" rtlCol="0" anchor="ctr">
-            <a:noAutofit/>
-          </a:bodyPr>
-          <a:lstStyle/>
-          <a:p>
-            <a:pPr algn="ctr"/>
-            <a:r>
-              <a:rPr lang="en-US" altLang="zh-CN" b="1" dirty="0" smtClean="0">
-                <a:solidFill>
-                  <a:schemeClr val="bg1"/>
-                </a:solidFill>
-                <a:latin typeface="微软雅黑" panose="020B0503020204020204" pitchFamily="34" charset="-122"/>
-                <a:ea typeface="微软雅黑" panose="020B0503020204020204" pitchFamily="34" charset="-122"/>
-              </a:rPr>
-              <a:t>5</a:t>
-            </a:r>
-            <a:endParaRPr lang="zh-CN" altLang="en-US" b="1" dirty="0">
-              <a:solidFill>
-                <a:schemeClr val="bg1"/>
-              </a:solidFill>
-              <a:latin typeface="微软雅黑" panose="020B0503020204020204" pitchFamily="34" charset="-122"/>
-              <a:ea typeface="微软雅黑" panose="020B0503020204020204" pitchFamily="34" charset="-122"/>
-            </a:endParaRPr>
-          </a:p>
-        </p:txBody>
-      </p:sp>
-      <p:cxnSp>
-        <p:nvCxnSpPr>
-          <p:cNvPr id="35" name="直接连接符 34"/>
-          <p:cNvCxnSpPr>
-            <a:stCxn id="33" idx="6"/>
-          </p:cNvCxnSpPr>
-          <p:nvPr/>
-        </p:nvCxnSpPr>
-        <p:spPr>
-          <a:xfrm>
-            <a:off x="2534033" y="5391109"/>
-            <a:ext cx="4500000" cy="0"/>
-          </a:xfrm>
-          <a:prstGeom prst="line">
-            <a:avLst/>
-          </a:prstGeom>
-          <a:ln>
-            <a:solidFill>
-              <a:schemeClr val="bg2"/>
-            </a:solidFill>
-          </a:ln>
-        </p:spPr>
-        <p:style>
-          <a:lnRef idx="1">
-            <a:schemeClr val="accent1"/>
-          </a:lnRef>
-          <a:fillRef idx="0">
-            <a:schemeClr val="accent1"/>
-          </a:fillRef>
-          <a:effectRef idx="0">
-            <a:schemeClr val="accent1"/>
-          </a:effectRef>
-          <a:fontRef idx="minor">
-            <a:schemeClr val="tx1"/>
-          </a:fontRef>
-        </p:style>
-      </p:cxnSp>
-      <p:sp>
-        <p:nvSpPr>
-          <p:cNvPr id="36" name="文本框 35"/>
-          <p:cNvSpPr txBox="1"/>
-          <p:nvPr/>
-        </p:nvSpPr>
-        <p:spPr>
-          <a:xfrm>
-            <a:off x="2915073" y="4954628"/>
-            <a:ext cx="4387392" cy="460375"/>
-          </a:xfrm>
-          <a:prstGeom prst="rect">
-            <a:avLst/>
-          </a:prstGeom>
-          <a:noFill/>
-        </p:spPr>
-        <p:txBody>
-          <a:bodyPr wrap="square" rtlCol="0">
-            <a:spAutoFit/>
-          </a:bodyPr>
-          <a:lstStyle/>
-          <a:p>
-            <a:r>
-              <a:rPr lang="zh-CN" altLang="en-US" sz="2400" dirty="0" smtClean="0">
-                <a:solidFill>
-                  <a:schemeClr val="tx1">
-                    <a:lumMod val="75000"/>
-                    <a:lumOff val="25000"/>
-                  </a:schemeClr>
-                </a:solidFill>
-              </a:rPr>
-              <a:t>总结</a:t>
-            </a:r>
-            <a:endParaRPr lang="zh-CN" altLang="en-US" sz="2400" dirty="0">
-              <a:solidFill>
-                <a:schemeClr val="tx1">
-                  <a:lumMod val="75000"/>
-                  <a:lumOff val="25000"/>
-                </a:schemeClr>
-              </a:solidFill>
-            </a:endParaRPr>
-          </a:p>
-        </p:txBody>
-      </p:sp>
     </p:spTree>
   </p:cSld>
   <p:clrMapOvr>
@@ -20658,6 +19650,69 @@
       </p:grpSpPr>
       <p:sp>
         <p:nvSpPr>
+          <p:cNvPr id="3" name="标题 2"/>
+          <p:cNvSpPr>
+            <a:spLocks noGrp="1"/>
+          </p:cNvSpPr>
+          <p:nvPr>
+            <p:ph type="title"/>
+          </p:nvPr>
+        </p:nvSpPr>
+        <p:spPr/>
+        <p:txBody>
+          <a:bodyPr/>
+          <a:lstStyle/>
+          <a:p>
+            <a:r>
+              <a:rPr lang="zh-CN" altLang="en-US" dirty="0" smtClean="0"/>
+              <a:t>谢谢！</a:t>
+            </a:r>
+            <a:endParaRPr lang="zh-CN" altLang="en-US" dirty="0"/>
+          </a:p>
+        </p:txBody>
+      </p:sp>
+    </p:spTree>
+  </p:cSld>
+  <p:clrMapOvr>
+    <a:masterClrMapping/>
+  </p:clrMapOvr>
+  <mc:AlternateContent xmlns:mc="http://schemas.openxmlformats.org/markup-compatibility/2006" xmlns:p14="http://schemas.microsoft.com/office/powerpoint/2010/main">
+    <mc:Choice Requires="p14">
+      <p:transition spd="slow" p14:dur="2000"/>
+    </mc:Choice>
+    <mc:Fallback xmlns="">
+      <p:transition spd="slow"/>
+    </mc:Fallback>
+  </mc:AlternateContent>
+  <p:timing>
+    <p:tnLst>
+      <p:par>
+        <p:cTn id="1" dur="indefinite" restart="never" nodeType="tmRoot"/>
+      </p:par>
+    </p:tnLst>
+  </p:timing>
+</p:sld>
+</file>
+
+<file path=ppt/slides/slide3.xml><?xml version="1.0" encoding="utf-8"?>
+<p:sld xmlns:a="http://schemas.openxmlformats.org/drawingml/2006/main" xmlns:r="http://schemas.openxmlformats.org/officeDocument/2006/relationships" xmlns:p="http://schemas.openxmlformats.org/presentationml/2006/main">
+  <p:cSld>
+    <p:spTree>
+      <p:nvGrpSpPr>
+        <p:cNvPr id="1" name=""/>
+        <p:cNvGrpSpPr/>
+        <p:nvPr/>
+      </p:nvGrpSpPr>
+      <p:grpSpPr>
+        <a:xfrm>
+          <a:off x="0" y="0"/>
+          <a:ext cx="0" cy="0"/>
+          <a:chOff x="0" y="0"/>
+          <a:chExt cx="0" cy="0"/>
+        </a:xfrm>
+      </p:grpSpPr>
+      <p:sp>
+        <p:nvSpPr>
           <p:cNvPr id="2" name="标题 1"/>
           <p:cNvSpPr>
             <a:spLocks noGrp="1"/>
@@ -20675,9 +19730,6 @@
           <a:p>
             <a:r>
               <a:rPr lang="zh-CN" altLang="en-US" dirty="0">
-                <a:solidFill>
-                  <a:srgbClr val="C9151E"/>
-                </a:solidFill>
                 <a:latin typeface="微软雅黑" panose="020B0503020204020204" pitchFamily="34" charset="-122"/>
                 <a:ea typeface="微软雅黑" panose="020B0503020204020204" pitchFamily="34" charset="-122"/>
               </a:rPr>
@@ -20685,18 +19737,12 @@
             </a:r>
             <a:r>
               <a:rPr lang="en-US" altLang="zh-CN" dirty="0">
-                <a:solidFill>
-                  <a:srgbClr val="C9151E"/>
-                </a:solidFill>
                 <a:latin typeface="微软雅黑" panose="020B0503020204020204" pitchFamily="34" charset="-122"/>
                 <a:ea typeface="微软雅黑" panose="020B0503020204020204" pitchFamily="34" charset="-122"/>
               </a:rPr>
               <a:t>Contents</a:t>
             </a:r>
             <a:endParaRPr lang="zh-CN" altLang="en-US" dirty="0">
-              <a:solidFill>
-                <a:srgbClr val="C9151E"/>
-              </a:solidFill>
               <a:latin typeface="微软雅黑" panose="020B0503020204020204" pitchFamily="34" charset="-122"/>
               <a:ea typeface="微软雅黑" panose="020B0503020204020204" pitchFamily="34" charset="-122"/>
             </a:endParaRPr>
@@ -20817,7 +19863,7 @@
             </a:pathLst>
           </a:custGeom>
           <a:solidFill>
-            <a:schemeClr val="bg2"/>
+            <a:schemeClr val="accent1"/>
           </a:solidFill>
           <a:ln>
             <a:noFill/>
@@ -20895,7 +19941,7 @@
           </a:prstGeom>
           <a:ln>
             <a:solidFill>
-              <a:schemeClr val="bg2"/>
+              <a:schemeClr val="accent1"/>
             </a:solidFill>
           </a:ln>
         </p:spPr>
@@ -20937,14 +19983,7 @@
           <a:lstStyle/>
           <a:p>
             <a:r>
-              <a:rPr lang="zh-CN" altLang="en-US" sz="2400" dirty="0">
-                <a:solidFill>
-                  <a:schemeClr val="tx1">
-                    <a:lumMod val="75000"/>
-                    <a:lumOff val="25000"/>
-                  </a:schemeClr>
-                </a:solidFill>
-              </a:rPr>
+              <a:rPr lang="zh-CN" altLang="en-US" sz="2400" dirty="0"/>
               <a:t>项目背景</a:t>
             </a:r>
           </a:p>
@@ -21184,7 +20223,7 @@
           <a:lstStyle/>
           <a:p>
             <a:r>
-              <a:rPr lang="zh-CN" altLang="en-US" sz="2400" dirty="0">
+              <a:rPr lang="zh-CN" altLang="en-US" sz="2400" dirty="0" smtClean="0">
                 <a:solidFill>
                   <a:schemeClr val="tx1">
                     <a:lumMod val="75000"/>
@@ -21416,7 +20455,7 @@
         </p:nvSpPr>
         <p:spPr>
           <a:xfrm>
-            <a:off x="2915073" y="3114680"/>
+            <a:off x="2915073" y="3124840"/>
             <a:ext cx="4387392" cy="460375"/>
           </a:xfrm>
           <a:prstGeom prst="rect">
@@ -21439,7 +20478,7 @@
                   </a:schemeClr>
                 </a:solidFill>
               </a:rPr>
-              <a:t>竞品分析与对比</a:t>
+              <a:t>竞品分析和对比</a:t>
             </a:r>
           </a:p>
         </p:txBody>
@@ -21687,1726 +20726,6 @@
                 </a:solidFill>
               </a:rPr>
               <a:t>迭代评估报告</a:t>
-            </a:r>
-          </a:p>
-        </p:txBody>
-      </p:sp>
-      <p:sp>
-        <p:nvSpPr>
-          <p:cNvPr id="33" name="Freeform 10"/>
-          <p:cNvSpPr/>
-          <p:nvPr userDrawn="1"/>
-        </p:nvSpPr>
-        <p:spPr bwMode="auto">
-          <a:xfrm>
-            <a:off x="1841535" y="5047251"/>
-            <a:ext cx="843427" cy="343858"/>
-          </a:xfrm>
-          <a:custGeom>
-            <a:avLst/>
-            <a:gdLst>
-              <a:gd name="T0" fmla="*/ 3120 w 3800"/>
-              <a:gd name="T1" fmla="*/ 0 h 1532"/>
-              <a:gd name="T2" fmla="*/ 682 w 3800"/>
-              <a:gd name="T3" fmla="*/ 0 h 1532"/>
-              <a:gd name="T4" fmla="*/ 682 w 3800"/>
-              <a:gd name="T5" fmla="*/ 284 h 1532"/>
-              <a:gd name="T6" fmla="*/ 0 w 3800"/>
-              <a:gd name="T7" fmla="*/ 766 h 1532"/>
-              <a:gd name="T8" fmla="*/ 682 w 3800"/>
-              <a:gd name="T9" fmla="*/ 1248 h 1532"/>
-              <a:gd name="T10" fmla="*/ 682 w 3800"/>
-              <a:gd name="T11" fmla="*/ 1532 h 1532"/>
-              <a:gd name="T12" fmla="*/ 3120 w 3800"/>
-              <a:gd name="T13" fmla="*/ 1532 h 1532"/>
-              <a:gd name="T14" fmla="*/ 3120 w 3800"/>
-              <a:gd name="T15" fmla="*/ 1248 h 1532"/>
-              <a:gd name="T16" fmla="*/ 3800 w 3800"/>
-              <a:gd name="T17" fmla="*/ 766 h 1532"/>
-              <a:gd name="T18" fmla="*/ 3120 w 3800"/>
-              <a:gd name="T19" fmla="*/ 284 h 1532"/>
-              <a:gd name="T20" fmla="*/ 3120 w 3800"/>
-              <a:gd name="T21" fmla="*/ 0 h 1532"/>
-            </a:gdLst>
-            <a:ahLst/>
-            <a:cxnLst>
-              <a:cxn ang="0">
-                <a:pos x="T0" y="T1"/>
-              </a:cxn>
-              <a:cxn ang="0">
-                <a:pos x="T2" y="T3"/>
-              </a:cxn>
-              <a:cxn ang="0">
-                <a:pos x="T4" y="T5"/>
-              </a:cxn>
-              <a:cxn ang="0">
-                <a:pos x="T6" y="T7"/>
-              </a:cxn>
-              <a:cxn ang="0">
-                <a:pos x="T8" y="T9"/>
-              </a:cxn>
-              <a:cxn ang="0">
-                <a:pos x="T10" y="T11"/>
-              </a:cxn>
-              <a:cxn ang="0">
-                <a:pos x="T12" y="T13"/>
-              </a:cxn>
-              <a:cxn ang="0">
-                <a:pos x="T14" y="T15"/>
-              </a:cxn>
-              <a:cxn ang="0">
-                <a:pos x="T16" y="T17"/>
-              </a:cxn>
-              <a:cxn ang="0">
-                <a:pos x="T18" y="T19"/>
-              </a:cxn>
-              <a:cxn ang="0">
-                <a:pos x="T20" y="T21"/>
-              </a:cxn>
-            </a:cxnLst>
-            <a:rect l="0" t="0" r="r" b="b"/>
-            <a:pathLst>
-              <a:path w="3800" h="1532">
-                <a:moveTo>
-                  <a:pt x="3120" y="0"/>
-                </a:moveTo>
-                <a:lnTo>
-                  <a:pt x="682" y="0"/>
-                </a:lnTo>
-                <a:lnTo>
-                  <a:pt x="682" y="284"/>
-                </a:lnTo>
-                <a:lnTo>
-                  <a:pt x="0" y="766"/>
-                </a:lnTo>
-                <a:lnTo>
-                  <a:pt x="682" y="1248"/>
-                </a:lnTo>
-                <a:lnTo>
-                  <a:pt x="682" y="1532"/>
-                </a:lnTo>
-                <a:lnTo>
-                  <a:pt x="3120" y="1532"/>
-                </a:lnTo>
-                <a:lnTo>
-                  <a:pt x="3120" y="1248"/>
-                </a:lnTo>
-                <a:lnTo>
-                  <a:pt x="3800" y="766"/>
-                </a:lnTo>
-                <a:lnTo>
-                  <a:pt x="3120" y="284"/>
-                </a:lnTo>
-                <a:lnTo>
-                  <a:pt x="3120" y="0"/>
-                </a:lnTo>
-                <a:close/>
-              </a:path>
-            </a:pathLst>
-          </a:custGeom>
-          <a:solidFill>
-            <a:schemeClr val="accent1"/>
-          </a:solidFill>
-          <a:ln>
-            <a:noFill/>
-          </a:ln>
-        </p:spPr>
-        <p:txBody>
-          <a:bodyPr vert="horz" wrap="square" lIns="91440" tIns="45720" rIns="91440" bIns="45720" numCol="1" anchor="ctr" anchorCtr="0" compatLnSpc="1">
-            <a:noAutofit/>
-          </a:bodyPr>
-          <a:lstStyle/>
-          <a:p>
-            <a:pPr algn="ctr"/>
-            <a:endParaRPr lang="zh-CN" altLang="en-US" sz="3200" b="1"/>
-          </a:p>
-        </p:txBody>
-      </p:sp>
-      <p:sp>
-        <p:nvSpPr>
-          <p:cNvPr id="34" name="文本框 33"/>
-          <p:cNvSpPr txBox="1"/>
-          <p:nvPr userDrawn="1"/>
-        </p:nvSpPr>
-        <p:spPr>
-          <a:xfrm>
-            <a:off x="2071646" y="4983444"/>
-            <a:ext cx="383206" cy="443226"/>
-          </a:xfrm>
-          <a:prstGeom prst="rect">
-            <a:avLst/>
-          </a:prstGeom>
-          <a:noFill/>
-        </p:spPr>
-        <p:txBody>
-          <a:bodyPr wrap="none" rtlCol="0" anchor="ctr">
-            <a:noAutofit/>
-          </a:bodyPr>
-          <a:lstStyle/>
-          <a:p>
-            <a:pPr algn="ctr"/>
-            <a:r>
-              <a:rPr lang="en-US" altLang="zh-CN" b="1" dirty="0" smtClean="0">
-                <a:solidFill>
-                  <a:schemeClr val="bg1"/>
-                </a:solidFill>
-                <a:latin typeface="微软雅黑" panose="020B0503020204020204" pitchFamily="34" charset="-122"/>
-                <a:ea typeface="微软雅黑" panose="020B0503020204020204" pitchFamily="34" charset="-122"/>
-              </a:rPr>
-              <a:t>5</a:t>
-            </a:r>
-            <a:endParaRPr lang="zh-CN" altLang="en-US" b="1" dirty="0">
-              <a:solidFill>
-                <a:schemeClr val="bg1"/>
-              </a:solidFill>
-              <a:latin typeface="微软雅黑" panose="020B0503020204020204" pitchFamily="34" charset="-122"/>
-              <a:ea typeface="微软雅黑" panose="020B0503020204020204" pitchFamily="34" charset="-122"/>
-            </a:endParaRPr>
-          </a:p>
-        </p:txBody>
-      </p:sp>
-      <p:cxnSp>
-        <p:nvCxnSpPr>
-          <p:cNvPr id="35" name="直接连接符 34"/>
-          <p:cNvCxnSpPr>
-            <a:stCxn id="33" idx="6"/>
-          </p:cNvCxnSpPr>
-          <p:nvPr/>
-        </p:nvCxnSpPr>
-        <p:spPr>
-          <a:xfrm>
-            <a:off x="2534033" y="5391109"/>
-            <a:ext cx="4500000" cy="0"/>
-          </a:xfrm>
-          <a:prstGeom prst="line">
-            <a:avLst/>
-          </a:prstGeom>
-          <a:ln>
-            <a:solidFill>
-              <a:schemeClr val="accent1"/>
-            </a:solidFill>
-          </a:ln>
-        </p:spPr>
-        <p:style>
-          <a:lnRef idx="1">
-            <a:schemeClr val="accent1"/>
-          </a:lnRef>
-          <a:fillRef idx="0">
-            <a:schemeClr val="accent1"/>
-          </a:fillRef>
-          <a:effectRef idx="0">
-            <a:schemeClr val="accent1"/>
-          </a:effectRef>
-          <a:fontRef idx="minor">
-            <a:schemeClr val="tx1"/>
-          </a:fontRef>
-        </p:style>
-      </p:cxnSp>
-      <p:sp>
-        <p:nvSpPr>
-          <p:cNvPr id="36" name="文本框 35"/>
-          <p:cNvSpPr txBox="1"/>
-          <p:nvPr/>
-        </p:nvSpPr>
-        <p:spPr>
-          <a:xfrm>
-            <a:off x="2915073" y="4954628"/>
-            <a:ext cx="4387392" cy="460375"/>
-          </a:xfrm>
-          <a:prstGeom prst="rect">
-            <a:avLst/>
-          </a:prstGeom>
-          <a:noFill/>
-        </p:spPr>
-        <p:txBody>
-          <a:bodyPr wrap="square" rtlCol="0">
-            <a:spAutoFit/>
-          </a:bodyPr>
-          <a:lstStyle/>
-          <a:p>
-            <a:r>
-              <a:rPr lang="zh-CN" altLang="en-US" sz="2400" dirty="0" smtClean="0">
-                <a:solidFill>
-                  <a:schemeClr val="tx1">
-                    <a:lumMod val="75000"/>
-                    <a:lumOff val="25000"/>
-                  </a:schemeClr>
-                </a:solidFill>
-              </a:rPr>
-              <a:t>总结</a:t>
-            </a:r>
-            <a:endParaRPr lang="zh-CN" altLang="en-US" sz="2400" dirty="0">
-              <a:solidFill>
-                <a:schemeClr val="tx1">
-                  <a:lumMod val="75000"/>
-                  <a:lumOff val="25000"/>
-                </a:schemeClr>
-              </a:solidFill>
-            </a:endParaRPr>
-          </a:p>
-        </p:txBody>
-      </p:sp>
-    </p:spTree>
-  </p:cSld>
-  <p:clrMapOvr>
-    <a:masterClrMapping/>
-  </p:clrMapOvr>
-  <mc:AlternateContent xmlns:mc="http://schemas.openxmlformats.org/markup-compatibility/2006" xmlns:p14="http://schemas.microsoft.com/office/powerpoint/2010/main">
-    <mc:Choice Requires="p14">
-      <p:transition spd="slow" p14:dur="2000"/>
-    </mc:Choice>
-    <mc:Fallback xmlns="">
-      <p:transition spd="slow"/>
-    </mc:Fallback>
-  </mc:AlternateContent>
-  <p:timing>
-    <p:tnLst>
-      <p:par>
-        <p:cTn id="1" dur="indefinite" restart="never" nodeType="tmRoot"/>
-      </p:par>
-    </p:tnLst>
-  </p:timing>
-</p:sld>
-</file>
-
-<file path=ppt/slides/slide24.xml><?xml version="1.0" encoding="utf-8"?>
-<p:sld xmlns:a="http://schemas.openxmlformats.org/drawingml/2006/main" xmlns:r="http://schemas.openxmlformats.org/officeDocument/2006/relationships" xmlns:p="http://schemas.openxmlformats.org/presentationml/2006/main">
-  <p:cSld>
-    <p:spTree>
-      <p:nvGrpSpPr>
-        <p:cNvPr id="1" name=""/>
-        <p:cNvGrpSpPr/>
-        <p:nvPr/>
-      </p:nvGrpSpPr>
-      <p:grpSpPr>
-        <a:xfrm>
-          <a:off x="0" y="0"/>
-          <a:ext cx="0" cy="0"/>
-          <a:chOff x="0" y="0"/>
-          <a:chExt cx="0" cy="0"/>
-        </a:xfrm>
-      </p:grpSpPr>
-      <p:sp>
-        <p:nvSpPr>
-          <p:cNvPr id="6" name="标题 5"/>
-          <p:cNvSpPr>
-            <a:spLocks noGrp="1"/>
-          </p:cNvSpPr>
-          <p:nvPr>
-            <p:ph type="title"/>
-          </p:nvPr>
-        </p:nvSpPr>
-        <p:spPr/>
-        <p:txBody>
-          <a:bodyPr/>
-          <a:lstStyle/>
-          <a:p>
-            <a:r>
-              <a:rPr lang="zh-CN" altLang="en-US" dirty="0"/>
-              <a:t>总结</a:t>
-            </a:r>
-          </a:p>
-        </p:txBody>
-      </p:sp>
-      <p:sp>
-        <p:nvSpPr>
-          <p:cNvPr id="3" name="内容占位符 2"/>
-          <p:cNvSpPr>
-            <a:spLocks noGrp="1"/>
-          </p:cNvSpPr>
-          <p:nvPr>
-            <p:ph sz="quarter" idx="10"/>
-          </p:nvPr>
-        </p:nvSpPr>
-        <p:spPr>
-          <a:xfrm>
-            <a:off x="525780" y="2578100"/>
-            <a:ext cx="8340725" cy="3049905"/>
-          </a:xfrm>
-        </p:spPr>
-        <p:txBody>
-          <a:bodyPr/>
-          <a:lstStyle/>
-          <a:p>
-            <a:pPr marL="0" indent="0">
-              <a:buNone/>
-            </a:pPr>
-            <a:r>
-              <a:rPr lang="en-US" altLang="zh-CN" dirty="0"/>
-              <a:t>	</a:t>
-            </a:r>
-            <a:r>
-              <a:rPr lang="zh-CN" altLang="en-US" dirty="0"/>
-              <a:t>总的来说，我们小组比较成功地完成了迭代计划的预期任务，达成了目标。</a:t>
-            </a:r>
-          </a:p>
-        </p:txBody>
-      </p:sp>
-    </p:spTree>
-  </p:cSld>
-  <p:clrMapOvr>
-    <a:masterClrMapping/>
-  </p:clrMapOvr>
-  <mc:AlternateContent xmlns:mc="http://schemas.openxmlformats.org/markup-compatibility/2006" xmlns:p14="http://schemas.microsoft.com/office/powerpoint/2010/main">
-    <mc:Choice Requires="p14">
-      <p:transition spd="slow" p14:dur="2000"/>
-    </mc:Choice>
-    <mc:Fallback xmlns="">
-      <p:transition spd="slow"/>
-    </mc:Fallback>
-  </mc:AlternateContent>
-  <p:timing>
-    <p:tnLst>
-      <p:par>
-        <p:cTn id="1" dur="indefinite" restart="never" nodeType="tmRoot"/>
-      </p:par>
-    </p:tnLst>
-  </p:timing>
-</p:sld>
-</file>
-
-<file path=ppt/slides/slide25.xml><?xml version="1.0" encoding="utf-8"?>
-<p:sld xmlns:a="http://schemas.openxmlformats.org/drawingml/2006/main" xmlns:r="http://schemas.openxmlformats.org/officeDocument/2006/relationships" xmlns:p="http://schemas.openxmlformats.org/presentationml/2006/main">
-  <p:cSld>
-    <p:spTree>
-      <p:nvGrpSpPr>
-        <p:cNvPr id="1" name=""/>
-        <p:cNvGrpSpPr/>
-        <p:nvPr/>
-      </p:nvGrpSpPr>
-      <p:grpSpPr>
-        <a:xfrm>
-          <a:off x="0" y="0"/>
-          <a:ext cx="0" cy="0"/>
-          <a:chOff x="0" y="0"/>
-          <a:chExt cx="0" cy="0"/>
-        </a:xfrm>
-      </p:grpSpPr>
-      <p:sp>
-        <p:nvSpPr>
-          <p:cNvPr id="3" name="标题 2"/>
-          <p:cNvSpPr>
-            <a:spLocks noGrp="1"/>
-          </p:cNvSpPr>
-          <p:nvPr>
-            <p:ph type="title"/>
-          </p:nvPr>
-        </p:nvSpPr>
-        <p:spPr/>
-        <p:txBody>
-          <a:bodyPr/>
-          <a:lstStyle/>
-          <a:p>
-            <a:r>
-              <a:rPr lang="zh-CN" altLang="en-US" dirty="0" smtClean="0"/>
-              <a:t>谢谢！</a:t>
-            </a:r>
-            <a:endParaRPr lang="zh-CN" altLang="en-US" dirty="0"/>
-          </a:p>
-        </p:txBody>
-      </p:sp>
-    </p:spTree>
-  </p:cSld>
-  <p:clrMapOvr>
-    <a:masterClrMapping/>
-  </p:clrMapOvr>
-  <mc:AlternateContent xmlns:mc="http://schemas.openxmlformats.org/markup-compatibility/2006" xmlns:p14="http://schemas.microsoft.com/office/powerpoint/2010/main">
-    <mc:Choice Requires="p14">
-      <p:transition spd="slow" p14:dur="2000"/>
-    </mc:Choice>
-    <mc:Fallback xmlns="">
-      <p:transition spd="slow"/>
-    </mc:Fallback>
-  </mc:AlternateContent>
-  <p:timing>
-    <p:tnLst>
-      <p:par>
-        <p:cTn id="1" dur="indefinite" restart="never" nodeType="tmRoot"/>
-      </p:par>
-    </p:tnLst>
-  </p:timing>
-</p:sld>
-</file>
-
-<file path=ppt/slides/slide3.xml><?xml version="1.0" encoding="utf-8"?>
-<p:sld xmlns:a="http://schemas.openxmlformats.org/drawingml/2006/main" xmlns:r="http://schemas.openxmlformats.org/officeDocument/2006/relationships" xmlns:p="http://schemas.openxmlformats.org/presentationml/2006/main">
-  <p:cSld>
-    <p:spTree>
-      <p:nvGrpSpPr>
-        <p:cNvPr id="1" name=""/>
-        <p:cNvGrpSpPr/>
-        <p:nvPr/>
-      </p:nvGrpSpPr>
-      <p:grpSpPr>
-        <a:xfrm>
-          <a:off x="0" y="0"/>
-          <a:ext cx="0" cy="0"/>
-          <a:chOff x="0" y="0"/>
-          <a:chExt cx="0" cy="0"/>
-        </a:xfrm>
-      </p:grpSpPr>
-      <p:sp>
-        <p:nvSpPr>
-          <p:cNvPr id="2" name="标题 1"/>
-          <p:cNvSpPr>
-            <a:spLocks noGrp="1"/>
-          </p:cNvSpPr>
-          <p:nvPr>
-            <p:ph type="title"/>
-          </p:nvPr>
-        </p:nvSpPr>
-        <p:spPr/>
-        <p:txBody>
-          <a:bodyPr>
-            <a:normAutofit fontScale="90000"/>
-          </a:bodyPr>
-          <a:lstStyle/>
-          <a:p>
-            <a:r>
-              <a:rPr lang="zh-CN" altLang="en-US" dirty="0">
-                <a:latin typeface="微软雅黑" panose="020B0503020204020204" pitchFamily="34" charset="-122"/>
-                <a:ea typeface="微软雅黑" panose="020B0503020204020204" pitchFamily="34" charset="-122"/>
-              </a:rPr>
-              <a:t>目录 </a:t>
-            </a:r>
-            <a:r>
-              <a:rPr lang="en-US" altLang="zh-CN" dirty="0">
-                <a:latin typeface="微软雅黑" panose="020B0503020204020204" pitchFamily="34" charset="-122"/>
-                <a:ea typeface="微软雅黑" panose="020B0503020204020204" pitchFamily="34" charset="-122"/>
-              </a:rPr>
-              <a:t>Contents</a:t>
-            </a:r>
-            <a:endParaRPr lang="zh-CN" altLang="en-US" dirty="0">
-              <a:latin typeface="微软雅黑" panose="020B0503020204020204" pitchFamily="34" charset="-122"/>
-              <a:ea typeface="微软雅黑" panose="020B0503020204020204" pitchFamily="34" charset="-122"/>
-            </a:endParaRPr>
-          </a:p>
-        </p:txBody>
-      </p:sp>
-      <p:sp>
-        <p:nvSpPr>
-          <p:cNvPr id="4" name="Freeform 10"/>
-          <p:cNvSpPr/>
-          <p:nvPr userDrawn="1"/>
-        </p:nvSpPr>
-        <p:spPr bwMode="auto">
-          <a:xfrm>
-            <a:off x="1841535" y="1367357"/>
-            <a:ext cx="843427" cy="343858"/>
-          </a:xfrm>
-          <a:custGeom>
-            <a:avLst/>
-            <a:gdLst>
-              <a:gd name="T0" fmla="*/ 3120 w 3800"/>
-              <a:gd name="T1" fmla="*/ 0 h 1532"/>
-              <a:gd name="T2" fmla="*/ 682 w 3800"/>
-              <a:gd name="T3" fmla="*/ 0 h 1532"/>
-              <a:gd name="T4" fmla="*/ 682 w 3800"/>
-              <a:gd name="T5" fmla="*/ 284 h 1532"/>
-              <a:gd name="T6" fmla="*/ 0 w 3800"/>
-              <a:gd name="T7" fmla="*/ 766 h 1532"/>
-              <a:gd name="T8" fmla="*/ 682 w 3800"/>
-              <a:gd name="T9" fmla="*/ 1248 h 1532"/>
-              <a:gd name="T10" fmla="*/ 682 w 3800"/>
-              <a:gd name="T11" fmla="*/ 1532 h 1532"/>
-              <a:gd name="T12" fmla="*/ 3120 w 3800"/>
-              <a:gd name="T13" fmla="*/ 1532 h 1532"/>
-              <a:gd name="T14" fmla="*/ 3120 w 3800"/>
-              <a:gd name="T15" fmla="*/ 1248 h 1532"/>
-              <a:gd name="T16" fmla="*/ 3800 w 3800"/>
-              <a:gd name="T17" fmla="*/ 766 h 1532"/>
-              <a:gd name="T18" fmla="*/ 3120 w 3800"/>
-              <a:gd name="T19" fmla="*/ 284 h 1532"/>
-              <a:gd name="T20" fmla="*/ 3120 w 3800"/>
-              <a:gd name="T21" fmla="*/ 0 h 1532"/>
-            </a:gdLst>
-            <a:ahLst/>
-            <a:cxnLst>
-              <a:cxn ang="0">
-                <a:pos x="T0" y="T1"/>
-              </a:cxn>
-              <a:cxn ang="0">
-                <a:pos x="T2" y="T3"/>
-              </a:cxn>
-              <a:cxn ang="0">
-                <a:pos x="T4" y="T5"/>
-              </a:cxn>
-              <a:cxn ang="0">
-                <a:pos x="T6" y="T7"/>
-              </a:cxn>
-              <a:cxn ang="0">
-                <a:pos x="T8" y="T9"/>
-              </a:cxn>
-              <a:cxn ang="0">
-                <a:pos x="T10" y="T11"/>
-              </a:cxn>
-              <a:cxn ang="0">
-                <a:pos x="T12" y="T13"/>
-              </a:cxn>
-              <a:cxn ang="0">
-                <a:pos x="T14" y="T15"/>
-              </a:cxn>
-              <a:cxn ang="0">
-                <a:pos x="T16" y="T17"/>
-              </a:cxn>
-              <a:cxn ang="0">
-                <a:pos x="T18" y="T19"/>
-              </a:cxn>
-              <a:cxn ang="0">
-                <a:pos x="T20" y="T21"/>
-              </a:cxn>
-            </a:cxnLst>
-            <a:rect l="0" t="0" r="r" b="b"/>
-            <a:pathLst>
-              <a:path w="3800" h="1532">
-                <a:moveTo>
-                  <a:pt x="3120" y="0"/>
-                </a:moveTo>
-                <a:lnTo>
-                  <a:pt x="682" y="0"/>
-                </a:lnTo>
-                <a:lnTo>
-                  <a:pt x="682" y="284"/>
-                </a:lnTo>
-                <a:lnTo>
-                  <a:pt x="0" y="766"/>
-                </a:lnTo>
-                <a:lnTo>
-                  <a:pt x="682" y="1248"/>
-                </a:lnTo>
-                <a:lnTo>
-                  <a:pt x="682" y="1532"/>
-                </a:lnTo>
-                <a:lnTo>
-                  <a:pt x="3120" y="1532"/>
-                </a:lnTo>
-                <a:lnTo>
-                  <a:pt x="3120" y="1248"/>
-                </a:lnTo>
-                <a:lnTo>
-                  <a:pt x="3800" y="766"/>
-                </a:lnTo>
-                <a:lnTo>
-                  <a:pt x="3120" y="284"/>
-                </a:lnTo>
-                <a:lnTo>
-                  <a:pt x="3120" y="0"/>
-                </a:lnTo>
-                <a:close/>
-              </a:path>
-            </a:pathLst>
-          </a:custGeom>
-          <a:solidFill>
-            <a:schemeClr val="accent1"/>
-          </a:solidFill>
-          <a:ln>
-            <a:noFill/>
-          </a:ln>
-        </p:spPr>
-        <p:txBody>
-          <a:bodyPr vert="horz" wrap="square" lIns="91440" tIns="45720" rIns="91440" bIns="45720" numCol="1" anchor="ctr" anchorCtr="0" compatLnSpc="1">
-            <a:noAutofit/>
-          </a:bodyPr>
-          <a:lstStyle/>
-          <a:p>
-            <a:pPr algn="ctr"/>
-            <a:endParaRPr lang="zh-CN" altLang="en-US" sz="3200" b="1"/>
-          </a:p>
-        </p:txBody>
-      </p:sp>
-      <p:sp>
-        <p:nvSpPr>
-          <p:cNvPr id="5" name="文本框 4"/>
-          <p:cNvSpPr txBox="1"/>
-          <p:nvPr userDrawn="1"/>
-        </p:nvSpPr>
-        <p:spPr>
-          <a:xfrm>
-            <a:off x="2071646" y="1303550"/>
-            <a:ext cx="383206" cy="443226"/>
-          </a:xfrm>
-          <a:prstGeom prst="rect">
-            <a:avLst/>
-          </a:prstGeom>
-          <a:noFill/>
-        </p:spPr>
-        <p:txBody>
-          <a:bodyPr wrap="none" rtlCol="0" anchor="ctr">
-            <a:noAutofit/>
-          </a:bodyPr>
-          <a:lstStyle/>
-          <a:p>
-            <a:pPr algn="ctr"/>
-            <a:r>
-              <a:rPr lang="en-US" altLang="zh-CN" b="1" dirty="0" smtClean="0">
-                <a:solidFill>
-                  <a:schemeClr val="bg1"/>
-                </a:solidFill>
-                <a:latin typeface="微软雅黑" panose="020B0503020204020204" pitchFamily="34" charset="-122"/>
-                <a:ea typeface="微软雅黑" panose="020B0503020204020204" pitchFamily="34" charset="-122"/>
-              </a:rPr>
-              <a:t>1</a:t>
-            </a:r>
-            <a:endParaRPr lang="zh-CN" altLang="en-US" b="1" dirty="0">
-              <a:solidFill>
-                <a:schemeClr val="bg1"/>
-              </a:solidFill>
-              <a:latin typeface="微软雅黑" panose="020B0503020204020204" pitchFamily="34" charset="-122"/>
-              <a:ea typeface="微软雅黑" panose="020B0503020204020204" pitchFamily="34" charset="-122"/>
-            </a:endParaRPr>
-          </a:p>
-        </p:txBody>
-      </p:sp>
-      <p:cxnSp>
-        <p:nvCxnSpPr>
-          <p:cNvPr id="7" name="直接连接符 6"/>
-          <p:cNvCxnSpPr>
-            <a:stCxn id="4" idx="6"/>
-          </p:cNvCxnSpPr>
-          <p:nvPr/>
-        </p:nvCxnSpPr>
-        <p:spPr>
-          <a:xfrm>
-            <a:off x="2534033" y="1711215"/>
-            <a:ext cx="4500000" cy="0"/>
-          </a:xfrm>
-          <a:prstGeom prst="line">
-            <a:avLst/>
-          </a:prstGeom>
-          <a:ln>
-            <a:solidFill>
-              <a:schemeClr val="accent1"/>
-            </a:solidFill>
-          </a:ln>
-        </p:spPr>
-        <p:style>
-          <a:lnRef idx="1">
-            <a:schemeClr val="accent1"/>
-          </a:lnRef>
-          <a:fillRef idx="0">
-            <a:schemeClr val="accent1"/>
-          </a:fillRef>
-          <a:effectRef idx="0">
-            <a:schemeClr val="accent1"/>
-          </a:effectRef>
-          <a:fontRef idx="minor">
-            <a:schemeClr val="tx1"/>
-          </a:fontRef>
-        </p:style>
-      </p:cxnSp>
-      <p:sp>
-        <p:nvSpPr>
-          <p:cNvPr id="11" name="文本框 10"/>
-          <p:cNvSpPr txBox="1"/>
-          <p:nvPr/>
-        </p:nvSpPr>
-        <p:spPr>
-          <a:xfrm>
-            <a:off x="2915073" y="1274734"/>
-            <a:ext cx="4387392" cy="460375"/>
-          </a:xfrm>
-          <a:prstGeom prst="rect">
-            <a:avLst/>
-          </a:prstGeom>
-          <a:noFill/>
-        </p:spPr>
-        <p:txBody>
-          <a:bodyPr wrap="square" rtlCol="0">
-            <a:spAutoFit/>
-          </a:bodyPr>
-          <a:lstStyle/>
-          <a:p>
-            <a:r>
-              <a:rPr lang="zh-CN" altLang="en-US" sz="2400" dirty="0"/>
-              <a:t>项目背景</a:t>
-            </a:r>
-          </a:p>
-        </p:txBody>
-      </p:sp>
-      <p:sp>
-        <p:nvSpPr>
-          <p:cNvPr id="13" name="Freeform 10"/>
-          <p:cNvSpPr/>
-          <p:nvPr userDrawn="1"/>
-        </p:nvSpPr>
-        <p:spPr bwMode="auto">
-          <a:xfrm>
-            <a:off x="1841535" y="2287330"/>
-            <a:ext cx="843427" cy="343858"/>
-          </a:xfrm>
-          <a:custGeom>
-            <a:avLst/>
-            <a:gdLst>
-              <a:gd name="T0" fmla="*/ 3120 w 3800"/>
-              <a:gd name="T1" fmla="*/ 0 h 1532"/>
-              <a:gd name="T2" fmla="*/ 682 w 3800"/>
-              <a:gd name="T3" fmla="*/ 0 h 1532"/>
-              <a:gd name="T4" fmla="*/ 682 w 3800"/>
-              <a:gd name="T5" fmla="*/ 284 h 1532"/>
-              <a:gd name="T6" fmla="*/ 0 w 3800"/>
-              <a:gd name="T7" fmla="*/ 766 h 1532"/>
-              <a:gd name="T8" fmla="*/ 682 w 3800"/>
-              <a:gd name="T9" fmla="*/ 1248 h 1532"/>
-              <a:gd name="T10" fmla="*/ 682 w 3800"/>
-              <a:gd name="T11" fmla="*/ 1532 h 1532"/>
-              <a:gd name="T12" fmla="*/ 3120 w 3800"/>
-              <a:gd name="T13" fmla="*/ 1532 h 1532"/>
-              <a:gd name="T14" fmla="*/ 3120 w 3800"/>
-              <a:gd name="T15" fmla="*/ 1248 h 1532"/>
-              <a:gd name="T16" fmla="*/ 3800 w 3800"/>
-              <a:gd name="T17" fmla="*/ 766 h 1532"/>
-              <a:gd name="T18" fmla="*/ 3120 w 3800"/>
-              <a:gd name="T19" fmla="*/ 284 h 1532"/>
-              <a:gd name="T20" fmla="*/ 3120 w 3800"/>
-              <a:gd name="T21" fmla="*/ 0 h 1532"/>
-            </a:gdLst>
-            <a:ahLst/>
-            <a:cxnLst>
-              <a:cxn ang="0">
-                <a:pos x="T0" y="T1"/>
-              </a:cxn>
-              <a:cxn ang="0">
-                <a:pos x="T2" y="T3"/>
-              </a:cxn>
-              <a:cxn ang="0">
-                <a:pos x="T4" y="T5"/>
-              </a:cxn>
-              <a:cxn ang="0">
-                <a:pos x="T6" y="T7"/>
-              </a:cxn>
-              <a:cxn ang="0">
-                <a:pos x="T8" y="T9"/>
-              </a:cxn>
-              <a:cxn ang="0">
-                <a:pos x="T10" y="T11"/>
-              </a:cxn>
-              <a:cxn ang="0">
-                <a:pos x="T12" y="T13"/>
-              </a:cxn>
-              <a:cxn ang="0">
-                <a:pos x="T14" y="T15"/>
-              </a:cxn>
-              <a:cxn ang="0">
-                <a:pos x="T16" y="T17"/>
-              </a:cxn>
-              <a:cxn ang="0">
-                <a:pos x="T18" y="T19"/>
-              </a:cxn>
-              <a:cxn ang="0">
-                <a:pos x="T20" y="T21"/>
-              </a:cxn>
-            </a:cxnLst>
-            <a:rect l="0" t="0" r="r" b="b"/>
-            <a:pathLst>
-              <a:path w="3800" h="1532">
-                <a:moveTo>
-                  <a:pt x="3120" y="0"/>
-                </a:moveTo>
-                <a:lnTo>
-                  <a:pt x="682" y="0"/>
-                </a:lnTo>
-                <a:lnTo>
-                  <a:pt x="682" y="284"/>
-                </a:lnTo>
-                <a:lnTo>
-                  <a:pt x="0" y="766"/>
-                </a:lnTo>
-                <a:lnTo>
-                  <a:pt x="682" y="1248"/>
-                </a:lnTo>
-                <a:lnTo>
-                  <a:pt x="682" y="1532"/>
-                </a:lnTo>
-                <a:lnTo>
-                  <a:pt x="3120" y="1532"/>
-                </a:lnTo>
-                <a:lnTo>
-                  <a:pt x="3120" y="1248"/>
-                </a:lnTo>
-                <a:lnTo>
-                  <a:pt x="3800" y="766"/>
-                </a:lnTo>
-                <a:lnTo>
-                  <a:pt x="3120" y="284"/>
-                </a:lnTo>
-                <a:lnTo>
-                  <a:pt x="3120" y="0"/>
-                </a:lnTo>
-                <a:close/>
-              </a:path>
-            </a:pathLst>
-          </a:custGeom>
-          <a:solidFill>
-            <a:schemeClr val="bg2"/>
-          </a:solidFill>
-          <a:ln>
-            <a:noFill/>
-          </a:ln>
-        </p:spPr>
-        <p:txBody>
-          <a:bodyPr vert="horz" wrap="square" lIns="91440" tIns="45720" rIns="91440" bIns="45720" numCol="1" anchor="ctr" anchorCtr="0" compatLnSpc="1">
-            <a:noAutofit/>
-          </a:bodyPr>
-          <a:lstStyle/>
-          <a:p>
-            <a:pPr algn="ctr"/>
-            <a:endParaRPr lang="zh-CN" altLang="en-US" sz="3200" b="1"/>
-          </a:p>
-        </p:txBody>
-      </p:sp>
-      <p:sp>
-        <p:nvSpPr>
-          <p:cNvPr id="14" name="文本框 13"/>
-          <p:cNvSpPr txBox="1"/>
-          <p:nvPr userDrawn="1"/>
-        </p:nvSpPr>
-        <p:spPr>
-          <a:xfrm>
-            <a:off x="2071646" y="2223523"/>
-            <a:ext cx="383206" cy="443226"/>
-          </a:xfrm>
-          <a:prstGeom prst="rect">
-            <a:avLst/>
-          </a:prstGeom>
-          <a:noFill/>
-        </p:spPr>
-        <p:txBody>
-          <a:bodyPr wrap="none" rtlCol="0" anchor="ctr">
-            <a:noAutofit/>
-          </a:bodyPr>
-          <a:lstStyle/>
-          <a:p>
-            <a:pPr algn="ctr"/>
-            <a:r>
-              <a:rPr lang="en-US" altLang="zh-CN" b="1" dirty="0" smtClean="0">
-                <a:solidFill>
-                  <a:schemeClr val="bg1"/>
-                </a:solidFill>
-                <a:latin typeface="微软雅黑" panose="020B0503020204020204" pitchFamily="34" charset="-122"/>
-                <a:ea typeface="微软雅黑" panose="020B0503020204020204" pitchFamily="34" charset="-122"/>
-              </a:rPr>
-              <a:t>2</a:t>
-            </a:r>
-            <a:endParaRPr lang="zh-CN" altLang="en-US" b="1" dirty="0">
-              <a:solidFill>
-                <a:schemeClr val="bg1"/>
-              </a:solidFill>
-              <a:latin typeface="微软雅黑" panose="020B0503020204020204" pitchFamily="34" charset="-122"/>
-              <a:ea typeface="微软雅黑" panose="020B0503020204020204" pitchFamily="34" charset="-122"/>
-            </a:endParaRPr>
-          </a:p>
-        </p:txBody>
-      </p:sp>
-      <p:cxnSp>
-        <p:nvCxnSpPr>
-          <p:cNvPr id="15" name="直接连接符 14"/>
-          <p:cNvCxnSpPr>
-            <a:stCxn id="13" idx="6"/>
-          </p:cNvCxnSpPr>
-          <p:nvPr/>
-        </p:nvCxnSpPr>
-        <p:spPr>
-          <a:xfrm>
-            <a:off x="2534033" y="2631188"/>
-            <a:ext cx="4500000" cy="0"/>
-          </a:xfrm>
-          <a:prstGeom prst="line">
-            <a:avLst/>
-          </a:prstGeom>
-          <a:ln>
-            <a:solidFill>
-              <a:schemeClr val="bg2"/>
-            </a:solidFill>
-          </a:ln>
-        </p:spPr>
-        <p:style>
-          <a:lnRef idx="1">
-            <a:schemeClr val="accent1"/>
-          </a:lnRef>
-          <a:fillRef idx="0">
-            <a:schemeClr val="accent1"/>
-          </a:fillRef>
-          <a:effectRef idx="0">
-            <a:schemeClr val="accent1"/>
-          </a:effectRef>
-          <a:fontRef idx="minor">
-            <a:schemeClr val="tx1"/>
-          </a:fontRef>
-        </p:style>
-      </p:cxnSp>
-      <p:sp>
-        <p:nvSpPr>
-          <p:cNvPr id="16" name="文本框 15"/>
-          <p:cNvSpPr txBox="1"/>
-          <p:nvPr/>
-        </p:nvSpPr>
-        <p:spPr>
-          <a:xfrm>
-            <a:off x="2915073" y="2194707"/>
-            <a:ext cx="4387392" cy="460375"/>
-          </a:xfrm>
-          <a:prstGeom prst="rect">
-            <a:avLst/>
-          </a:prstGeom>
-          <a:noFill/>
-        </p:spPr>
-        <p:txBody>
-          <a:bodyPr wrap="square" rtlCol="0">
-            <a:spAutoFit/>
-          </a:bodyPr>
-          <a:lstStyle/>
-          <a:p>
-            <a:r>
-              <a:rPr lang="zh-CN" altLang="en-US" sz="2400" dirty="0" smtClean="0">
-                <a:solidFill>
-                  <a:schemeClr val="tx1">
-                    <a:lumMod val="75000"/>
-                    <a:lumOff val="25000"/>
-                  </a:schemeClr>
-                </a:solidFill>
-              </a:rPr>
-              <a:t>功能需求和非功能需求</a:t>
-            </a:r>
-          </a:p>
-        </p:txBody>
-      </p:sp>
-      <p:sp>
-        <p:nvSpPr>
-          <p:cNvPr id="18" name="Freeform 10"/>
-          <p:cNvSpPr/>
-          <p:nvPr userDrawn="1"/>
-        </p:nvSpPr>
-        <p:spPr bwMode="auto">
-          <a:xfrm>
-            <a:off x="1841535" y="3207303"/>
-            <a:ext cx="843427" cy="343858"/>
-          </a:xfrm>
-          <a:custGeom>
-            <a:avLst/>
-            <a:gdLst>
-              <a:gd name="T0" fmla="*/ 3120 w 3800"/>
-              <a:gd name="T1" fmla="*/ 0 h 1532"/>
-              <a:gd name="T2" fmla="*/ 682 w 3800"/>
-              <a:gd name="T3" fmla="*/ 0 h 1532"/>
-              <a:gd name="T4" fmla="*/ 682 w 3800"/>
-              <a:gd name="T5" fmla="*/ 284 h 1532"/>
-              <a:gd name="T6" fmla="*/ 0 w 3800"/>
-              <a:gd name="T7" fmla="*/ 766 h 1532"/>
-              <a:gd name="T8" fmla="*/ 682 w 3800"/>
-              <a:gd name="T9" fmla="*/ 1248 h 1532"/>
-              <a:gd name="T10" fmla="*/ 682 w 3800"/>
-              <a:gd name="T11" fmla="*/ 1532 h 1532"/>
-              <a:gd name="T12" fmla="*/ 3120 w 3800"/>
-              <a:gd name="T13" fmla="*/ 1532 h 1532"/>
-              <a:gd name="T14" fmla="*/ 3120 w 3800"/>
-              <a:gd name="T15" fmla="*/ 1248 h 1532"/>
-              <a:gd name="T16" fmla="*/ 3800 w 3800"/>
-              <a:gd name="T17" fmla="*/ 766 h 1532"/>
-              <a:gd name="T18" fmla="*/ 3120 w 3800"/>
-              <a:gd name="T19" fmla="*/ 284 h 1532"/>
-              <a:gd name="T20" fmla="*/ 3120 w 3800"/>
-              <a:gd name="T21" fmla="*/ 0 h 1532"/>
-            </a:gdLst>
-            <a:ahLst/>
-            <a:cxnLst>
-              <a:cxn ang="0">
-                <a:pos x="T0" y="T1"/>
-              </a:cxn>
-              <a:cxn ang="0">
-                <a:pos x="T2" y="T3"/>
-              </a:cxn>
-              <a:cxn ang="0">
-                <a:pos x="T4" y="T5"/>
-              </a:cxn>
-              <a:cxn ang="0">
-                <a:pos x="T6" y="T7"/>
-              </a:cxn>
-              <a:cxn ang="0">
-                <a:pos x="T8" y="T9"/>
-              </a:cxn>
-              <a:cxn ang="0">
-                <a:pos x="T10" y="T11"/>
-              </a:cxn>
-              <a:cxn ang="0">
-                <a:pos x="T12" y="T13"/>
-              </a:cxn>
-              <a:cxn ang="0">
-                <a:pos x="T14" y="T15"/>
-              </a:cxn>
-              <a:cxn ang="0">
-                <a:pos x="T16" y="T17"/>
-              </a:cxn>
-              <a:cxn ang="0">
-                <a:pos x="T18" y="T19"/>
-              </a:cxn>
-              <a:cxn ang="0">
-                <a:pos x="T20" y="T21"/>
-              </a:cxn>
-            </a:cxnLst>
-            <a:rect l="0" t="0" r="r" b="b"/>
-            <a:pathLst>
-              <a:path w="3800" h="1532">
-                <a:moveTo>
-                  <a:pt x="3120" y="0"/>
-                </a:moveTo>
-                <a:lnTo>
-                  <a:pt x="682" y="0"/>
-                </a:lnTo>
-                <a:lnTo>
-                  <a:pt x="682" y="284"/>
-                </a:lnTo>
-                <a:lnTo>
-                  <a:pt x="0" y="766"/>
-                </a:lnTo>
-                <a:lnTo>
-                  <a:pt x="682" y="1248"/>
-                </a:lnTo>
-                <a:lnTo>
-                  <a:pt x="682" y="1532"/>
-                </a:lnTo>
-                <a:lnTo>
-                  <a:pt x="3120" y="1532"/>
-                </a:lnTo>
-                <a:lnTo>
-                  <a:pt x="3120" y="1248"/>
-                </a:lnTo>
-                <a:lnTo>
-                  <a:pt x="3800" y="766"/>
-                </a:lnTo>
-                <a:lnTo>
-                  <a:pt x="3120" y="284"/>
-                </a:lnTo>
-                <a:lnTo>
-                  <a:pt x="3120" y="0"/>
-                </a:lnTo>
-                <a:close/>
-              </a:path>
-            </a:pathLst>
-          </a:custGeom>
-          <a:solidFill>
-            <a:schemeClr val="bg2"/>
-          </a:solidFill>
-          <a:ln>
-            <a:noFill/>
-          </a:ln>
-        </p:spPr>
-        <p:txBody>
-          <a:bodyPr vert="horz" wrap="square" lIns="91440" tIns="45720" rIns="91440" bIns="45720" numCol="1" anchor="ctr" anchorCtr="0" compatLnSpc="1">
-            <a:noAutofit/>
-          </a:bodyPr>
-          <a:lstStyle/>
-          <a:p>
-            <a:pPr algn="ctr"/>
-            <a:endParaRPr lang="zh-CN" altLang="en-US" sz="3200" b="1"/>
-          </a:p>
-        </p:txBody>
-      </p:sp>
-      <p:sp>
-        <p:nvSpPr>
-          <p:cNvPr id="19" name="文本框 18"/>
-          <p:cNvSpPr txBox="1"/>
-          <p:nvPr userDrawn="1"/>
-        </p:nvSpPr>
-        <p:spPr>
-          <a:xfrm>
-            <a:off x="2071646" y="3143496"/>
-            <a:ext cx="383206" cy="443226"/>
-          </a:xfrm>
-          <a:prstGeom prst="rect">
-            <a:avLst/>
-          </a:prstGeom>
-          <a:noFill/>
-        </p:spPr>
-        <p:txBody>
-          <a:bodyPr wrap="none" rtlCol="0" anchor="ctr">
-            <a:noAutofit/>
-          </a:bodyPr>
-          <a:lstStyle/>
-          <a:p>
-            <a:pPr algn="ctr"/>
-            <a:r>
-              <a:rPr lang="en-US" altLang="zh-CN" b="1" dirty="0" smtClean="0">
-                <a:solidFill>
-                  <a:schemeClr val="bg1"/>
-                </a:solidFill>
-                <a:latin typeface="微软雅黑" panose="020B0503020204020204" pitchFamily="34" charset="-122"/>
-                <a:ea typeface="微软雅黑" panose="020B0503020204020204" pitchFamily="34" charset="-122"/>
-              </a:rPr>
-              <a:t>3</a:t>
-            </a:r>
-            <a:endParaRPr lang="zh-CN" altLang="en-US" b="1" dirty="0">
-              <a:solidFill>
-                <a:schemeClr val="bg1"/>
-              </a:solidFill>
-              <a:latin typeface="微软雅黑" panose="020B0503020204020204" pitchFamily="34" charset="-122"/>
-              <a:ea typeface="微软雅黑" panose="020B0503020204020204" pitchFamily="34" charset="-122"/>
-            </a:endParaRPr>
-          </a:p>
-        </p:txBody>
-      </p:sp>
-      <p:cxnSp>
-        <p:nvCxnSpPr>
-          <p:cNvPr id="20" name="直接连接符 19"/>
-          <p:cNvCxnSpPr>
-            <a:stCxn id="18" idx="6"/>
-          </p:cNvCxnSpPr>
-          <p:nvPr/>
-        </p:nvCxnSpPr>
-        <p:spPr>
-          <a:xfrm>
-            <a:off x="2534033" y="3551161"/>
-            <a:ext cx="4500000" cy="0"/>
-          </a:xfrm>
-          <a:prstGeom prst="line">
-            <a:avLst/>
-          </a:prstGeom>
-          <a:ln>
-            <a:solidFill>
-              <a:schemeClr val="bg2"/>
-            </a:solidFill>
-          </a:ln>
-        </p:spPr>
-        <p:style>
-          <a:lnRef idx="1">
-            <a:schemeClr val="accent1"/>
-          </a:lnRef>
-          <a:fillRef idx="0">
-            <a:schemeClr val="accent1"/>
-          </a:fillRef>
-          <a:effectRef idx="0">
-            <a:schemeClr val="accent1"/>
-          </a:effectRef>
-          <a:fontRef idx="minor">
-            <a:schemeClr val="tx1"/>
-          </a:fontRef>
-        </p:style>
-      </p:cxnSp>
-      <p:sp>
-        <p:nvSpPr>
-          <p:cNvPr id="21" name="文本框 20"/>
-          <p:cNvSpPr txBox="1"/>
-          <p:nvPr/>
-        </p:nvSpPr>
-        <p:spPr>
-          <a:xfrm>
-            <a:off x="2915073" y="3124840"/>
-            <a:ext cx="4387392" cy="460375"/>
-          </a:xfrm>
-          <a:prstGeom prst="rect">
-            <a:avLst/>
-          </a:prstGeom>
-          <a:noFill/>
-        </p:spPr>
-        <p:txBody>
-          <a:bodyPr wrap="square" rtlCol="0">
-            <a:spAutoFit/>
-          </a:bodyPr>
-          <a:lstStyle/>
-          <a:p>
-            <a:r>
-              <a:rPr lang="zh-CN" altLang="en-US" sz="2400" dirty="0">
-                <a:solidFill>
-                  <a:schemeClr val="tx1">
-                    <a:lumMod val="75000"/>
-                    <a:lumOff val="25000"/>
-                  </a:schemeClr>
-                </a:solidFill>
-              </a:rPr>
-              <a:t>竞品分析和对比</a:t>
-            </a:r>
-          </a:p>
-        </p:txBody>
-      </p:sp>
-      <p:sp>
-        <p:nvSpPr>
-          <p:cNvPr id="23" name="Freeform 10"/>
-          <p:cNvSpPr/>
-          <p:nvPr userDrawn="1"/>
-        </p:nvSpPr>
-        <p:spPr bwMode="auto">
-          <a:xfrm>
-            <a:off x="1841535" y="4127276"/>
-            <a:ext cx="843427" cy="343858"/>
-          </a:xfrm>
-          <a:custGeom>
-            <a:avLst/>
-            <a:gdLst>
-              <a:gd name="T0" fmla="*/ 3120 w 3800"/>
-              <a:gd name="T1" fmla="*/ 0 h 1532"/>
-              <a:gd name="T2" fmla="*/ 682 w 3800"/>
-              <a:gd name="T3" fmla="*/ 0 h 1532"/>
-              <a:gd name="T4" fmla="*/ 682 w 3800"/>
-              <a:gd name="T5" fmla="*/ 284 h 1532"/>
-              <a:gd name="T6" fmla="*/ 0 w 3800"/>
-              <a:gd name="T7" fmla="*/ 766 h 1532"/>
-              <a:gd name="T8" fmla="*/ 682 w 3800"/>
-              <a:gd name="T9" fmla="*/ 1248 h 1532"/>
-              <a:gd name="T10" fmla="*/ 682 w 3800"/>
-              <a:gd name="T11" fmla="*/ 1532 h 1532"/>
-              <a:gd name="T12" fmla="*/ 3120 w 3800"/>
-              <a:gd name="T13" fmla="*/ 1532 h 1532"/>
-              <a:gd name="T14" fmla="*/ 3120 w 3800"/>
-              <a:gd name="T15" fmla="*/ 1248 h 1532"/>
-              <a:gd name="T16" fmla="*/ 3800 w 3800"/>
-              <a:gd name="T17" fmla="*/ 766 h 1532"/>
-              <a:gd name="T18" fmla="*/ 3120 w 3800"/>
-              <a:gd name="T19" fmla="*/ 284 h 1532"/>
-              <a:gd name="T20" fmla="*/ 3120 w 3800"/>
-              <a:gd name="T21" fmla="*/ 0 h 1532"/>
-            </a:gdLst>
-            <a:ahLst/>
-            <a:cxnLst>
-              <a:cxn ang="0">
-                <a:pos x="T0" y="T1"/>
-              </a:cxn>
-              <a:cxn ang="0">
-                <a:pos x="T2" y="T3"/>
-              </a:cxn>
-              <a:cxn ang="0">
-                <a:pos x="T4" y="T5"/>
-              </a:cxn>
-              <a:cxn ang="0">
-                <a:pos x="T6" y="T7"/>
-              </a:cxn>
-              <a:cxn ang="0">
-                <a:pos x="T8" y="T9"/>
-              </a:cxn>
-              <a:cxn ang="0">
-                <a:pos x="T10" y="T11"/>
-              </a:cxn>
-              <a:cxn ang="0">
-                <a:pos x="T12" y="T13"/>
-              </a:cxn>
-              <a:cxn ang="0">
-                <a:pos x="T14" y="T15"/>
-              </a:cxn>
-              <a:cxn ang="0">
-                <a:pos x="T16" y="T17"/>
-              </a:cxn>
-              <a:cxn ang="0">
-                <a:pos x="T18" y="T19"/>
-              </a:cxn>
-              <a:cxn ang="0">
-                <a:pos x="T20" y="T21"/>
-              </a:cxn>
-            </a:cxnLst>
-            <a:rect l="0" t="0" r="r" b="b"/>
-            <a:pathLst>
-              <a:path w="3800" h="1532">
-                <a:moveTo>
-                  <a:pt x="3120" y="0"/>
-                </a:moveTo>
-                <a:lnTo>
-                  <a:pt x="682" y="0"/>
-                </a:lnTo>
-                <a:lnTo>
-                  <a:pt x="682" y="284"/>
-                </a:lnTo>
-                <a:lnTo>
-                  <a:pt x="0" y="766"/>
-                </a:lnTo>
-                <a:lnTo>
-                  <a:pt x="682" y="1248"/>
-                </a:lnTo>
-                <a:lnTo>
-                  <a:pt x="682" y="1532"/>
-                </a:lnTo>
-                <a:lnTo>
-                  <a:pt x="3120" y="1532"/>
-                </a:lnTo>
-                <a:lnTo>
-                  <a:pt x="3120" y="1248"/>
-                </a:lnTo>
-                <a:lnTo>
-                  <a:pt x="3800" y="766"/>
-                </a:lnTo>
-                <a:lnTo>
-                  <a:pt x="3120" y="284"/>
-                </a:lnTo>
-                <a:lnTo>
-                  <a:pt x="3120" y="0"/>
-                </a:lnTo>
-                <a:close/>
-              </a:path>
-            </a:pathLst>
-          </a:custGeom>
-          <a:solidFill>
-            <a:schemeClr val="bg2"/>
-          </a:solidFill>
-          <a:ln>
-            <a:noFill/>
-          </a:ln>
-        </p:spPr>
-        <p:txBody>
-          <a:bodyPr vert="horz" wrap="square" lIns="91440" tIns="45720" rIns="91440" bIns="45720" numCol="1" anchor="ctr" anchorCtr="0" compatLnSpc="1">
-            <a:noAutofit/>
-          </a:bodyPr>
-          <a:lstStyle/>
-          <a:p>
-            <a:pPr algn="ctr"/>
-            <a:endParaRPr lang="zh-CN" altLang="en-US" sz="3200" b="1"/>
-          </a:p>
-        </p:txBody>
-      </p:sp>
-      <p:sp>
-        <p:nvSpPr>
-          <p:cNvPr id="24" name="文本框 23"/>
-          <p:cNvSpPr txBox="1"/>
-          <p:nvPr userDrawn="1"/>
-        </p:nvSpPr>
-        <p:spPr>
-          <a:xfrm>
-            <a:off x="2071646" y="4063469"/>
-            <a:ext cx="383206" cy="443226"/>
-          </a:xfrm>
-          <a:prstGeom prst="rect">
-            <a:avLst/>
-          </a:prstGeom>
-          <a:noFill/>
-        </p:spPr>
-        <p:txBody>
-          <a:bodyPr wrap="none" rtlCol="0" anchor="ctr">
-            <a:noAutofit/>
-          </a:bodyPr>
-          <a:lstStyle/>
-          <a:p>
-            <a:pPr algn="ctr"/>
-            <a:r>
-              <a:rPr lang="en-US" altLang="zh-CN" b="1" dirty="0" smtClean="0">
-                <a:solidFill>
-                  <a:schemeClr val="bg1"/>
-                </a:solidFill>
-                <a:latin typeface="微软雅黑" panose="020B0503020204020204" pitchFamily="34" charset="-122"/>
-                <a:ea typeface="微软雅黑" panose="020B0503020204020204" pitchFamily="34" charset="-122"/>
-              </a:rPr>
-              <a:t>4</a:t>
-            </a:r>
-            <a:endParaRPr lang="zh-CN" altLang="en-US" b="1" dirty="0">
-              <a:solidFill>
-                <a:schemeClr val="bg1"/>
-              </a:solidFill>
-              <a:latin typeface="微软雅黑" panose="020B0503020204020204" pitchFamily="34" charset="-122"/>
-              <a:ea typeface="微软雅黑" panose="020B0503020204020204" pitchFamily="34" charset="-122"/>
-            </a:endParaRPr>
-          </a:p>
-        </p:txBody>
-      </p:sp>
-      <p:cxnSp>
-        <p:nvCxnSpPr>
-          <p:cNvPr id="25" name="直接连接符 24"/>
-          <p:cNvCxnSpPr>
-            <a:stCxn id="23" idx="6"/>
-          </p:cNvCxnSpPr>
-          <p:nvPr/>
-        </p:nvCxnSpPr>
-        <p:spPr>
-          <a:xfrm>
-            <a:off x="2534033" y="4471134"/>
-            <a:ext cx="4500000" cy="0"/>
-          </a:xfrm>
-          <a:prstGeom prst="line">
-            <a:avLst/>
-          </a:prstGeom>
-          <a:ln>
-            <a:solidFill>
-              <a:schemeClr val="bg2"/>
-            </a:solidFill>
-          </a:ln>
-        </p:spPr>
-        <p:style>
-          <a:lnRef idx="1">
-            <a:schemeClr val="accent1"/>
-          </a:lnRef>
-          <a:fillRef idx="0">
-            <a:schemeClr val="accent1"/>
-          </a:fillRef>
-          <a:effectRef idx="0">
-            <a:schemeClr val="accent1"/>
-          </a:effectRef>
-          <a:fontRef idx="minor">
-            <a:schemeClr val="tx1"/>
-          </a:fontRef>
-        </p:style>
-      </p:cxnSp>
-      <p:sp>
-        <p:nvSpPr>
-          <p:cNvPr id="26" name="文本框 25"/>
-          <p:cNvSpPr txBox="1"/>
-          <p:nvPr/>
-        </p:nvSpPr>
-        <p:spPr>
-          <a:xfrm>
-            <a:off x="2915073" y="4034653"/>
-            <a:ext cx="4387392" cy="460375"/>
-          </a:xfrm>
-          <a:prstGeom prst="rect">
-            <a:avLst/>
-          </a:prstGeom>
-          <a:noFill/>
-        </p:spPr>
-        <p:txBody>
-          <a:bodyPr wrap="square" rtlCol="0">
-            <a:spAutoFit/>
-          </a:bodyPr>
-          <a:lstStyle/>
-          <a:p>
-            <a:r>
-              <a:rPr lang="zh-CN" altLang="en-US" sz="2400" dirty="0">
-                <a:solidFill>
-                  <a:schemeClr val="tx1">
-                    <a:lumMod val="75000"/>
-                    <a:lumOff val="25000"/>
-                  </a:schemeClr>
-                </a:solidFill>
-              </a:rPr>
-              <a:t>迭代评估报告</a:t>
-            </a:r>
-          </a:p>
-        </p:txBody>
-      </p:sp>
-      <p:sp>
-        <p:nvSpPr>
-          <p:cNvPr id="33" name="Freeform 10"/>
-          <p:cNvSpPr/>
-          <p:nvPr userDrawn="1"/>
-        </p:nvSpPr>
-        <p:spPr bwMode="auto">
-          <a:xfrm>
-            <a:off x="1841535" y="5047251"/>
-            <a:ext cx="843427" cy="343858"/>
-          </a:xfrm>
-          <a:custGeom>
-            <a:avLst/>
-            <a:gdLst>
-              <a:gd name="T0" fmla="*/ 3120 w 3800"/>
-              <a:gd name="T1" fmla="*/ 0 h 1532"/>
-              <a:gd name="T2" fmla="*/ 682 w 3800"/>
-              <a:gd name="T3" fmla="*/ 0 h 1532"/>
-              <a:gd name="T4" fmla="*/ 682 w 3800"/>
-              <a:gd name="T5" fmla="*/ 284 h 1532"/>
-              <a:gd name="T6" fmla="*/ 0 w 3800"/>
-              <a:gd name="T7" fmla="*/ 766 h 1532"/>
-              <a:gd name="T8" fmla="*/ 682 w 3800"/>
-              <a:gd name="T9" fmla="*/ 1248 h 1532"/>
-              <a:gd name="T10" fmla="*/ 682 w 3800"/>
-              <a:gd name="T11" fmla="*/ 1532 h 1532"/>
-              <a:gd name="T12" fmla="*/ 3120 w 3800"/>
-              <a:gd name="T13" fmla="*/ 1532 h 1532"/>
-              <a:gd name="T14" fmla="*/ 3120 w 3800"/>
-              <a:gd name="T15" fmla="*/ 1248 h 1532"/>
-              <a:gd name="T16" fmla="*/ 3800 w 3800"/>
-              <a:gd name="T17" fmla="*/ 766 h 1532"/>
-              <a:gd name="T18" fmla="*/ 3120 w 3800"/>
-              <a:gd name="T19" fmla="*/ 284 h 1532"/>
-              <a:gd name="T20" fmla="*/ 3120 w 3800"/>
-              <a:gd name="T21" fmla="*/ 0 h 1532"/>
-            </a:gdLst>
-            <a:ahLst/>
-            <a:cxnLst>
-              <a:cxn ang="0">
-                <a:pos x="T0" y="T1"/>
-              </a:cxn>
-              <a:cxn ang="0">
-                <a:pos x="T2" y="T3"/>
-              </a:cxn>
-              <a:cxn ang="0">
-                <a:pos x="T4" y="T5"/>
-              </a:cxn>
-              <a:cxn ang="0">
-                <a:pos x="T6" y="T7"/>
-              </a:cxn>
-              <a:cxn ang="0">
-                <a:pos x="T8" y="T9"/>
-              </a:cxn>
-              <a:cxn ang="0">
-                <a:pos x="T10" y="T11"/>
-              </a:cxn>
-              <a:cxn ang="0">
-                <a:pos x="T12" y="T13"/>
-              </a:cxn>
-              <a:cxn ang="0">
-                <a:pos x="T14" y="T15"/>
-              </a:cxn>
-              <a:cxn ang="0">
-                <a:pos x="T16" y="T17"/>
-              </a:cxn>
-              <a:cxn ang="0">
-                <a:pos x="T18" y="T19"/>
-              </a:cxn>
-              <a:cxn ang="0">
-                <a:pos x="T20" y="T21"/>
-              </a:cxn>
-            </a:cxnLst>
-            <a:rect l="0" t="0" r="r" b="b"/>
-            <a:pathLst>
-              <a:path w="3800" h="1532">
-                <a:moveTo>
-                  <a:pt x="3120" y="0"/>
-                </a:moveTo>
-                <a:lnTo>
-                  <a:pt x="682" y="0"/>
-                </a:lnTo>
-                <a:lnTo>
-                  <a:pt x="682" y="284"/>
-                </a:lnTo>
-                <a:lnTo>
-                  <a:pt x="0" y="766"/>
-                </a:lnTo>
-                <a:lnTo>
-                  <a:pt x="682" y="1248"/>
-                </a:lnTo>
-                <a:lnTo>
-                  <a:pt x="682" y="1532"/>
-                </a:lnTo>
-                <a:lnTo>
-                  <a:pt x="3120" y="1532"/>
-                </a:lnTo>
-                <a:lnTo>
-                  <a:pt x="3120" y="1248"/>
-                </a:lnTo>
-                <a:lnTo>
-                  <a:pt x="3800" y="766"/>
-                </a:lnTo>
-                <a:lnTo>
-                  <a:pt x="3120" y="284"/>
-                </a:lnTo>
-                <a:lnTo>
-                  <a:pt x="3120" y="0"/>
-                </a:lnTo>
-                <a:close/>
-              </a:path>
-            </a:pathLst>
-          </a:custGeom>
-          <a:solidFill>
-            <a:schemeClr val="bg2"/>
-          </a:solidFill>
-          <a:ln>
-            <a:noFill/>
-          </a:ln>
-        </p:spPr>
-        <p:txBody>
-          <a:bodyPr vert="horz" wrap="square" lIns="91440" tIns="45720" rIns="91440" bIns="45720" numCol="1" anchor="ctr" anchorCtr="0" compatLnSpc="1">
-            <a:noAutofit/>
-          </a:bodyPr>
-          <a:lstStyle/>
-          <a:p>
-            <a:pPr algn="ctr"/>
-            <a:endParaRPr lang="zh-CN" altLang="en-US" sz="3200" b="1"/>
-          </a:p>
-        </p:txBody>
-      </p:sp>
-      <p:sp>
-        <p:nvSpPr>
-          <p:cNvPr id="34" name="文本框 33"/>
-          <p:cNvSpPr txBox="1"/>
-          <p:nvPr userDrawn="1"/>
-        </p:nvSpPr>
-        <p:spPr>
-          <a:xfrm>
-            <a:off x="2071646" y="4983444"/>
-            <a:ext cx="383206" cy="443226"/>
-          </a:xfrm>
-          <a:prstGeom prst="rect">
-            <a:avLst/>
-          </a:prstGeom>
-          <a:noFill/>
-        </p:spPr>
-        <p:txBody>
-          <a:bodyPr wrap="none" rtlCol="0" anchor="ctr">
-            <a:noAutofit/>
-          </a:bodyPr>
-          <a:lstStyle/>
-          <a:p>
-            <a:pPr algn="ctr"/>
-            <a:r>
-              <a:rPr lang="en-US" altLang="zh-CN" b="1" dirty="0" smtClean="0">
-                <a:solidFill>
-                  <a:schemeClr val="bg1"/>
-                </a:solidFill>
-                <a:latin typeface="微软雅黑" panose="020B0503020204020204" pitchFamily="34" charset="-122"/>
-                <a:ea typeface="微软雅黑" panose="020B0503020204020204" pitchFamily="34" charset="-122"/>
-              </a:rPr>
-              <a:t>5</a:t>
-            </a:r>
-            <a:endParaRPr lang="zh-CN" altLang="en-US" b="1" dirty="0">
-              <a:solidFill>
-                <a:schemeClr val="bg1"/>
-              </a:solidFill>
-              <a:latin typeface="微软雅黑" panose="020B0503020204020204" pitchFamily="34" charset="-122"/>
-              <a:ea typeface="微软雅黑" panose="020B0503020204020204" pitchFamily="34" charset="-122"/>
-            </a:endParaRPr>
-          </a:p>
-        </p:txBody>
-      </p:sp>
-      <p:cxnSp>
-        <p:nvCxnSpPr>
-          <p:cNvPr id="35" name="直接连接符 34"/>
-          <p:cNvCxnSpPr>
-            <a:stCxn id="33" idx="6"/>
-          </p:cNvCxnSpPr>
-          <p:nvPr/>
-        </p:nvCxnSpPr>
-        <p:spPr>
-          <a:xfrm>
-            <a:off x="2534033" y="5391109"/>
-            <a:ext cx="4500000" cy="0"/>
-          </a:xfrm>
-          <a:prstGeom prst="line">
-            <a:avLst/>
-          </a:prstGeom>
-          <a:ln>
-            <a:solidFill>
-              <a:schemeClr val="bg2"/>
-            </a:solidFill>
-          </a:ln>
-        </p:spPr>
-        <p:style>
-          <a:lnRef idx="1">
-            <a:schemeClr val="accent1"/>
-          </a:lnRef>
-          <a:fillRef idx="0">
-            <a:schemeClr val="accent1"/>
-          </a:fillRef>
-          <a:effectRef idx="0">
-            <a:schemeClr val="accent1"/>
-          </a:effectRef>
-          <a:fontRef idx="minor">
-            <a:schemeClr val="tx1"/>
-          </a:fontRef>
-        </p:style>
-      </p:cxnSp>
-      <p:sp>
-        <p:nvSpPr>
-          <p:cNvPr id="36" name="文本框 35"/>
-          <p:cNvSpPr txBox="1"/>
-          <p:nvPr/>
-        </p:nvSpPr>
-        <p:spPr>
-          <a:xfrm>
-            <a:off x="2915073" y="4954628"/>
-            <a:ext cx="4387392" cy="460375"/>
-          </a:xfrm>
-          <a:prstGeom prst="rect">
-            <a:avLst/>
-          </a:prstGeom>
-          <a:noFill/>
-        </p:spPr>
-        <p:txBody>
-          <a:bodyPr wrap="square" rtlCol="0">
-            <a:spAutoFit/>
-          </a:bodyPr>
-          <a:lstStyle/>
-          <a:p>
-            <a:r>
-              <a:rPr lang="zh-CN" altLang="en-US" sz="2400" dirty="0">
-                <a:solidFill>
-                  <a:schemeClr val="tx1">
-                    <a:lumMod val="75000"/>
-                    <a:lumOff val="25000"/>
-                  </a:schemeClr>
-                </a:solidFill>
-              </a:rPr>
-              <a:t>总结</a:t>
             </a:r>
           </a:p>
         </p:txBody>
@@ -25475,7 +22794,7 @@
   <a:extraClrSchemeLst/>
   <a:extLst>
     <a:ext uri="{05A4C25C-085E-4340-85A3-A5531E510DB2}">
-      <thm15:themeFamily xmlns:thm15="http://schemas.microsoft.com/office/thememl/2012/main" xmlns="" name="Office Theme" id="{62F939B6-93AF-4DB8-9C6B-D6C7DFDC589F}" vid="{4A3C46E8-61CC-4603-A589-7422A47A8E4A}"/>
+      <thm15:themeFamily xmlns="" xmlns:thm15="http://schemas.microsoft.com/office/thememl/2012/main" name="Office Theme" id="{62F939B6-93AF-4DB8-9C6B-D6C7DFDC589F}" vid="{4A3C46E8-61CC-4603-A589-7422A47A8E4A}"/>
     </a:ext>
   </a:extLst>
 </a:theme>
@@ -25736,7 +23055,7 @@
   <a:extraClrSchemeLst/>
   <a:extLst>
     <a:ext uri="{05A4C25C-085E-4340-85A3-A5531E510DB2}">
-      <thm15:themeFamily xmlns:thm15="http://schemas.microsoft.com/office/thememl/2012/main" xmlns="" name="Office Theme" id="{62F939B6-93AF-4DB8-9C6B-D6C7DFDC589F}" vid="{4A3C46E8-61CC-4603-A589-7422A47A8E4A}"/>
+      <thm15:themeFamily xmlns="" xmlns:thm15="http://schemas.microsoft.com/office/thememl/2012/main" name="Office Theme" id="{62F939B6-93AF-4DB8-9C6B-D6C7DFDC589F}" vid="{4A3C46E8-61CC-4603-A589-7422A47A8E4A}"/>
     </a:ext>
   </a:extLst>
 </a:theme>
@@ -25997,7 +23316,7 @@
   <a:extraClrSchemeLst/>
   <a:extLst>
     <a:ext uri="{05A4C25C-085E-4340-85A3-A5531E510DB2}">
-      <thm15:themeFamily xmlns:thm15="http://schemas.microsoft.com/office/thememl/2012/main" xmlns="" name="Office Theme" id="{62F939B6-93AF-4DB8-9C6B-D6C7DFDC589F}" vid="{4A3C46E8-61CC-4603-A589-7422A47A8E4A}"/>
+      <thm15:themeFamily xmlns="" xmlns:thm15="http://schemas.microsoft.com/office/thememl/2012/main" name="Office Theme" id="{62F939B6-93AF-4DB8-9C6B-D6C7DFDC589F}" vid="{4A3C46E8-61CC-4603-A589-7422A47A8E4A}"/>
     </a:ext>
   </a:extLst>
 </a:theme>

--- a/Documents/软件工程第一次迭代答辩.pptx
+++ b/Documents/软件工程第一次迭代答辩.pptx
@@ -5,10 +5,10 @@
     <p:sldMasterId id="2147483648" r:id="rId1"/>
   </p:sldMasterIdLst>
   <p:notesMasterIdLst>
-    <p:notesMasterId r:id="rId25"/>
+    <p:notesMasterId r:id="rId27"/>
   </p:notesMasterIdLst>
   <p:handoutMasterIdLst>
-    <p:handoutMasterId r:id="rId26"/>
+    <p:handoutMasterId r:id="rId28"/>
   </p:handoutMasterIdLst>
   <p:sldIdLst>
     <p:sldId id="256" r:id="rId2"/>
@@ -33,7 +33,9 @@
     <p:sldId id="278" r:id="rId21"/>
     <p:sldId id="276" r:id="rId22"/>
     <p:sldId id="315" r:id="rId23"/>
-    <p:sldId id="282" r:id="rId24"/>
+    <p:sldId id="280" r:id="rId24"/>
+    <p:sldId id="316" r:id="rId25"/>
+    <p:sldId id="282" r:id="rId26"/>
   </p:sldIdLst>
   <p:sldSz cx="9144000" cy="6858000" type="screen4x3"/>
   <p:notesSz cx="6858000" cy="9144000"/>
@@ -13054,6 +13056,253 @@
           </a:p>
         </p:txBody>
       </p:sp>
+      <p:sp>
+        <p:nvSpPr>
+          <p:cNvPr id="33" name="Freeform 10"/>
+          <p:cNvSpPr/>
+          <p:nvPr userDrawn="1"/>
+        </p:nvSpPr>
+        <p:spPr bwMode="auto">
+          <a:xfrm>
+            <a:off x="1841535" y="5047251"/>
+            <a:ext cx="843427" cy="343858"/>
+          </a:xfrm>
+          <a:custGeom>
+            <a:avLst/>
+            <a:gdLst>
+              <a:gd name="T0" fmla="*/ 3120 w 3800"/>
+              <a:gd name="T1" fmla="*/ 0 h 1532"/>
+              <a:gd name="T2" fmla="*/ 682 w 3800"/>
+              <a:gd name="T3" fmla="*/ 0 h 1532"/>
+              <a:gd name="T4" fmla="*/ 682 w 3800"/>
+              <a:gd name="T5" fmla="*/ 284 h 1532"/>
+              <a:gd name="T6" fmla="*/ 0 w 3800"/>
+              <a:gd name="T7" fmla="*/ 766 h 1532"/>
+              <a:gd name="T8" fmla="*/ 682 w 3800"/>
+              <a:gd name="T9" fmla="*/ 1248 h 1532"/>
+              <a:gd name="T10" fmla="*/ 682 w 3800"/>
+              <a:gd name="T11" fmla="*/ 1532 h 1532"/>
+              <a:gd name="T12" fmla="*/ 3120 w 3800"/>
+              <a:gd name="T13" fmla="*/ 1532 h 1532"/>
+              <a:gd name="T14" fmla="*/ 3120 w 3800"/>
+              <a:gd name="T15" fmla="*/ 1248 h 1532"/>
+              <a:gd name="T16" fmla="*/ 3800 w 3800"/>
+              <a:gd name="T17" fmla="*/ 766 h 1532"/>
+              <a:gd name="T18" fmla="*/ 3120 w 3800"/>
+              <a:gd name="T19" fmla="*/ 284 h 1532"/>
+              <a:gd name="T20" fmla="*/ 3120 w 3800"/>
+              <a:gd name="T21" fmla="*/ 0 h 1532"/>
+            </a:gdLst>
+            <a:ahLst/>
+            <a:cxnLst>
+              <a:cxn ang="0">
+                <a:pos x="T0" y="T1"/>
+              </a:cxn>
+              <a:cxn ang="0">
+                <a:pos x="T2" y="T3"/>
+              </a:cxn>
+              <a:cxn ang="0">
+                <a:pos x="T4" y="T5"/>
+              </a:cxn>
+              <a:cxn ang="0">
+                <a:pos x="T6" y="T7"/>
+              </a:cxn>
+              <a:cxn ang="0">
+                <a:pos x="T8" y="T9"/>
+              </a:cxn>
+              <a:cxn ang="0">
+                <a:pos x="T10" y="T11"/>
+              </a:cxn>
+              <a:cxn ang="0">
+                <a:pos x="T12" y="T13"/>
+              </a:cxn>
+              <a:cxn ang="0">
+                <a:pos x="T14" y="T15"/>
+              </a:cxn>
+              <a:cxn ang="0">
+                <a:pos x="T16" y="T17"/>
+              </a:cxn>
+              <a:cxn ang="0">
+                <a:pos x="T18" y="T19"/>
+              </a:cxn>
+              <a:cxn ang="0">
+                <a:pos x="T20" y="T21"/>
+              </a:cxn>
+            </a:cxnLst>
+            <a:rect l="0" t="0" r="r" b="b"/>
+            <a:pathLst>
+              <a:path w="3800" h="1532">
+                <a:moveTo>
+                  <a:pt x="3120" y="0"/>
+                </a:moveTo>
+                <a:lnTo>
+                  <a:pt x="682" y="0"/>
+                </a:lnTo>
+                <a:lnTo>
+                  <a:pt x="682" y="284"/>
+                </a:lnTo>
+                <a:lnTo>
+                  <a:pt x="0" y="766"/>
+                </a:lnTo>
+                <a:lnTo>
+                  <a:pt x="682" y="1248"/>
+                </a:lnTo>
+                <a:lnTo>
+                  <a:pt x="682" y="1532"/>
+                </a:lnTo>
+                <a:lnTo>
+                  <a:pt x="3120" y="1532"/>
+                </a:lnTo>
+                <a:lnTo>
+                  <a:pt x="3120" y="1248"/>
+                </a:lnTo>
+                <a:lnTo>
+                  <a:pt x="3800" y="766"/>
+                </a:lnTo>
+                <a:lnTo>
+                  <a:pt x="3120" y="284"/>
+                </a:lnTo>
+                <a:lnTo>
+                  <a:pt x="3120" y="0"/>
+                </a:lnTo>
+                <a:close/>
+              </a:path>
+            </a:pathLst>
+          </a:custGeom>
+          <a:solidFill>
+            <a:schemeClr val="bg2"/>
+          </a:solidFill>
+          <a:ln>
+            <a:noFill/>
+          </a:ln>
+        </p:spPr>
+        <p:txBody>
+          <a:bodyPr vert="horz" wrap="square" lIns="91440" tIns="45720" rIns="91440" bIns="45720" numCol="1" anchor="ctr" anchorCtr="0" compatLnSpc="1">
+            <a:noAutofit/>
+          </a:bodyPr>
+          <a:lstStyle/>
+          <a:p>
+            <a:pPr algn="ctr"/>
+            <a:endParaRPr lang="zh-CN" altLang="en-US" sz="3200" b="1"/>
+          </a:p>
+        </p:txBody>
+      </p:sp>
+      <p:sp>
+        <p:nvSpPr>
+          <p:cNvPr id="34" name="文本框 33"/>
+          <p:cNvSpPr txBox="1"/>
+          <p:nvPr userDrawn="1"/>
+        </p:nvSpPr>
+        <p:spPr>
+          <a:xfrm>
+            <a:off x="2071646" y="4983444"/>
+            <a:ext cx="383206" cy="443226"/>
+          </a:xfrm>
+          <a:prstGeom prst="rect">
+            <a:avLst/>
+          </a:prstGeom>
+          <a:noFill/>
+        </p:spPr>
+        <p:txBody>
+          <a:bodyPr wrap="none" rtlCol="0" anchor="ctr">
+            <a:noAutofit/>
+          </a:bodyPr>
+          <a:lstStyle/>
+          <a:p>
+            <a:pPr algn="ctr"/>
+            <a:r>
+              <a:rPr lang="en-US" altLang="zh-CN" b="1" dirty="0" smtClean="0">
+                <a:solidFill>
+                  <a:schemeClr val="bg1"/>
+                </a:solidFill>
+                <a:latin typeface="微软雅黑" panose="020B0503020204020204" pitchFamily="34" charset="-122"/>
+                <a:ea typeface="微软雅黑" panose="020B0503020204020204" pitchFamily="34" charset="-122"/>
+              </a:rPr>
+              <a:t>5</a:t>
+            </a:r>
+            <a:endParaRPr lang="zh-CN" altLang="en-US" b="1" dirty="0">
+              <a:solidFill>
+                <a:schemeClr val="bg1"/>
+              </a:solidFill>
+              <a:latin typeface="微软雅黑" panose="020B0503020204020204" pitchFamily="34" charset="-122"/>
+              <a:ea typeface="微软雅黑" panose="020B0503020204020204" pitchFamily="34" charset="-122"/>
+            </a:endParaRPr>
+          </a:p>
+        </p:txBody>
+      </p:sp>
+      <p:cxnSp>
+        <p:nvCxnSpPr>
+          <p:cNvPr id="35" name="直接连接符 34"/>
+          <p:cNvCxnSpPr>
+            <a:stCxn id="33" idx="6"/>
+          </p:cNvCxnSpPr>
+          <p:nvPr/>
+        </p:nvCxnSpPr>
+        <p:spPr>
+          <a:xfrm>
+            <a:off x="2534033" y="5391109"/>
+            <a:ext cx="4500000" cy="0"/>
+          </a:xfrm>
+          <a:prstGeom prst="line">
+            <a:avLst/>
+          </a:prstGeom>
+          <a:ln>
+            <a:solidFill>
+              <a:schemeClr val="bg2"/>
+            </a:solidFill>
+          </a:ln>
+        </p:spPr>
+        <p:style>
+          <a:lnRef idx="1">
+            <a:schemeClr val="accent1"/>
+          </a:lnRef>
+          <a:fillRef idx="0">
+            <a:schemeClr val="accent1"/>
+          </a:fillRef>
+          <a:effectRef idx="0">
+            <a:schemeClr val="accent1"/>
+          </a:effectRef>
+          <a:fontRef idx="minor">
+            <a:schemeClr val="tx1"/>
+          </a:fontRef>
+        </p:style>
+      </p:cxnSp>
+      <p:sp>
+        <p:nvSpPr>
+          <p:cNvPr id="36" name="文本框 35"/>
+          <p:cNvSpPr txBox="1"/>
+          <p:nvPr/>
+        </p:nvSpPr>
+        <p:spPr>
+          <a:xfrm>
+            <a:off x="2915073" y="4954628"/>
+            <a:ext cx="4387392" cy="460375"/>
+          </a:xfrm>
+          <a:prstGeom prst="rect">
+            <a:avLst/>
+          </a:prstGeom>
+          <a:noFill/>
+        </p:spPr>
+        <p:txBody>
+          <a:bodyPr wrap="square" rtlCol="0">
+            <a:spAutoFit/>
+          </a:bodyPr>
+          <a:lstStyle/>
+          <a:p>
+            <a:r>
+              <a:rPr lang="zh-CN" altLang="en-US" sz="2400" dirty="0">
+                <a:solidFill>
+                  <a:schemeClr val="tx1">
+                    <a:lumMod val="75000"/>
+                    <a:lumOff val="25000"/>
+                  </a:schemeClr>
+                </a:solidFill>
+              </a:rPr>
+              <a:t>总结</a:t>
+            </a:r>
+          </a:p>
+        </p:txBody>
+      </p:sp>
     </p:spTree>
   </p:cSld>
   <p:clrMapOvr>
@@ -16446,6 +16695,253 @@
           </a:p>
         </p:txBody>
       </p:sp>
+      <p:sp>
+        <p:nvSpPr>
+          <p:cNvPr id="33" name="Freeform 10"/>
+          <p:cNvSpPr/>
+          <p:nvPr userDrawn="1"/>
+        </p:nvSpPr>
+        <p:spPr bwMode="auto">
+          <a:xfrm>
+            <a:off x="1841535" y="5047251"/>
+            <a:ext cx="843427" cy="343858"/>
+          </a:xfrm>
+          <a:custGeom>
+            <a:avLst/>
+            <a:gdLst>
+              <a:gd name="T0" fmla="*/ 3120 w 3800"/>
+              <a:gd name="T1" fmla="*/ 0 h 1532"/>
+              <a:gd name="T2" fmla="*/ 682 w 3800"/>
+              <a:gd name="T3" fmla="*/ 0 h 1532"/>
+              <a:gd name="T4" fmla="*/ 682 w 3800"/>
+              <a:gd name="T5" fmla="*/ 284 h 1532"/>
+              <a:gd name="T6" fmla="*/ 0 w 3800"/>
+              <a:gd name="T7" fmla="*/ 766 h 1532"/>
+              <a:gd name="T8" fmla="*/ 682 w 3800"/>
+              <a:gd name="T9" fmla="*/ 1248 h 1532"/>
+              <a:gd name="T10" fmla="*/ 682 w 3800"/>
+              <a:gd name="T11" fmla="*/ 1532 h 1532"/>
+              <a:gd name="T12" fmla="*/ 3120 w 3800"/>
+              <a:gd name="T13" fmla="*/ 1532 h 1532"/>
+              <a:gd name="T14" fmla="*/ 3120 w 3800"/>
+              <a:gd name="T15" fmla="*/ 1248 h 1532"/>
+              <a:gd name="T16" fmla="*/ 3800 w 3800"/>
+              <a:gd name="T17" fmla="*/ 766 h 1532"/>
+              <a:gd name="T18" fmla="*/ 3120 w 3800"/>
+              <a:gd name="T19" fmla="*/ 284 h 1532"/>
+              <a:gd name="T20" fmla="*/ 3120 w 3800"/>
+              <a:gd name="T21" fmla="*/ 0 h 1532"/>
+            </a:gdLst>
+            <a:ahLst/>
+            <a:cxnLst>
+              <a:cxn ang="0">
+                <a:pos x="T0" y="T1"/>
+              </a:cxn>
+              <a:cxn ang="0">
+                <a:pos x="T2" y="T3"/>
+              </a:cxn>
+              <a:cxn ang="0">
+                <a:pos x="T4" y="T5"/>
+              </a:cxn>
+              <a:cxn ang="0">
+                <a:pos x="T6" y="T7"/>
+              </a:cxn>
+              <a:cxn ang="0">
+                <a:pos x="T8" y="T9"/>
+              </a:cxn>
+              <a:cxn ang="0">
+                <a:pos x="T10" y="T11"/>
+              </a:cxn>
+              <a:cxn ang="0">
+                <a:pos x="T12" y="T13"/>
+              </a:cxn>
+              <a:cxn ang="0">
+                <a:pos x="T14" y="T15"/>
+              </a:cxn>
+              <a:cxn ang="0">
+                <a:pos x="T16" y="T17"/>
+              </a:cxn>
+              <a:cxn ang="0">
+                <a:pos x="T18" y="T19"/>
+              </a:cxn>
+              <a:cxn ang="0">
+                <a:pos x="T20" y="T21"/>
+              </a:cxn>
+            </a:cxnLst>
+            <a:rect l="0" t="0" r="r" b="b"/>
+            <a:pathLst>
+              <a:path w="3800" h="1532">
+                <a:moveTo>
+                  <a:pt x="3120" y="0"/>
+                </a:moveTo>
+                <a:lnTo>
+                  <a:pt x="682" y="0"/>
+                </a:lnTo>
+                <a:lnTo>
+                  <a:pt x="682" y="284"/>
+                </a:lnTo>
+                <a:lnTo>
+                  <a:pt x="0" y="766"/>
+                </a:lnTo>
+                <a:lnTo>
+                  <a:pt x="682" y="1248"/>
+                </a:lnTo>
+                <a:lnTo>
+                  <a:pt x="682" y="1532"/>
+                </a:lnTo>
+                <a:lnTo>
+                  <a:pt x="3120" y="1532"/>
+                </a:lnTo>
+                <a:lnTo>
+                  <a:pt x="3120" y="1248"/>
+                </a:lnTo>
+                <a:lnTo>
+                  <a:pt x="3800" y="766"/>
+                </a:lnTo>
+                <a:lnTo>
+                  <a:pt x="3120" y="284"/>
+                </a:lnTo>
+                <a:lnTo>
+                  <a:pt x="3120" y="0"/>
+                </a:lnTo>
+                <a:close/>
+              </a:path>
+            </a:pathLst>
+          </a:custGeom>
+          <a:solidFill>
+            <a:schemeClr val="bg2"/>
+          </a:solidFill>
+          <a:ln>
+            <a:noFill/>
+          </a:ln>
+        </p:spPr>
+        <p:txBody>
+          <a:bodyPr vert="horz" wrap="square" lIns="91440" tIns="45720" rIns="91440" bIns="45720" numCol="1" anchor="ctr" anchorCtr="0" compatLnSpc="1">
+            <a:noAutofit/>
+          </a:bodyPr>
+          <a:lstStyle/>
+          <a:p>
+            <a:pPr algn="ctr"/>
+            <a:endParaRPr lang="zh-CN" altLang="en-US" sz="3200" b="1"/>
+          </a:p>
+        </p:txBody>
+      </p:sp>
+      <p:sp>
+        <p:nvSpPr>
+          <p:cNvPr id="34" name="文本框 33"/>
+          <p:cNvSpPr txBox="1"/>
+          <p:nvPr userDrawn="1"/>
+        </p:nvSpPr>
+        <p:spPr>
+          <a:xfrm>
+            <a:off x="2071646" y="4983444"/>
+            <a:ext cx="383206" cy="443226"/>
+          </a:xfrm>
+          <a:prstGeom prst="rect">
+            <a:avLst/>
+          </a:prstGeom>
+          <a:noFill/>
+        </p:spPr>
+        <p:txBody>
+          <a:bodyPr wrap="none" rtlCol="0" anchor="ctr">
+            <a:noAutofit/>
+          </a:bodyPr>
+          <a:lstStyle/>
+          <a:p>
+            <a:pPr algn="ctr"/>
+            <a:r>
+              <a:rPr lang="en-US" altLang="zh-CN" b="1" dirty="0" smtClean="0">
+                <a:solidFill>
+                  <a:schemeClr val="bg1"/>
+                </a:solidFill>
+                <a:latin typeface="微软雅黑" panose="020B0503020204020204" pitchFamily="34" charset="-122"/>
+                <a:ea typeface="微软雅黑" panose="020B0503020204020204" pitchFamily="34" charset="-122"/>
+              </a:rPr>
+              <a:t>5</a:t>
+            </a:r>
+            <a:endParaRPr lang="zh-CN" altLang="en-US" b="1" dirty="0">
+              <a:solidFill>
+                <a:schemeClr val="bg1"/>
+              </a:solidFill>
+              <a:latin typeface="微软雅黑" panose="020B0503020204020204" pitchFamily="34" charset="-122"/>
+              <a:ea typeface="微软雅黑" panose="020B0503020204020204" pitchFamily="34" charset="-122"/>
+            </a:endParaRPr>
+          </a:p>
+        </p:txBody>
+      </p:sp>
+      <p:cxnSp>
+        <p:nvCxnSpPr>
+          <p:cNvPr id="35" name="直接连接符 34"/>
+          <p:cNvCxnSpPr>
+            <a:stCxn id="33" idx="6"/>
+          </p:cNvCxnSpPr>
+          <p:nvPr/>
+        </p:nvCxnSpPr>
+        <p:spPr>
+          <a:xfrm>
+            <a:off x="2534033" y="5391109"/>
+            <a:ext cx="4500000" cy="0"/>
+          </a:xfrm>
+          <a:prstGeom prst="line">
+            <a:avLst/>
+          </a:prstGeom>
+          <a:ln>
+            <a:solidFill>
+              <a:schemeClr val="bg2"/>
+            </a:solidFill>
+          </a:ln>
+        </p:spPr>
+        <p:style>
+          <a:lnRef idx="1">
+            <a:schemeClr val="accent1"/>
+          </a:lnRef>
+          <a:fillRef idx="0">
+            <a:schemeClr val="accent1"/>
+          </a:fillRef>
+          <a:effectRef idx="0">
+            <a:schemeClr val="accent1"/>
+          </a:effectRef>
+          <a:fontRef idx="minor">
+            <a:schemeClr val="tx1"/>
+          </a:fontRef>
+        </p:style>
+      </p:cxnSp>
+      <p:sp>
+        <p:nvSpPr>
+          <p:cNvPr id="36" name="文本框 35"/>
+          <p:cNvSpPr txBox="1"/>
+          <p:nvPr/>
+        </p:nvSpPr>
+        <p:spPr>
+          <a:xfrm>
+            <a:off x="2915073" y="4954628"/>
+            <a:ext cx="4387392" cy="460375"/>
+          </a:xfrm>
+          <a:prstGeom prst="rect">
+            <a:avLst/>
+          </a:prstGeom>
+          <a:noFill/>
+        </p:spPr>
+        <p:txBody>
+          <a:bodyPr wrap="square" rtlCol="0">
+            <a:spAutoFit/>
+          </a:bodyPr>
+          <a:lstStyle/>
+          <a:p>
+            <a:r>
+              <a:rPr lang="zh-CN" altLang="en-US" sz="2400" dirty="0">
+                <a:solidFill>
+                  <a:schemeClr val="tx1">
+                    <a:lumMod val="75000"/>
+                    <a:lumOff val="25000"/>
+                  </a:schemeClr>
+                </a:solidFill>
+              </a:rPr>
+              <a:t>总结</a:t>
+            </a:r>
+          </a:p>
+        </p:txBody>
+      </p:sp>
     </p:spTree>
   </p:cSld>
   <p:clrMapOvr>
@@ -17719,6 +18215,261 @@
             <a:r>
               <a:rPr lang="zh-CN" altLang="en-US" sz="2400" dirty="0"/>
               <a:t>迭代评估报告</a:t>
+            </a:r>
+          </a:p>
+        </p:txBody>
+      </p:sp>
+      <p:grpSp>
+        <p:nvGrpSpPr>
+          <p:cNvPr id="32" name="组合 31"/>
+          <p:cNvGrpSpPr/>
+          <p:nvPr/>
+        </p:nvGrpSpPr>
+        <p:grpSpPr>
+          <a:xfrm>
+            <a:off x="1841535" y="4983444"/>
+            <a:ext cx="843427" cy="443226"/>
+            <a:chOff x="666810" y="2586037"/>
+            <a:chExt cx="468000" cy="245937"/>
+          </a:xfrm>
+        </p:grpSpPr>
+        <p:sp>
+          <p:nvSpPr>
+            <p:cNvPr id="33" name="Freeform 10"/>
+            <p:cNvSpPr/>
+            <p:nvPr userDrawn="1"/>
+          </p:nvSpPr>
+          <p:spPr bwMode="auto">
+            <a:xfrm>
+              <a:off x="666810" y="2621442"/>
+              <a:ext cx="468000" cy="190800"/>
+            </a:xfrm>
+            <a:custGeom>
+              <a:avLst/>
+              <a:gdLst>
+                <a:gd name="T0" fmla="*/ 3120 w 3800"/>
+                <a:gd name="T1" fmla="*/ 0 h 1532"/>
+                <a:gd name="T2" fmla="*/ 682 w 3800"/>
+                <a:gd name="T3" fmla="*/ 0 h 1532"/>
+                <a:gd name="T4" fmla="*/ 682 w 3800"/>
+                <a:gd name="T5" fmla="*/ 284 h 1532"/>
+                <a:gd name="T6" fmla="*/ 0 w 3800"/>
+                <a:gd name="T7" fmla="*/ 766 h 1532"/>
+                <a:gd name="T8" fmla="*/ 682 w 3800"/>
+                <a:gd name="T9" fmla="*/ 1248 h 1532"/>
+                <a:gd name="T10" fmla="*/ 682 w 3800"/>
+                <a:gd name="T11" fmla="*/ 1532 h 1532"/>
+                <a:gd name="T12" fmla="*/ 3120 w 3800"/>
+                <a:gd name="T13" fmla="*/ 1532 h 1532"/>
+                <a:gd name="T14" fmla="*/ 3120 w 3800"/>
+                <a:gd name="T15" fmla="*/ 1248 h 1532"/>
+                <a:gd name="T16" fmla="*/ 3800 w 3800"/>
+                <a:gd name="T17" fmla="*/ 766 h 1532"/>
+                <a:gd name="T18" fmla="*/ 3120 w 3800"/>
+                <a:gd name="T19" fmla="*/ 284 h 1532"/>
+                <a:gd name="T20" fmla="*/ 3120 w 3800"/>
+                <a:gd name="T21" fmla="*/ 0 h 1532"/>
+              </a:gdLst>
+              <a:ahLst/>
+              <a:cxnLst>
+                <a:cxn ang="0">
+                  <a:pos x="T0" y="T1"/>
+                </a:cxn>
+                <a:cxn ang="0">
+                  <a:pos x="T2" y="T3"/>
+                </a:cxn>
+                <a:cxn ang="0">
+                  <a:pos x="T4" y="T5"/>
+                </a:cxn>
+                <a:cxn ang="0">
+                  <a:pos x="T6" y="T7"/>
+                </a:cxn>
+                <a:cxn ang="0">
+                  <a:pos x="T8" y="T9"/>
+                </a:cxn>
+                <a:cxn ang="0">
+                  <a:pos x="T10" y="T11"/>
+                </a:cxn>
+                <a:cxn ang="0">
+                  <a:pos x="T12" y="T13"/>
+                </a:cxn>
+                <a:cxn ang="0">
+                  <a:pos x="T14" y="T15"/>
+                </a:cxn>
+                <a:cxn ang="0">
+                  <a:pos x="T16" y="T17"/>
+                </a:cxn>
+                <a:cxn ang="0">
+                  <a:pos x="T18" y="T19"/>
+                </a:cxn>
+                <a:cxn ang="0">
+                  <a:pos x="T20" y="T21"/>
+                </a:cxn>
+              </a:cxnLst>
+              <a:rect l="0" t="0" r="r" b="b"/>
+              <a:pathLst>
+                <a:path w="3800" h="1532">
+                  <a:moveTo>
+                    <a:pt x="3120" y="0"/>
+                  </a:moveTo>
+                  <a:lnTo>
+                    <a:pt x="682" y="0"/>
+                  </a:lnTo>
+                  <a:lnTo>
+                    <a:pt x="682" y="284"/>
+                  </a:lnTo>
+                  <a:lnTo>
+                    <a:pt x="0" y="766"/>
+                  </a:lnTo>
+                  <a:lnTo>
+                    <a:pt x="682" y="1248"/>
+                  </a:lnTo>
+                  <a:lnTo>
+                    <a:pt x="682" y="1532"/>
+                  </a:lnTo>
+                  <a:lnTo>
+                    <a:pt x="3120" y="1532"/>
+                  </a:lnTo>
+                  <a:lnTo>
+                    <a:pt x="3120" y="1248"/>
+                  </a:lnTo>
+                  <a:lnTo>
+                    <a:pt x="3800" y="766"/>
+                  </a:lnTo>
+                  <a:lnTo>
+                    <a:pt x="3120" y="284"/>
+                  </a:lnTo>
+                  <a:lnTo>
+                    <a:pt x="3120" y="0"/>
+                  </a:lnTo>
+                  <a:close/>
+                </a:path>
+              </a:pathLst>
+            </a:custGeom>
+            <a:solidFill>
+              <a:schemeClr val="accent1"/>
+            </a:solidFill>
+            <a:ln>
+              <a:noFill/>
+            </a:ln>
+          </p:spPr>
+          <p:txBody>
+            <a:bodyPr vert="horz" wrap="square" lIns="91440" tIns="45720" rIns="91440" bIns="45720" numCol="1" anchor="ctr" anchorCtr="0" compatLnSpc="1">
+              <a:noAutofit/>
+            </a:bodyPr>
+            <a:lstStyle/>
+            <a:p>
+              <a:pPr algn="ctr"/>
+              <a:endParaRPr lang="zh-CN" altLang="en-US" sz="3200" b="1"/>
+            </a:p>
+          </p:txBody>
+        </p:sp>
+        <p:sp>
+          <p:nvSpPr>
+            <p:cNvPr id="34" name="文本框 33"/>
+            <p:cNvSpPr txBox="1"/>
+            <p:nvPr userDrawn="1"/>
+          </p:nvSpPr>
+          <p:spPr>
+            <a:xfrm>
+              <a:off x="794494" y="2586037"/>
+              <a:ext cx="212633" cy="245937"/>
+            </a:xfrm>
+            <a:prstGeom prst="rect">
+              <a:avLst/>
+            </a:prstGeom>
+            <a:noFill/>
+          </p:spPr>
+          <p:txBody>
+            <a:bodyPr wrap="none" rtlCol="0" anchor="ctr">
+              <a:noAutofit/>
+            </a:bodyPr>
+            <a:lstStyle/>
+            <a:p>
+              <a:pPr algn="ctr"/>
+              <a:r>
+                <a:rPr lang="en-US" altLang="zh-CN" b="1" dirty="0" smtClean="0">
+                  <a:solidFill>
+                    <a:schemeClr val="bg1"/>
+                  </a:solidFill>
+                  <a:latin typeface="微软雅黑" panose="020B0503020204020204" pitchFamily="34" charset="-122"/>
+                  <a:ea typeface="微软雅黑" panose="020B0503020204020204" pitchFamily="34" charset="-122"/>
+                </a:rPr>
+                <a:t>5</a:t>
+              </a:r>
+              <a:endParaRPr lang="zh-CN" altLang="en-US" b="1" dirty="0">
+                <a:solidFill>
+                  <a:schemeClr val="bg1"/>
+                </a:solidFill>
+                <a:latin typeface="微软雅黑" panose="020B0503020204020204" pitchFamily="34" charset="-122"/>
+                <a:ea typeface="微软雅黑" panose="020B0503020204020204" pitchFamily="34" charset="-122"/>
+              </a:endParaRPr>
+            </a:p>
+          </p:txBody>
+        </p:sp>
+      </p:grpSp>
+      <p:cxnSp>
+        <p:nvCxnSpPr>
+          <p:cNvPr id="35" name="直接连接符 34"/>
+          <p:cNvCxnSpPr>
+            <a:stCxn id="33" idx="6"/>
+          </p:cNvCxnSpPr>
+          <p:nvPr/>
+        </p:nvCxnSpPr>
+        <p:spPr>
+          <a:xfrm>
+            <a:off x="2534033" y="5391109"/>
+            <a:ext cx="4500000" cy="0"/>
+          </a:xfrm>
+          <a:prstGeom prst="line">
+            <a:avLst/>
+          </a:prstGeom>
+          <a:ln>
+            <a:solidFill>
+              <a:schemeClr val="accent1"/>
+            </a:solidFill>
+          </a:ln>
+        </p:spPr>
+        <p:style>
+          <a:lnRef idx="1">
+            <a:schemeClr val="accent1"/>
+          </a:lnRef>
+          <a:fillRef idx="0">
+            <a:schemeClr val="accent1"/>
+          </a:fillRef>
+          <a:effectRef idx="0">
+            <a:schemeClr val="accent1"/>
+          </a:effectRef>
+          <a:fontRef idx="minor">
+            <a:schemeClr val="tx1"/>
+          </a:fontRef>
+        </p:style>
+      </p:cxnSp>
+      <p:sp>
+        <p:nvSpPr>
+          <p:cNvPr id="36" name="文本框 35"/>
+          <p:cNvSpPr txBox="1"/>
+          <p:nvPr/>
+        </p:nvSpPr>
+        <p:spPr>
+          <a:xfrm>
+            <a:off x="2915073" y="4954628"/>
+            <a:ext cx="4387392" cy="460375"/>
+          </a:xfrm>
+          <a:prstGeom prst="rect">
+            <a:avLst/>
+          </a:prstGeom>
+          <a:noFill/>
+        </p:spPr>
+        <p:txBody>
+          <a:bodyPr wrap="square" rtlCol="0">
+            <a:spAutoFit/>
+          </a:bodyPr>
+          <a:lstStyle/>
+          <a:p>
+            <a:r>
+              <a:rPr lang="zh-CN" altLang="en-US" sz="2400" dirty="0"/>
+              <a:t>总结</a:t>
             </a:r>
           </a:p>
         </p:txBody>
@@ -19500,6 +20251,263 @@
           </a:p>
         </p:txBody>
       </p:sp>
+      <p:sp>
+        <p:nvSpPr>
+          <p:cNvPr id="33" name="Freeform 10"/>
+          <p:cNvSpPr>
+            <a:spLocks noChangeAspect="1"/>
+          </p:cNvSpPr>
+          <p:nvPr userDrawn="1"/>
+        </p:nvSpPr>
+        <p:spPr bwMode="auto">
+          <a:xfrm>
+            <a:off x="1841535" y="5047251"/>
+            <a:ext cx="843427" cy="343858"/>
+          </a:xfrm>
+          <a:custGeom>
+            <a:avLst/>
+            <a:gdLst>
+              <a:gd name="T0" fmla="*/ 3120 w 3800"/>
+              <a:gd name="T1" fmla="*/ 0 h 1532"/>
+              <a:gd name="T2" fmla="*/ 682 w 3800"/>
+              <a:gd name="T3" fmla="*/ 0 h 1532"/>
+              <a:gd name="T4" fmla="*/ 682 w 3800"/>
+              <a:gd name="T5" fmla="*/ 284 h 1532"/>
+              <a:gd name="T6" fmla="*/ 0 w 3800"/>
+              <a:gd name="T7" fmla="*/ 766 h 1532"/>
+              <a:gd name="T8" fmla="*/ 682 w 3800"/>
+              <a:gd name="T9" fmla="*/ 1248 h 1532"/>
+              <a:gd name="T10" fmla="*/ 682 w 3800"/>
+              <a:gd name="T11" fmla="*/ 1532 h 1532"/>
+              <a:gd name="T12" fmla="*/ 3120 w 3800"/>
+              <a:gd name="T13" fmla="*/ 1532 h 1532"/>
+              <a:gd name="T14" fmla="*/ 3120 w 3800"/>
+              <a:gd name="T15" fmla="*/ 1248 h 1532"/>
+              <a:gd name="T16" fmla="*/ 3800 w 3800"/>
+              <a:gd name="T17" fmla="*/ 766 h 1532"/>
+              <a:gd name="T18" fmla="*/ 3120 w 3800"/>
+              <a:gd name="T19" fmla="*/ 284 h 1532"/>
+              <a:gd name="T20" fmla="*/ 3120 w 3800"/>
+              <a:gd name="T21" fmla="*/ 0 h 1532"/>
+            </a:gdLst>
+            <a:ahLst/>
+            <a:cxnLst>
+              <a:cxn ang="0">
+                <a:pos x="T0" y="T1"/>
+              </a:cxn>
+              <a:cxn ang="0">
+                <a:pos x="T2" y="T3"/>
+              </a:cxn>
+              <a:cxn ang="0">
+                <a:pos x="T4" y="T5"/>
+              </a:cxn>
+              <a:cxn ang="0">
+                <a:pos x="T6" y="T7"/>
+              </a:cxn>
+              <a:cxn ang="0">
+                <a:pos x="T8" y="T9"/>
+              </a:cxn>
+              <a:cxn ang="0">
+                <a:pos x="T10" y="T11"/>
+              </a:cxn>
+              <a:cxn ang="0">
+                <a:pos x="T12" y="T13"/>
+              </a:cxn>
+              <a:cxn ang="0">
+                <a:pos x="T14" y="T15"/>
+              </a:cxn>
+              <a:cxn ang="0">
+                <a:pos x="T16" y="T17"/>
+              </a:cxn>
+              <a:cxn ang="0">
+                <a:pos x="T18" y="T19"/>
+              </a:cxn>
+              <a:cxn ang="0">
+                <a:pos x="T20" y="T21"/>
+              </a:cxn>
+            </a:cxnLst>
+            <a:rect l="0" t="0" r="r" b="b"/>
+            <a:pathLst>
+              <a:path w="3800" h="1532">
+                <a:moveTo>
+                  <a:pt x="3120" y="0"/>
+                </a:moveTo>
+                <a:lnTo>
+                  <a:pt x="682" y="0"/>
+                </a:lnTo>
+                <a:lnTo>
+                  <a:pt x="682" y="284"/>
+                </a:lnTo>
+                <a:lnTo>
+                  <a:pt x="0" y="766"/>
+                </a:lnTo>
+                <a:lnTo>
+                  <a:pt x="682" y="1248"/>
+                </a:lnTo>
+                <a:lnTo>
+                  <a:pt x="682" y="1532"/>
+                </a:lnTo>
+                <a:lnTo>
+                  <a:pt x="3120" y="1532"/>
+                </a:lnTo>
+                <a:lnTo>
+                  <a:pt x="3120" y="1248"/>
+                </a:lnTo>
+                <a:lnTo>
+                  <a:pt x="3800" y="766"/>
+                </a:lnTo>
+                <a:lnTo>
+                  <a:pt x="3120" y="284"/>
+                </a:lnTo>
+                <a:lnTo>
+                  <a:pt x="3120" y="0"/>
+                </a:lnTo>
+                <a:close/>
+              </a:path>
+            </a:pathLst>
+          </a:custGeom>
+          <a:solidFill>
+            <a:schemeClr val="bg2"/>
+          </a:solidFill>
+          <a:ln>
+            <a:noFill/>
+          </a:ln>
+        </p:spPr>
+        <p:txBody>
+          <a:bodyPr vert="horz" wrap="square" lIns="91440" tIns="45720" rIns="91440" bIns="45720" numCol="1" anchor="ctr" anchorCtr="0" compatLnSpc="1">
+            <a:noAutofit/>
+          </a:bodyPr>
+          <a:lstStyle/>
+          <a:p>
+            <a:pPr algn="ctr"/>
+            <a:endParaRPr lang="zh-CN" altLang="en-US" sz="3200" b="1"/>
+          </a:p>
+        </p:txBody>
+      </p:sp>
+      <p:sp>
+        <p:nvSpPr>
+          <p:cNvPr id="34" name="文本框 33"/>
+          <p:cNvSpPr txBox="1"/>
+          <p:nvPr userDrawn="1"/>
+        </p:nvSpPr>
+        <p:spPr>
+          <a:xfrm>
+            <a:off x="2071646" y="4983444"/>
+            <a:ext cx="383206" cy="443226"/>
+          </a:xfrm>
+          <a:prstGeom prst="rect">
+            <a:avLst/>
+          </a:prstGeom>
+          <a:noFill/>
+        </p:spPr>
+        <p:txBody>
+          <a:bodyPr wrap="none" rtlCol="0" anchor="ctr">
+            <a:noAutofit/>
+          </a:bodyPr>
+          <a:lstStyle/>
+          <a:p>
+            <a:pPr algn="ctr"/>
+            <a:r>
+              <a:rPr lang="en-US" altLang="zh-CN" b="1" dirty="0" smtClean="0">
+                <a:solidFill>
+                  <a:schemeClr val="bg1"/>
+                </a:solidFill>
+                <a:latin typeface="微软雅黑" panose="020B0503020204020204" pitchFamily="34" charset="-122"/>
+                <a:ea typeface="微软雅黑" panose="020B0503020204020204" pitchFamily="34" charset="-122"/>
+              </a:rPr>
+              <a:t>5</a:t>
+            </a:r>
+            <a:endParaRPr lang="zh-CN" altLang="en-US" b="1" dirty="0">
+              <a:solidFill>
+                <a:schemeClr val="bg1"/>
+              </a:solidFill>
+              <a:latin typeface="微软雅黑" panose="020B0503020204020204" pitchFamily="34" charset="-122"/>
+              <a:ea typeface="微软雅黑" panose="020B0503020204020204" pitchFamily="34" charset="-122"/>
+            </a:endParaRPr>
+          </a:p>
+        </p:txBody>
+      </p:sp>
+      <p:cxnSp>
+        <p:nvCxnSpPr>
+          <p:cNvPr id="35" name="直接连接符 34"/>
+          <p:cNvCxnSpPr>
+            <a:stCxn id="33" idx="6"/>
+          </p:cNvCxnSpPr>
+          <p:nvPr/>
+        </p:nvCxnSpPr>
+        <p:spPr>
+          <a:xfrm>
+            <a:off x="2534033" y="5391109"/>
+            <a:ext cx="4500000" cy="0"/>
+          </a:xfrm>
+          <a:prstGeom prst="line">
+            <a:avLst/>
+          </a:prstGeom>
+          <a:ln>
+            <a:solidFill>
+              <a:schemeClr val="bg2"/>
+            </a:solidFill>
+          </a:ln>
+        </p:spPr>
+        <p:style>
+          <a:lnRef idx="1">
+            <a:schemeClr val="accent1"/>
+          </a:lnRef>
+          <a:fillRef idx="0">
+            <a:schemeClr val="accent1"/>
+          </a:fillRef>
+          <a:effectRef idx="0">
+            <a:schemeClr val="accent1"/>
+          </a:effectRef>
+          <a:fontRef idx="minor">
+            <a:schemeClr val="tx1"/>
+          </a:fontRef>
+        </p:style>
+      </p:cxnSp>
+      <p:sp>
+        <p:nvSpPr>
+          <p:cNvPr id="36" name="文本框 35"/>
+          <p:cNvSpPr txBox="1"/>
+          <p:nvPr/>
+        </p:nvSpPr>
+        <p:spPr>
+          <a:xfrm>
+            <a:off x="2915073" y="4954628"/>
+            <a:ext cx="4387392" cy="460375"/>
+          </a:xfrm>
+          <a:prstGeom prst="rect">
+            <a:avLst/>
+          </a:prstGeom>
+          <a:noFill/>
+        </p:spPr>
+        <p:txBody>
+          <a:bodyPr wrap="square" rtlCol="0">
+            <a:spAutoFit/>
+          </a:bodyPr>
+          <a:lstStyle/>
+          <a:p>
+            <a:r>
+              <a:rPr lang="zh-CN" altLang="en-US" sz="2400" dirty="0" smtClean="0">
+                <a:solidFill>
+                  <a:schemeClr val="tx1">
+                    <a:lumMod val="75000"/>
+                    <a:lumOff val="25000"/>
+                  </a:schemeClr>
+                </a:solidFill>
+              </a:rPr>
+              <a:t>总结</a:t>
+            </a:r>
+            <a:endParaRPr lang="zh-CN" altLang="en-US" sz="2400" dirty="0">
+              <a:solidFill>
+                <a:schemeClr val="tx1">
+                  <a:lumMod val="75000"/>
+                  <a:lumOff val="25000"/>
+                </a:schemeClr>
+              </a:solidFill>
+            </a:endParaRPr>
+          </a:p>
+        </p:txBody>
+      </p:sp>
     </p:spTree>
   </p:cSld>
   <p:clrMapOvr>
@@ -19632,6 +20640,1432 @@
 </file>
 
 <file path=ppt/slides/slide23.xml><?xml version="1.0" encoding="utf-8"?>
+<p:sld xmlns:a="http://schemas.openxmlformats.org/drawingml/2006/main" xmlns:r="http://schemas.openxmlformats.org/officeDocument/2006/relationships" xmlns:p="http://schemas.openxmlformats.org/presentationml/2006/main">
+  <p:cSld>
+    <p:spTree>
+      <p:nvGrpSpPr>
+        <p:cNvPr id="1" name=""/>
+        <p:cNvGrpSpPr/>
+        <p:nvPr/>
+      </p:nvGrpSpPr>
+      <p:grpSpPr>
+        <a:xfrm>
+          <a:off x="0" y="0"/>
+          <a:ext cx="0" cy="0"/>
+          <a:chOff x="0" y="0"/>
+          <a:chExt cx="0" cy="0"/>
+        </a:xfrm>
+      </p:grpSpPr>
+      <p:sp>
+        <p:nvSpPr>
+          <p:cNvPr id="2" name="标题 1"/>
+          <p:cNvSpPr>
+            <a:spLocks noGrp="1"/>
+          </p:cNvSpPr>
+          <p:nvPr>
+            <p:ph type="title"/>
+          </p:nvPr>
+        </p:nvSpPr>
+        <p:spPr/>
+        <p:txBody>
+          <a:bodyPr>
+            <a:normAutofit fontScale="90000"/>
+          </a:bodyPr>
+          <a:lstStyle/>
+          <a:p>
+            <a:r>
+              <a:rPr lang="zh-CN" altLang="en-US" dirty="0">
+                <a:solidFill>
+                  <a:srgbClr val="C9151E"/>
+                </a:solidFill>
+                <a:latin typeface="微软雅黑" panose="020B0503020204020204" pitchFamily="34" charset="-122"/>
+                <a:ea typeface="微软雅黑" panose="020B0503020204020204" pitchFamily="34" charset="-122"/>
+              </a:rPr>
+              <a:t>目录 </a:t>
+            </a:r>
+            <a:r>
+              <a:rPr lang="en-US" altLang="zh-CN" dirty="0">
+                <a:solidFill>
+                  <a:srgbClr val="C9151E"/>
+                </a:solidFill>
+                <a:latin typeface="微软雅黑" panose="020B0503020204020204" pitchFamily="34" charset="-122"/>
+                <a:ea typeface="微软雅黑" panose="020B0503020204020204" pitchFamily="34" charset="-122"/>
+              </a:rPr>
+              <a:t>Contents</a:t>
+            </a:r>
+            <a:endParaRPr lang="zh-CN" altLang="en-US" dirty="0">
+              <a:solidFill>
+                <a:srgbClr val="C9151E"/>
+              </a:solidFill>
+              <a:latin typeface="微软雅黑" panose="020B0503020204020204" pitchFamily="34" charset="-122"/>
+              <a:ea typeface="微软雅黑" panose="020B0503020204020204" pitchFamily="34" charset="-122"/>
+            </a:endParaRPr>
+          </a:p>
+        </p:txBody>
+      </p:sp>
+      <p:sp>
+        <p:nvSpPr>
+          <p:cNvPr id="4" name="Freeform 10"/>
+          <p:cNvSpPr/>
+          <p:nvPr userDrawn="1"/>
+        </p:nvSpPr>
+        <p:spPr bwMode="auto">
+          <a:xfrm>
+            <a:off x="1841535" y="1367357"/>
+            <a:ext cx="843427" cy="343858"/>
+          </a:xfrm>
+          <a:custGeom>
+            <a:avLst/>
+            <a:gdLst>
+              <a:gd name="T0" fmla="*/ 3120 w 3800"/>
+              <a:gd name="T1" fmla="*/ 0 h 1532"/>
+              <a:gd name="T2" fmla="*/ 682 w 3800"/>
+              <a:gd name="T3" fmla="*/ 0 h 1532"/>
+              <a:gd name="T4" fmla="*/ 682 w 3800"/>
+              <a:gd name="T5" fmla="*/ 284 h 1532"/>
+              <a:gd name="T6" fmla="*/ 0 w 3800"/>
+              <a:gd name="T7" fmla="*/ 766 h 1532"/>
+              <a:gd name="T8" fmla="*/ 682 w 3800"/>
+              <a:gd name="T9" fmla="*/ 1248 h 1532"/>
+              <a:gd name="T10" fmla="*/ 682 w 3800"/>
+              <a:gd name="T11" fmla="*/ 1532 h 1532"/>
+              <a:gd name="T12" fmla="*/ 3120 w 3800"/>
+              <a:gd name="T13" fmla="*/ 1532 h 1532"/>
+              <a:gd name="T14" fmla="*/ 3120 w 3800"/>
+              <a:gd name="T15" fmla="*/ 1248 h 1532"/>
+              <a:gd name="T16" fmla="*/ 3800 w 3800"/>
+              <a:gd name="T17" fmla="*/ 766 h 1532"/>
+              <a:gd name="T18" fmla="*/ 3120 w 3800"/>
+              <a:gd name="T19" fmla="*/ 284 h 1532"/>
+              <a:gd name="T20" fmla="*/ 3120 w 3800"/>
+              <a:gd name="T21" fmla="*/ 0 h 1532"/>
+            </a:gdLst>
+            <a:ahLst/>
+            <a:cxnLst>
+              <a:cxn ang="0">
+                <a:pos x="T0" y="T1"/>
+              </a:cxn>
+              <a:cxn ang="0">
+                <a:pos x="T2" y="T3"/>
+              </a:cxn>
+              <a:cxn ang="0">
+                <a:pos x="T4" y="T5"/>
+              </a:cxn>
+              <a:cxn ang="0">
+                <a:pos x="T6" y="T7"/>
+              </a:cxn>
+              <a:cxn ang="0">
+                <a:pos x="T8" y="T9"/>
+              </a:cxn>
+              <a:cxn ang="0">
+                <a:pos x="T10" y="T11"/>
+              </a:cxn>
+              <a:cxn ang="0">
+                <a:pos x="T12" y="T13"/>
+              </a:cxn>
+              <a:cxn ang="0">
+                <a:pos x="T14" y="T15"/>
+              </a:cxn>
+              <a:cxn ang="0">
+                <a:pos x="T16" y="T17"/>
+              </a:cxn>
+              <a:cxn ang="0">
+                <a:pos x="T18" y="T19"/>
+              </a:cxn>
+              <a:cxn ang="0">
+                <a:pos x="T20" y="T21"/>
+              </a:cxn>
+            </a:cxnLst>
+            <a:rect l="0" t="0" r="r" b="b"/>
+            <a:pathLst>
+              <a:path w="3800" h="1532">
+                <a:moveTo>
+                  <a:pt x="3120" y="0"/>
+                </a:moveTo>
+                <a:lnTo>
+                  <a:pt x="682" y="0"/>
+                </a:lnTo>
+                <a:lnTo>
+                  <a:pt x="682" y="284"/>
+                </a:lnTo>
+                <a:lnTo>
+                  <a:pt x="0" y="766"/>
+                </a:lnTo>
+                <a:lnTo>
+                  <a:pt x="682" y="1248"/>
+                </a:lnTo>
+                <a:lnTo>
+                  <a:pt x="682" y="1532"/>
+                </a:lnTo>
+                <a:lnTo>
+                  <a:pt x="3120" y="1532"/>
+                </a:lnTo>
+                <a:lnTo>
+                  <a:pt x="3120" y="1248"/>
+                </a:lnTo>
+                <a:lnTo>
+                  <a:pt x="3800" y="766"/>
+                </a:lnTo>
+                <a:lnTo>
+                  <a:pt x="3120" y="284"/>
+                </a:lnTo>
+                <a:lnTo>
+                  <a:pt x="3120" y="0"/>
+                </a:lnTo>
+                <a:close/>
+              </a:path>
+            </a:pathLst>
+          </a:custGeom>
+          <a:solidFill>
+            <a:schemeClr val="bg2"/>
+          </a:solidFill>
+          <a:ln>
+            <a:noFill/>
+          </a:ln>
+        </p:spPr>
+        <p:txBody>
+          <a:bodyPr vert="horz" wrap="square" lIns="91440" tIns="45720" rIns="91440" bIns="45720" numCol="1" anchor="ctr" anchorCtr="0" compatLnSpc="1">
+            <a:noAutofit/>
+          </a:bodyPr>
+          <a:lstStyle/>
+          <a:p>
+            <a:pPr algn="ctr"/>
+            <a:endParaRPr lang="zh-CN" altLang="en-US" sz="3200" b="1"/>
+          </a:p>
+        </p:txBody>
+      </p:sp>
+      <p:sp>
+        <p:nvSpPr>
+          <p:cNvPr id="5" name="文本框 4"/>
+          <p:cNvSpPr txBox="1"/>
+          <p:nvPr userDrawn="1"/>
+        </p:nvSpPr>
+        <p:spPr>
+          <a:xfrm>
+            <a:off x="2071646" y="1303550"/>
+            <a:ext cx="383206" cy="443226"/>
+          </a:xfrm>
+          <a:prstGeom prst="rect">
+            <a:avLst/>
+          </a:prstGeom>
+          <a:noFill/>
+        </p:spPr>
+        <p:txBody>
+          <a:bodyPr wrap="none" rtlCol="0" anchor="ctr">
+            <a:noAutofit/>
+          </a:bodyPr>
+          <a:lstStyle/>
+          <a:p>
+            <a:pPr algn="ctr"/>
+            <a:r>
+              <a:rPr lang="en-US" altLang="zh-CN" b="1" dirty="0" smtClean="0">
+                <a:solidFill>
+                  <a:schemeClr val="bg1"/>
+                </a:solidFill>
+                <a:latin typeface="微软雅黑" panose="020B0503020204020204" pitchFamily="34" charset="-122"/>
+                <a:ea typeface="微软雅黑" panose="020B0503020204020204" pitchFamily="34" charset="-122"/>
+              </a:rPr>
+              <a:t>1</a:t>
+            </a:r>
+            <a:endParaRPr lang="zh-CN" altLang="en-US" b="1" dirty="0">
+              <a:solidFill>
+                <a:schemeClr val="bg1"/>
+              </a:solidFill>
+              <a:latin typeface="微软雅黑" panose="020B0503020204020204" pitchFamily="34" charset="-122"/>
+              <a:ea typeface="微软雅黑" panose="020B0503020204020204" pitchFamily="34" charset="-122"/>
+            </a:endParaRPr>
+          </a:p>
+        </p:txBody>
+      </p:sp>
+      <p:cxnSp>
+        <p:nvCxnSpPr>
+          <p:cNvPr id="7" name="直接连接符 6"/>
+          <p:cNvCxnSpPr>
+            <a:stCxn id="4" idx="6"/>
+          </p:cNvCxnSpPr>
+          <p:nvPr/>
+        </p:nvCxnSpPr>
+        <p:spPr>
+          <a:xfrm>
+            <a:off x="2534033" y="1711215"/>
+            <a:ext cx="4500000" cy="0"/>
+          </a:xfrm>
+          <a:prstGeom prst="line">
+            <a:avLst/>
+          </a:prstGeom>
+          <a:ln>
+            <a:solidFill>
+              <a:schemeClr val="bg2"/>
+            </a:solidFill>
+          </a:ln>
+        </p:spPr>
+        <p:style>
+          <a:lnRef idx="1">
+            <a:schemeClr val="accent1"/>
+          </a:lnRef>
+          <a:fillRef idx="0">
+            <a:schemeClr val="accent1"/>
+          </a:fillRef>
+          <a:effectRef idx="0">
+            <a:schemeClr val="accent1"/>
+          </a:effectRef>
+          <a:fontRef idx="minor">
+            <a:schemeClr val="tx1"/>
+          </a:fontRef>
+        </p:style>
+      </p:cxnSp>
+      <p:sp>
+        <p:nvSpPr>
+          <p:cNvPr id="11" name="文本框 10"/>
+          <p:cNvSpPr txBox="1"/>
+          <p:nvPr/>
+        </p:nvSpPr>
+        <p:spPr>
+          <a:xfrm>
+            <a:off x="2915073" y="1274734"/>
+            <a:ext cx="4387392" cy="460375"/>
+          </a:xfrm>
+          <a:prstGeom prst="rect">
+            <a:avLst/>
+          </a:prstGeom>
+          <a:noFill/>
+        </p:spPr>
+        <p:txBody>
+          <a:bodyPr wrap="square" rtlCol="0">
+            <a:spAutoFit/>
+          </a:bodyPr>
+          <a:lstStyle/>
+          <a:p>
+            <a:r>
+              <a:rPr lang="zh-CN" altLang="en-US" sz="2400" dirty="0">
+                <a:solidFill>
+                  <a:schemeClr val="tx1">
+                    <a:lumMod val="75000"/>
+                    <a:lumOff val="25000"/>
+                  </a:schemeClr>
+                </a:solidFill>
+              </a:rPr>
+              <a:t>项目背景</a:t>
+            </a:r>
+          </a:p>
+        </p:txBody>
+      </p:sp>
+      <p:sp>
+        <p:nvSpPr>
+          <p:cNvPr id="13" name="Freeform 10"/>
+          <p:cNvSpPr/>
+          <p:nvPr userDrawn="1"/>
+        </p:nvSpPr>
+        <p:spPr bwMode="auto">
+          <a:xfrm>
+            <a:off x="1841535" y="2287330"/>
+            <a:ext cx="843427" cy="343858"/>
+          </a:xfrm>
+          <a:custGeom>
+            <a:avLst/>
+            <a:gdLst>
+              <a:gd name="T0" fmla="*/ 3120 w 3800"/>
+              <a:gd name="T1" fmla="*/ 0 h 1532"/>
+              <a:gd name="T2" fmla="*/ 682 w 3800"/>
+              <a:gd name="T3" fmla="*/ 0 h 1532"/>
+              <a:gd name="T4" fmla="*/ 682 w 3800"/>
+              <a:gd name="T5" fmla="*/ 284 h 1532"/>
+              <a:gd name="T6" fmla="*/ 0 w 3800"/>
+              <a:gd name="T7" fmla="*/ 766 h 1532"/>
+              <a:gd name="T8" fmla="*/ 682 w 3800"/>
+              <a:gd name="T9" fmla="*/ 1248 h 1532"/>
+              <a:gd name="T10" fmla="*/ 682 w 3800"/>
+              <a:gd name="T11" fmla="*/ 1532 h 1532"/>
+              <a:gd name="T12" fmla="*/ 3120 w 3800"/>
+              <a:gd name="T13" fmla="*/ 1532 h 1532"/>
+              <a:gd name="T14" fmla="*/ 3120 w 3800"/>
+              <a:gd name="T15" fmla="*/ 1248 h 1532"/>
+              <a:gd name="T16" fmla="*/ 3800 w 3800"/>
+              <a:gd name="T17" fmla="*/ 766 h 1532"/>
+              <a:gd name="T18" fmla="*/ 3120 w 3800"/>
+              <a:gd name="T19" fmla="*/ 284 h 1532"/>
+              <a:gd name="T20" fmla="*/ 3120 w 3800"/>
+              <a:gd name="T21" fmla="*/ 0 h 1532"/>
+            </a:gdLst>
+            <a:ahLst/>
+            <a:cxnLst>
+              <a:cxn ang="0">
+                <a:pos x="T0" y="T1"/>
+              </a:cxn>
+              <a:cxn ang="0">
+                <a:pos x="T2" y="T3"/>
+              </a:cxn>
+              <a:cxn ang="0">
+                <a:pos x="T4" y="T5"/>
+              </a:cxn>
+              <a:cxn ang="0">
+                <a:pos x="T6" y="T7"/>
+              </a:cxn>
+              <a:cxn ang="0">
+                <a:pos x="T8" y="T9"/>
+              </a:cxn>
+              <a:cxn ang="0">
+                <a:pos x="T10" y="T11"/>
+              </a:cxn>
+              <a:cxn ang="0">
+                <a:pos x="T12" y="T13"/>
+              </a:cxn>
+              <a:cxn ang="0">
+                <a:pos x="T14" y="T15"/>
+              </a:cxn>
+              <a:cxn ang="0">
+                <a:pos x="T16" y="T17"/>
+              </a:cxn>
+              <a:cxn ang="0">
+                <a:pos x="T18" y="T19"/>
+              </a:cxn>
+              <a:cxn ang="0">
+                <a:pos x="T20" y="T21"/>
+              </a:cxn>
+            </a:cxnLst>
+            <a:rect l="0" t="0" r="r" b="b"/>
+            <a:pathLst>
+              <a:path w="3800" h="1532">
+                <a:moveTo>
+                  <a:pt x="3120" y="0"/>
+                </a:moveTo>
+                <a:lnTo>
+                  <a:pt x="682" y="0"/>
+                </a:lnTo>
+                <a:lnTo>
+                  <a:pt x="682" y="284"/>
+                </a:lnTo>
+                <a:lnTo>
+                  <a:pt x="0" y="766"/>
+                </a:lnTo>
+                <a:lnTo>
+                  <a:pt x="682" y="1248"/>
+                </a:lnTo>
+                <a:lnTo>
+                  <a:pt x="682" y="1532"/>
+                </a:lnTo>
+                <a:lnTo>
+                  <a:pt x="3120" y="1532"/>
+                </a:lnTo>
+                <a:lnTo>
+                  <a:pt x="3120" y="1248"/>
+                </a:lnTo>
+                <a:lnTo>
+                  <a:pt x="3800" y="766"/>
+                </a:lnTo>
+                <a:lnTo>
+                  <a:pt x="3120" y="284"/>
+                </a:lnTo>
+                <a:lnTo>
+                  <a:pt x="3120" y="0"/>
+                </a:lnTo>
+                <a:close/>
+              </a:path>
+            </a:pathLst>
+          </a:custGeom>
+          <a:solidFill>
+            <a:schemeClr val="bg2"/>
+          </a:solidFill>
+          <a:ln>
+            <a:noFill/>
+          </a:ln>
+        </p:spPr>
+        <p:txBody>
+          <a:bodyPr vert="horz" wrap="square" lIns="91440" tIns="45720" rIns="91440" bIns="45720" numCol="1" anchor="ctr" anchorCtr="0" compatLnSpc="1">
+            <a:noAutofit/>
+          </a:bodyPr>
+          <a:lstStyle/>
+          <a:p>
+            <a:pPr algn="ctr"/>
+            <a:endParaRPr lang="zh-CN" altLang="en-US" sz="3200" b="1"/>
+          </a:p>
+        </p:txBody>
+      </p:sp>
+      <p:sp>
+        <p:nvSpPr>
+          <p:cNvPr id="14" name="文本框 13"/>
+          <p:cNvSpPr txBox="1"/>
+          <p:nvPr userDrawn="1"/>
+        </p:nvSpPr>
+        <p:spPr>
+          <a:xfrm>
+            <a:off x="2071646" y="2223523"/>
+            <a:ext cx="383206" cy="443226"/>
+          </a:xfrm>
+          <a:prstGeom prst="rect">
+            <a:avLst/>
+          </a:prstGeom>
+          <a:noFill/>
+        </p:spPr>
+        <p:txBody>
+          <a:bodyPr wrap="none" rtlCol="0" anchor="ctr">
+            <a:noAutofit/>
+          </a:bodyPr>
+          <a:lstStyle/>
+          <a:p>
+            <a:pPr algn="ctr"/>
+            <a:r>
+              <a:rPr lang="en-US" altLang="zh-CN" b="1" dirty="0" smtClean="0">
+                <a:solidFill>
+                  <a:schemeClr val="bg1"/>
+                </a:solidFill>
+                <a:latin typeface="微软雅黑" panose="020B0503020204020204" pitchFamily="34" charset="-122"/>
+                <a:ea typeface="微软雅黑" panose="020B0503020204020204" pitchFamily="34" charset="-122"/>
+              </a:rPr>
+              <a:t>2</a:t>
+            </a:r>
+            <a:endParaRPr lang="zh-CN" altLang="en-US" b="1" dirty="0">
+              <a:solidFill>
+                <a:schemeClr val="bg1"/>
+              </a:solidFill>
+              <a:latin typeface="微软雅黑" panose="020B0503020204020204" pitchFamily="34" charset="-122"/>
+              <a:ea typeface="微软雅黑" panose="020B0503020204020204" pitchFamily="34" charset="-122"/>
+            </a:endParaRPr>
+          </a:p>
+        </p:txBody>
+      </p:sp>
+      <p:cxnSp>
+        <p:nvCxnSpPr>
+          <p:cNvPr id="15" name="直接连接符 14"/>
+          <p:cNvCxnSpPr>
+            <a:stCxn id="13" idx="6"/>
+          </p:cNvCxnSpPr>
+          <p:nvPr/>
+        </p:nvCxnSpPr>
+        <p:spPr>
+          <a:xfrm>
+            <a:off x="2534033" y="2631188"/>
+            <a:ext cx="4500000" cy="0"/>
+          </a:xfrm>
+          <a:prstGeom prst="line">
+            <a:avLst/>
+          </a:prstGeom>
+          <a:ln>
+            <a:solidFill>
+              <a:schemeClr val="bg2"/>
+            </a:solidFill>
+          </a:ln>
+        </p:spPr>
+        <p:style>
+          <a:lnRef idx="1">
+            <a:schemeClr val="accent1"/>
+          </a:lnRef>
+          <a:fillRef idx="0">
+            <a:schemeClr val="accent1"/>
+          </a:fillRef>
+          <a:effectRef idx="0">
+            <a:schemeClr val="accent1"/>
+          </a:effectRef>
+          <a:fontRef idx="minor">
+            <a:schemeClr val="tx1"/>
+          </a:fontRef>
+        </p:style>
+      </p:cxnSp>
+      <p:sp>
+        <p:nvSpPr>
+          <p:cNvPr id="16" name="文本框 15"/>
+          <p:cNvSpPr txBox="1"/>
+          <p:nvPr/>
+        </p:nvSpPr>
+        <p:spPr>
+          <a:xfrm>
+            <a:off x="2915073" y="2194707"/>
+            <a:ext cx="4387392" cy="460375"/>
+          </a:xfrm>
+          <a:prstGeom prst="rect">
+            <a:avLst/>
+          </a:prstGeom>
+          <a:noFill/>
+        </p:spPr>
+        <p:txBody>
+          <a:bodyPr wrap="square" rtlCol="0">
+            <a:spAutoFit/>
+          </a:bodyPr>
+          <a:lstStyle/>
+          <a:p>
+            <a:r>
+              <a:rPr lang="zh-CN" altLang="en-US" sz="2400" dirty="0">
+                <a:solidFill>
+                  <a:schemeClr val="tx1">
+                    <a:lumMod val="75000"/>
+                    <a:lumOff val="25000"/>
+                  </a:schemeClr>
+                </a:solidFill>
+              </a:rPr>
+              <a:t>功能需求和非功能需求</a:t>
+            </a:r>
+          </a:p>
+        </p:txBody>
+      </p:sp>
+      <p:sp>
+        <p:nvSpPr>
+          <p:cNvPr id="18" name="Freeform 10"/>
+          <p:cNvSpPr/>
+          <p:nvPr userDrawn="1"/>
+        </p:nvSpPr>
+        <p:spPr bwMode="auto">
+          <a:xfrm>
+            <a:off x="1841535" y="3207303"/>
+            <a:ext cx="843427" cy="343858"/>
+          </a:xfrm>
+          <a:custGeom>
+            <a:avLst/>
+            <a:gdLst>
+              <a:gd name="T0" fmla="*/ 3120 w 3800"/>
+              <a:gd name="T1" fmla="*/ 0 h 1532"/>
+              <a:gd name="T2" fmla="*/ 682 w 3800"/>
+              <a:gd name="T3" fmla="*/ 0 h 1532"/>
+              <a:gd name="T4" fmla="*/ 682 w 3800"/>
+              <a:gd name="T5" fmla="*/ 284 h 1532"/>
+              <a:gd name="T6" fmla="*/ 0 w 3800"/>
+              <a:gd name="T7" fmla="*/ 766 h 1532"/>
+              <a:gd name="T8" fmla="*/ 682 w 3800"/>
+              <a:gd name="T9" fmla="*/ 1248 h 1532"/>
+              <a:gd name="T10" fmla="*/ 682 w 3800"/>
+              <a:gd name="T11" fmla="*/ 1532 h 1532"/>
+              <a:gd name="T12" fmla="*/ 3120 w 3800"/>
+              <a:gd name="T13" fmla="*/ 1532 h 1532"/>
+              <a:gd name="T14" fmla="*/ 3120 w 3800"/>
+              <a:gd name="T15" fmla="*/ 1248 h 1532"/>
+              <a:gd name="T16" fmla="*/ 3800 w 3800"/>
+              <a:gd name="T17" fmla="*/ 766 h 1532"/>
+              <a:gd name="T18" fmla="*/ 3120 w 3800"/>
+              <a:gd name="T19" fmla="*/ 284 h 1532"/>
+              <a:gd name="T20" fmla="*/ 3120 w 3800"/>
+              <a:gd name="T21" fmla="*/ 0 h 1532"/>
+            </a:gdLst>
+            <a:ahLst/>
+            <a:cxnLst>
+              <a:cxn ang="0">
+                <a:pos x="T0" y="T1"/>
+              </a:cxn>
+              <a:cxn ang="0">
+                <a:pos x="T2" y="T3"/>
+              </a:cxn>
+              <a:cxn ang="0">
+                <a:pos x="T4" y="T5"/>
+              </a:cxn>
+              <a:cxn ang="0">
+                <a:pos x="T6" y="T7"/>
+              </a:cxn>
+              <a:cxn ang="0">
+                <a:pos x="T8" y="T9"/>
+              </a:cxn>
+              <a:cxn ang="0">
+                <a:pos x="T10" y="T11"/>
+              </a:cxn>
+              <a:cxn ang="0">
+                <a:pos x="T12" y="T13"/>
+              </a:cxn>
+              <a:cxn ang="0">
+                <a:pos x="T14" y="T15"/>
+              </a:cxn>
+              <a:cxn ang="0">
+                <a:pos x="T16" y="T17"/>
+              </a:cxn>
+              <a:cxn ang="0">
+                <a:pos x="T18" y="T19"/>
+              </a:cxn>
+              <a:cxn ang="0">
+                <a:pos x="T20" y="T21"/>
+              </a:cxn>
+            </a:cxnLst>
+            <a:rect l="0" t="0" r="r" b="b"/>
+            <a:pathLst>
+              <a:path w="3800" h="1532">
+                <a:moveTo>
+                  <a:pt x="3120" y="0"/>
+                </a:moveTo>
+                <a:lnTo>
+                  <a:pt x="682" y="0"/>
+                </a:lnTo>
+                <a:lnTo>
+                  <a:pt x="682" y="284"/>
+                </a:lnTo>
+                <a:lnTo>
+                  <a:pt x="0" y="766"/>
+                </a:lnTo>
+                <a:lnTo>
+                  <a:pt x="682" y="1248"/>
+                </a:lnTo>
+                <a:lnTo>
+                  <a:pt x="682" y="1532"/>
+                </a:lnTo>
+                <a:lnTo>
+                  <a:pt x="3120" y="1532"/>
+                </a:lnTo>
+                <a:lnTo>
+                  <a:pt x="3120" y="1248"/>
+                </a:lnTo>
+                <a:lnTo>
+                  <a:pt x="3800" y="766"/>
+                </a:lnTo>
+                <a:lnTo>
+                  <a:pt x="3120" y="284"/>
+                </a:lnTo>
+                <a:lnTo>
+                  <a:pt x="3120" y="0"/>
+                </a:lnTo>
+                <a:close/>
+              </a:path>
+            </a:pathLst>
+          </a:custGeom>
+          <a:solidFill>
+            <a:schemeClr val="bg2"/>
+          </a:solidFill>
+          <a:ln>
+            <a:noFill/>
+          </a:ln>
+        </p:spPr>
+        <p:txBody>
+          <a:bodyPr vert="horz" wrap="square" lIns="91440" tIns="45720" rIns="91440" bIns="45720" numCol="1" anchor="ctr" anchorCtr="0" compatLnSpc="1">
+            <a:noAutofit/>
+          </a:bodyPr>
+          <a:lstStyle/>
+          <a:p>
+            <a:pPr algn="ctr"/>
+            <a:endParaRPr lang="zh-CN" altLang="en-US" sz="3200" b="1"/>
+          </a:p>
+        </p:txBody>
+      </p:sp>
+      <p:sp>
+        <p:nvSpPr>
+          <p:cNvPr id="19" name="文本框 18"/>
+          <p:cNvSpPr txBox="1"/>
+          <p:nvPr userDrawn="1"/>
+        </p:nvSpPr>
+        <p:spPr>
+          <a:xfrm>
+            <a:off x="2071646" y="3143496"/>
+            <a:ext cx="383206" cy="443226"/>
+          </a:xfrm>
+          <a:prstGeom prst="rect">
+            <a:avLst/>
+          </a:prstGeom>
+          <a:noFill/>
+        </p:spPr>
+        <p:txBody>
+          <a:bodyPr wrap="none" rtlCol="0" anchor="ctr">
+            <a:noAutofit/>
+          </a:bodyPr>
+          <a:lstStyle/>
+          <a:p>
+            <a:pPr algn="ctr"/>
+            <a:r>
+              <a:rPr lang="en-US" altLang="zh-CN" b="1" dirty="0" smtClean="0">
+                <a:solidFill>
+                  <a:schemeClr val="bg1"/>
+                </a:solidFill>
+                <a:latin typeface="微软雅黑" panose="020B0503020204020204" pitchFamily="34" charset="-122"/>
+                <a:ea typeface="微软雅黑" panose="020B0503020204020204" pitchFamily="34" charset="-122"/>
+              </a:rPr>
+              <a:t>3</a:t>
+            </a:r>
+            <a:endParaRPr lang="zh-CN" altLang="en-US" b="1" dirty="0">
+              <a:solidFill>
+                <a:schemeClr val="bg1"/>
+              </a:solidFill>
+              <a:latin typeface="微软雅黑" panose="020B0503020204020204" pitchFamily="34" charset="-122"/>
+              <a:ea typeface="微软雅黑" panose="020B0503020204020204" pitchFamily="34" charset="-122"/>
+            </a:endParaRPr>
+          </a:p>
+        </p:txBody>
+      </p:sp>
+      <p:cxnSp>
+        <p:nvCxnSpPr>
+          <p:cNvPr id="20" name="直接连接符 19"/>
+          <p:cNvCxnSpPr>
+            <a:stCxn id="18" idx="6"/>
+          </p:cNvCxnSpPr>
+          <p:nvPr/>
+        </p:nvCxnSpPr>
+        <p:spPr>
+          <a:xfrm>
+            <a:off x="2534033" y="3551161"/>
+            <a:ext cx="4500000" cy="0"/>
+          </a:xfrm>
+          <a:prstGeom prst="line">
+            <a:avLst/>
+          </a:prstGeom>
+          <a:ln>
+            <a:solidFill>
+              <a:schemeClr val="bg2"/>
+            </a:solidFill>
+          </a:ln>
+        </p:spPr>
+        <p:style>
+          <a:lnRef idx="1">
+            <a:schemeClr val="accent1"/>
+          </a:lnRef>
+          <a:fillRef idx="0">
+            <a:schemeClr val="accent1"/>
+          </a:fillRef>
+          <a:effectRef idx="0">
+            <a:schemeClr val="accent1"/>
+          </a:effectRef>
+          <a:fontRef idx="minor">
+            <a:schemeClr val="tx1"/>
+          </a:fontRef>
+        </p:style>
+      </p:cxnSp>
+      <p:sp>
+        <p:nvSpPr>
+          <p:cNvPr id="21" name="文本框 20"/>
+          <p:cNvSpPr txBox="1"/>
+          <p:nvPr/>
+        </p:nvSpPr>
+        <p:spPr>
+          <a:xfrm>
+            <a:off x="2915073" y="3114680"/>
+            <a:ext cx="4387392" cy="460375"/>
+          </a:xfrm>
+          <a:prstGeom prst="rect">
+            <a:avLst/>
+          </a:prstGeom>
+          <a:noFill/>
+        </p:spPr>
+        <p:txBody>
+          <a:bodyPr wrap="square" rtlCol="0">
+            <a:spAutoFit/>
+          </a:bodyPr>
+          <a:lstStyle/>
+          <a:p>
+            <a:r>
+              <a:rPr lang="zh-CN" altLang="en-US" sz="2400" dirty="0">
+                <a:solidFill>
+                  <a:schemeClr val="tx1">
+                    <a:lumMod val="75000"/>
+                    <a:lumOff val="25000"/>
+                  </a:schemeClr>
+                </a:solidFill>
+              </a:rPr>
+              <a:t>竞品分析与对比</a:t>
+            </a:r>
+          </a:p>
+        </p:txBody>
+      </p:sp>
+      <p:sp>
+        <p:nvSpPr>
+          <p:cNvPr id="23" name="Freeform 10"/>
+          <p:cNvSpPr/>
+          <p:nvPr userDrawn="1"/>
+        </p:nvSpPr>
+        <p:spPr bwMode="auto">
+          <a:xfrm>
+            <a:off x="1841535" y="4127276"/>
+            <a:ext cx="843427" cy="343858"/>
+          </a:xfrm>
+          <a:custGeom>
+            <a:avLst/>
+            <a:gdLst>
+              <a:gd name="T0" fmla="*/ 3120 w 3800"/>
+              <a:gd name="T1" fmla="*/ 0 h 1532"/>
+              <a:gd name="T2" fmla="*/ 682 w 3800"/>
+              <a:gd name="T3" fmla="*/ 0 h 1532"/>
+              <a:gd name="T4" fmla="*/ 682 w 3800"/>
+              <a:gd name="T5" fmla="*/ 284 h 1532"/>
+              <a:gd name="T6" fmla="*/ 0 w 3800"/>
+              <a:gd name="T7" fmla="*/ 766 h 1532"/>
+              <a:gd name="T8" fmla="*/ 682 w 3800"/>
+              <a:gd name="T9" fmla="*/ 1248 h 1532"/>
+              <a:gd name="T10" fmla="*/ 682 w 3800"/>
+              <a:gd name="T11" fmla="*/ 1532 h 1532"/>
+              <a:gd name="T12" fmla="*/ 3120 w 3800"/>
+              <a:gd name="T13" fmla="*/ 1532 h 1532"/>
+              <a:gd name="T14" fmla="*/ 3120 w 3800"/>
+              <a:gd name="T15" fmla="*/ 1248 h 1532"/>
+              <a:gd name="T16" fmla="*/ 3800 w 3800"/>
+              <a:gd name="T17" fmla="*/ 766 h 1532"/>
+              <a:gd name="T18" fmla="*/ 3120 w 3800"/>
+              <a:gd name="T19" fmla="*/ 284 h 1532"/>
+              <a:gd name="T20" fmla="*/ 3120 w 3800"/>
+              <a:gd name="T21" fmla="*/ 0 h 1532"/>
+            </a:gdLst>
+            <a:ahLst/>
+            <a:cxnLst>
+              <a:cxn ang="0">
+                <a:pos x="T0" y="T1"/>
+              </a:cxn>
+              <a:cxn ang="0">
+                <a:pos x="T2" y="T3"/>
+              </a:cxn>
+              <a:cxn ang="0">
+                <a:pos x="T4" y="T5"/>
+              </a:cxn>
+              <a:cxn ang="0">
+                <a:pos x="T6" y="T7"/>
+              </a:cxn>
+              <a:cxn ang="0">
+                <a:pos x="T8" y="T9"/>
+              </a:cxn>
+              <a:cxn ang="0">
+                <a:pos x="T10" y="T11"/>
+              </a:cxn>
+              <a:cxn ang="0">
+                <a:pos x="T12" y="T13"/>
+              </a:cxn>
+              <a:cxn ang="0">
+                <a:pos x="T14" y="T15"/>
+              </a:cxn>
+              <a:cxn ang="0">
+                <a:pos x="T16" y="T17"/>
+              </a:cxn>
+              <a:cxn ang="0">
+                <a:pos x="T18" y="T19"/>
+              </a:cxn>
+              <a:cxn ang="0">
+                <a:pos x="T20" y="T21"/>
+              </a:cxn>
+            </a:cxnLst>
+            <a:rect l="0" t="0" r="r" b="b"/>
+            <a:pathLst>
+              <a:path w="3800" h="1532">
+                <a:moveTo>
+                  <a:pt x="3120" y="0"/>
+                </a:moveTo>
+                <a:lnTo>
+                  <a:pt x="682" y="0"/>
+                </a:lnTo>
+                <a:lnTo>
+                  <a:pt x="682" y="284"/>
+                </a:lnTo>
+                <a:lnTo>
+                  <a:pt x="0" y="766"/>
+                </a:lnTo>
+                <a:lnTo>
+                  <a:pt x="682" y="1248"/>
+                </a:lnTo>
+                <a:lnTo>
+                  <a:pt x="682" y="1532"/>
+                </a:lnTo>
+                <a:lnTo>
+                  <a:pt x="3120" y="1532"/>
+                </a:lnTo>
+                <a:lnTo>
+                  <a:pt x="3120" y="1248"/>
+                </a:lnTo>
+                <a:lnTo>
+                  <a:pt x="3800" y="766"/>
+                </a:lnTo>
+                <a:lnTo>
+                  <a:pt x="3120" y="284"/>
+                </a:lnTo>
+                <a:lnTo>
+                  <a:pt x="3120" y="0"/>
+                </a:lnTo>
+                <a:close/>
+              </a:path>
+            </a:pathLst>
+          </a:custGeom>
+          <a:solidFill>
+            <a:schemeClr val="bg2"/>
+          </a:solidFill>
+          <a:ln>
+            <a:noFill/>
+          </a:ln>
+        </p:spPr>
+        <p:txBody>
+          <a:bodyPr vert="horz" wrap="square" lIns="91440" tIns="45720" rIns="91440" bIns="45720" numCol="1" anchor="ctr" anchorCtr="0" compatLnSpc="1">
+            <a:noAutofit/>
+          </a:bodyPr>
+          <a:lstStyle/>
+          <a:p>
+            <a:pPr algn="ctr"/>
+            <a:endParaRPr lang="zh-CN" altLang="en-US" sz="3200" b="1"/>
+          </a:p>
+        </p:txBody>
+      </p:sp>
+      <p:sp>
+        <p:nvSpPr>
+          <p:cNvPr id="24" name="文本框 23"/>
+          <p:cNvSpPr txBox="1"/>
+          <p:nvPr userDrawn="1"/>
+        </p:nvSpPr>
+        <p:spPr>
+          <a:xfrm>
+            <a:off x="2071646" y="4063469"/>
+            <a:ext cx="383206" cy="443226"/>
+          </a:xfrm>
+          <a:prstGeom prst="rect">
+            <a:avLst/>
+          </a:prstGeom>
+          <a:noFill/>
+        </p:spPr>
+        <p:txBody>
+          <a:bodyPr wrap="none" rtlCol="0" anchor="ctr">
+            <a:noAutofit/>
+          </a:bodyPr>
+          <a:lstStyle/>
+          <a:p>
+            <a:pPr algn="ctr"/>
+            <a:r>
+              <a:rPr lang="en-US" altLang="zh-CN" b="1" dirty="0" smtClean="0">
+                <a:solidFill>
+                  <a:schemeClr val="bg1"/>
+                </a:solidFill>
+                <a:latin typeface="微软雅黑" panose="020B0503020204020204" pitchFamily="34" charset="-122"/>
+                <a:ea typeface="微软雅黑" panose="020B0503020204020204" pitchFamily="34" charset="-122"/>
+              </a:rPr>
+              <a:t>4</a:t>
+            </a:r>
+            <a:endParaRPr lang="zh-CN" altLang="en-US" b="1" dirty="0">
+              <a:solidFill>
+                <a:schemeClr val="bg1"/>
+              </a:solidFill>
+              <a:latin typeface="微软雅黑" panose="020B0503020204020204" pitchFamily="34" charset="-122"/>
+              <a:ea typeface="微软雅黑" panose="020B0503020204020204" pitchFamily="34" charset="-122"/>
+            </a:endParaRPr>
+          </a:p>
+        </p:txBody>
+      </p:sp>
+      <p:cxnSp>
+        <p:nvCxnSpPr>
+          <p:cNvPr id="25" name="直接连接符 24"/>
+          <p:cNvCxnSpPr>
+            <a:stCxn id="23" idx="6"/>
+          </p:cNvCxnSpPr>
+          <p:nvPr/>
+        </p:nvCxnSpPr>
+        <p:spPr>
+          <a:xfrm>
+            <a:off x="2534033" y="4471134"/>
+            <a:ext cx="4500000" cy="0"/>
+          </a:xfrm>
+          <a:prstGeom prst="line">
+            <a:avLst/>
+          </a:prstGeom>
+          <a:ln>
+            <a:solidFill>
+              <a:schemeClr val="bg2"/>
+            </a:solidFill>
+          </a:ln>
+        </p:spPr>
+        <p:style>
+          <a:lnRef idx="1">
+            <a:schemeClr val="accent1"/>
+          </a:lnRef>
+          <a:fillRef idx="0">
+            <a:schemeClr val="accent1"/>
+          </a:fillRef>
+          <a:effectRef idx="0">
+            <a:schemeClr val="accent1"/>
+          </a:effectRef>
+          <a:fontRef idx="minor">
+            <a:schemeClr val="tx1"/>
+          </a:fontRef>
+        </p:style>
+      </p:cxnSp>
+      <p:sp>
+        <p:nvSpPr>
+          <p:cNvPr id="26" name="文本框 25"/>
+          <p:cNvSpPr txBox="1"/>
+          <p:nvPr/>
+        </p:nvSpPr>
+        <p:spPr>
+          <a:xfrm>
+            <a:off x="2915073" y="4034653"/>
+            <a:ext cx="4387392" cy="460375"/>
+          </a:xfrm>
+          <a:prstGeom prst="rect">
+            <a:avLst/>
+          </a:prstGeom>
+          <a:noFill/>
+        </p:spPr>
+        <p:txBody>
+          <a:bodyPr wrap="square" rtlCol="0">
+            <a:spAutoFit/>
+          </a:bodyPr>
+          <a:lstStyle/>
+          <a:p>
+            <a:r>
+              <a:rPr lang="zh-CN" altLang="en-US" sz="2400" dirty="0">
+                <a:solidFill>
+                  <a:schemeClr val="tx1">
+                    <a:lumMod val="75000"/>
+                    <a:lumOff val="25000"/>
+                  </a:schemeClr>
+                </a:solidFill>
+              </a:rPr>
+              <a:t>迭代评估报告</a:t>
+            </a:r>
+          </a:p>
+        </p:txBody>
+      </p:sp>
+      <p:sp>
+        <p:nvSpPr>
+          <p:cNvPr id="33" name="Freeform 10"/>
+          <p:cNvSpPr/>
+          <p:nvPr userDrawn="1"/>
+        </p:nvSpPr>
+        <p:spPr bwMode="auto">
+          <a:xfrm>
+            <a:off x="1841535" y="5047251"/>
+            <a:ext cx="843427" cy="343858"/>
+          </a:xfrm>
+          <a:custGeom>
+            <a:avLst/>
+            <a:gdLst>
+              <a:gd name="T0" fmla="*/ 3120 w 3800"/>
+              <a:gd name="T1" fmla="*/ 0 h 1532"/>
+              <a:gd name="T2" fmla="*/ 682 w 3800"/>
+              <a:gd name="T3" fmla="*/ 0 h 1532"/>
+              <a:gd name="T4" fmla="*/ 682 w 3800"/>
+              <a:gd name="T5" fmla="*/ 284 h 1532"/>
+              <a:gd name="T6" fmla="*/ 0 w 3800"/>
+              <a:gd name="T7" fmla="*/ 766 h 1532"/>
+              <a:gd name="T8" fmla="*/ 682 w 3800"/>
+              <a:gd name="T9" fmla="*/ 1248 h 1532"/>
+              <a:gd name="T10" fmla="*/ 682 w 3800"/>
+              <a:gd name="T11" fmla="*/ 1532 h 1532"/>
+              <a:gd name="T12" fmla="*/ 3120 w 3800"/>
+              <a:gd name="T13" fmla="*/ 1532 h 1532"/>
+              <a:gd name="T14" fmla="*/ 3120 w 3800"/>
+              <a:gd name="T15" fmla="*/ 1248 h 1532"/>
+              <a:gd name="T16" fmla="*/ 3800 w 3800"/>
+              <a:gd name="T17" fmla="*/ 766 h 1532"/>
+              <a:gd name="T18" fmla="*/ 3120 w 3800"/>
+              <a:gd name="T19" fmla="*/ 284 h 1532"/>
+              <a:gd name="T20" fmla="*/ 3120 w 3800"/>
+              <a:gd name="T21" fmla="*/ 0 h 1532"/>
+            </a:gdLst>
+            <a:ahLst/>
+            <a:cxnLst>
+              <a:cxn ang="0">
+                <a:pos x="T0" y="T1"/>
+              </a:cxn>
+              <a:cxn ang="0">
+                <a:pos x="T2" y="T3"/>
+              </a:cxn>
+              <a:cxn ang="0">
+                <a:pos x="T4" y="T5"/>
+              </a:cxn>
+              <a:cxn ang="0">
+                <a:pos x="T6" y="T7"/>
+              </a:cxn>
+              <a:cxn ang="0">
+                <a:pos x="T8" y="T9"/>
+              </a:cxn>
+              <a:cxn ang="0">
+                <a:pos x="T10" y="T11"/>
+              </a:cxn>
+              <a:cxn ang="0">
+                <a:pos x="T12" y="T13"/>
+              </a:cxn>
+              <a:cxn ang="0">
+                <a:pos x="T14" y="T15"/>
+              </a:cxn>
+              <a:cxn ang="0">
+                <a:pos x="T16" y="T17"/>
+              </a:cxn>
+              <a:cxn ang="0">
+                <a:pos x="T18" y="T19"/>
+              </a:cxn>
+              <a:cxn ang="0">
+                <a:pos x="T20" y="T21"/>
+              </a:cxn>
+            </a:cxnLst>
+            <a:rect l="0" t="0" r="r" b="b"/>
+            <a:pathLst>
+              <a:path w="3800" h="1532">
+                <a:moveTo>
+                  <a:pt x="3120" y="0"/>
+                </a:moveTo>
+                <a:lnTo>
+                  <a:pt x="682" y="0"/>
+                </a:lnTo>
+                <a:lnTo>
+                  <a:pt x="682" y="284"/>
+                </a:lnTo>
+                <a:lnTo>
+                  <a:pt x="0" y="766"/>
+                </a:lnTo>
+                <a:lnTo>
+                  <a:pt x="682" y="1248"/>
+                </a:lnTo>
+                <a:lnTo>
+                  <a:pt x="682" y="1532"/>
+                </a:lnTo>
+                <a:lnTo>
+                  <a:pt x="3120" y="1532"/>
+                </a:lnTo>
+                <a:lnTo>
+                  <a:pt x="3120" y="1248"/>
+                </a:lnTo>
+                <a:lnTo>
+                  <a:pt x="3800" y="766"/>
+                </a:lnTo>
+                <a:lnTo>
+                  <a:pt x="3120" y="284"/>
+                </a:lnTo>
+                <a:lnTo>
+                  <a:pt x="3120" y="0"/>
+                </a:lnTo>
+                <a:close/>
+              </a:path>
+            </a:pathLst>
+          </a:custGeom>
+          <a:solidFill>
+            <a:schemeClr val="accent1"/>
+          </a:solidFill>
+          <a:ln>
+            <a:noFill/>
+          </a:ln>
+        </p:spPr>
+        <p:txBody>
+          <a:bodyPr vert="horz" wrap="square" lIns="91440" tIns="45720" rIns="91440" bIns="45720" numCol="1" anchor="ctr" anchorCtr="0" compatLnSpc="1">
+            <a:noAutofit/>
+          </a:bodyPr>
+          <a:lstStyle/>
+          <a:p>
+            <a:pPr algn="ctr"/>
+            <a:endParaRPr lang="zh-CN" altLang="en-US" sz="3200" b="1"/>
+          </a:p>
+        </p:txBody>
+      </p:sp>
+      <p:sp>
+        <p:nvSpPr>
+          <p:cNvPr id="34" name="文本框 33"/>
+          <p:cNvSpPr txBox="1"/>
+          <p:nvPr userDrawn="1"/>
+        </p:nvSpPr>
+        <p:spPr>
+          <a:xfrm>
+            <a:off x="2071646" y="4983444"/>
+            <a:ext cx="383206" cy="443226"/>
+          </a:xfrm>
+          <a:prstGeom prst="rect">
+            <a:avLst/>
+          </a:prstGeom>
+          <a:noFill/>
+        </p:spPr>
+        <p:txBody>
+          <a:bodyPr wrap="none" rtlCol="0" anchor="ctr">
+            <a:noAutofit/>
+          </a:bodyPr>
+          <a:lstStyle/>
+          <a:p>
+            <a:pPr algn="ctr"/>
+            <a:r>
+              <a:rPr lang="en-US" altLang="zh-CN" b="1" dirty="0" smtClean="0">
+                <a:solidFill>
+                  <a:schemeClr val="bg1"/>
+                </a:solidFill>
+                <a:latin typeface="微软雅黑" panose="020B0503020204020204" pitchFamily="34" charset="-122"/>
+                <a:ea typeface="微软雅黑" panose="020B0503020204020204" pitchFamily="34" charset="-122"/>
+              </a:rPr>
+              <a:t>5</a:t>
+            </a:r>
+            <a:endParaRPr lang="zh-CN" altLang="en-US" b="1" dirty="0">
+              <a:solidFill>
+                <a:schemeClr val="bg1"/>
+              </a:solidFill>
+              <a:latin typeface="微软雅黑" panose="020B0503020204020204" pitchFamily="34" charset="-122"/>
+              <a:ea typeface="微软雅黑" panose="020B0503020204020204" pitchFamily="34" charset="-122"/>
+            </a:endParaRPr>
+          </a:p>
+        </p:txBody>
+      </p:sp>
+      <p:cxnSp>
+        <p:nvCxnSpPr>
+          <p:cNvPr id="35" name="直接连接符 34"/>
+          <p:cNvCxnSpPr>
+            <a:stCxn id="33" idx="6"/>
+          </p:cNvCxnSpPr>
+          <p:nvPr/>
+        </p:nvCxnSpPr>
+        <p:spPr>
+          <a:xfrm>
+            <a:off x="2534033" y="5391109"/>
+            <a:ext cx="4500000" cy="0"/>
+          </a:xfrm>
+          <a:prstGeom prst="line">
+            <a:avLst/>
+          </a:prstGeom>
+          <a:ln>
+            <a:solidFill>
+              <a:schemeClr val="accent1"/>
+            </a:solidFill>
+          </a:ln>
+        </p:spPr>
+        <p:style>
+          <a:lnRef idx="1">
+            <a:schemeClr val="accent1"/>
+          </a:lnRef>
+          <a:fillRef idx="0">
+            <a:schemeClr val="accent1"/>
+          </a:fillRef>
+          <a:effectRef idx="0">
+            <a:schemeClr val="accent1"/>
+          </a:effectRef>
+          <a:fontRef idx="minor">
+            <a:schemeClr val="tx1"/>
+          </a:fontRef>
+        </p:style>
+      </p:cxnSp>
+      <p:sp>
+        <p:nvSpPr>
+          <p:cNvPr id="36" name="文本框 35"/>
+          <p:cNvSpPr txBox="1"/>
+          <p:nvPr/>
+        </p:nvSpPr>
+        <p:spPr>
+          <a:xfrm>
+            <a:off x="2915073" y="4954628"/>
+            <a:ext cx="4387392" cy="460375"/>
+          </a:xfrm>
+          <a:prstGeom prst="rect">
+            <a:avLst/>
+          </a:prstGeom>
+          <a:noFill/>
+        </p:spPr>
+        <p:txBody>
+          <a:bodyPr wrap="square" rtlCol="0">
+            <a:spAutoFit/>
+          </a:bodyPr>
+          <a:lstStyle/>
+          <a:p>
+            <a:r>
+              <a:rPr lang="zh-CN" altLang="en-US" sz="2400" dirty="0" smtClean="0">
+                <a:solidFill>
+                  <a:schemeClr val="tx1">
+                    <a:lumMod val="75000"/>
+                    <a:lumOff val="25000"/>
+                  </a:schemeClr>
+                </a:solidFill>
+              </a:rPr>
+              <a:t>总结</a:t>
+            </a:r>
+            <a:endParaRPr lang="zh-CN" altLang="en-US" sz="2400" dirty="0">
+              <a:solidFill>
+                <a:schemeClr val="tx1">
+                  <a:lumMod val="75000"/>
+                  <a:lumOff val="25000"/>
+                </a:schemeClr>
+              </a:solidFill>
+            </a:endParaRPr>
+          </a:p>
+        </p:txBody>
+      </p:sp>
+    </p:spTree>
+  </p:cSld>
+  <p:clrMapOvr>
+    <a:masterClrMapping/>
+  </p:clrMapOvr>
+  <mc:AlternateContent xmlns:mc="http://schemas.openxmlformats.org/markup-compatibility/2006" xmlns:p14="http://schemas.microsoft.com/office/powerpoint/2010/main">
+    <mc:Choice Requires="p14">
+      <p:transition spd="slow" p14:dur="2000"/>
+    </mc:Choice>
+    <mc:Fallback xmlns="">
+      <p:transition spd="slow"/>
+    </mc:Fallback>
+  </mc:AlternateContent>
+  <p:timing>
+    <p:tnLst>
+      <p:par>
+        <p:cTn id="1" dur="indefinite" restart="never" nodeType="tmRoot"/>
+      </p:par>
+    </p:tnLst>
+  </p:timing>
+</p:sld>
+</file>
+
+<file path=ppt/slides/slide24.xml><?xml version="1.0" encoding="utf-8"?>
+<p:sld xmlns:a="http://schemas.openxmlformats.org/drawingml/2006/main" xmlns:r="http://schemas.openxmlformats.org/officeDocument/2006/relationships" xmlns:p="http://schemas.openxmlformats.org/presentationml/2006/main">
+  <p:cSld>
+    <p:spTree>
+      <p:nvGrpSpPr>
+        <p:cNvPr id="1" name=""/>
+        <p:cNvGrpSpPr/>
+        <p:nvPr/>
+      </p:nvGrpSpPr>
+      <p:grpSpPr>
+        <a:xfrm>
+          <a:off x="0" y="0"/>
+          <a:ext cx="0" cy="0"/>
+          <a:chOff x="0" y="0"/>
+          <a:chExt cx="0" cy="0"/>
+        </a:xfrm>
+      </p:grpSpPr>
+      <p:sp>
+        <p:nvSpPr>
+          <p:cNvPr id="6" name="标题 5"/>
+          <p:cNvSpPr>
+            <a:spLocks noGrp="1"/>
+          </p:cNvSpPr>
+          <p:nvPr>
+            <p:ph type="title"/>
+          </p:nvPr>
+        </p:nvSpPr>
+        <p:spPr/>
+        <p:txBody>
+          <a:bodyPr/>
+          <a:lstStyle/>
+          <a:p>
+            <a:r>
+              <a:rPr lang="zh-CN" altLang="en-US" dirty="0"/>
+              <a:t>总结</a:t>
+            </a:r>
+          </a:p>
+        </p:txBody>
+      </p:sp>
+      <p:sp>
+        <p:nvSpPr>
+          <p:cNvPr id="3" name="内容占位符 2"/>
+          <p:cNvSpPr>
+            <a:spLocks noGrp="1"/>
+          </p:cNvSpPr>
+          <p:nvPr>
+            <p:ph sz="quarter" idx="10"/>
+          </p:nvPr>
+        </p:nvSpPr>
+        <p:spPr>
+          <a:xfrm>
+            <a:off x="525780" y="2578100"/>
+            <a:ext cx="8340725" cy="3049905"/>
+          </a:xfrm>
+        </p:spPr>
+        <p:txBody>
+          <a:bodyPr/>
+          <a:lstStyle/>
+          <a:p>
+            <a:pPr marL="0" indent="0">
+              <a:buNone/>
+            </a:pPr>
+            <a:r>
+              <a:rPr lang="en-US" altLang="zh-CN" dirty="0"/>
+              <a:t>	</a:t>
+            </a:r>
+            <a:r>
+              <a:rPr lang="zh-CN" altLang="en-US" dirty="0"/>
+              <a:t>总的来说，我们小组比较成功地完成了迭代计划的预期任务，达成了目标。</a:t>
+            </a:r>
+          </a:p>
+        </p:txBody>
+      </p:sp>
+    </p:spTree>
+  </p:cSld>
+  <p:clrMapOvr>
+    <a:masterClrMapping/>
+  </p:clrMapOvr>
+  <mc:AlternateContent xmlns:mc="http://schemas.openxmlformats.org/markup-compatibility/2006" xmlns:p14="http://schemas.microsoft.com/office/powerpoint/2010/main">
+    <mc:Choice Requires="p14">
+      <p:transition spd="slow" p14:dur="2000"/>
+    </mc:Choice>
+    <mc:Fallback xmlns="">
+      <p:transition spd="slow"/>
+    </mc:Fallback>
+  </mc:AlternateContent>
+  <p:timing>
+    <p:tnLst>
+      <p:par>
+        <p:cTn id="1" dur="indefinite" restart="never" nodeType="tmRoot"/>
+      </p:par>
+    </p:tnLst>
+  </p:timing>
+</p:sld>
+</file>
+
+<file path=ppt/slides/slide25.xml><?xml version="1.0" encoding="utf-8"?>
 <p:sld xmlns:a="http://schemas.openxmlformats.org/drawingml/2006/main" xmlns:r="http://schemas.openxmlformats.org/officeDocument/2006/relationships" xmlns:p="http://schemas.openxmlformats.org/presentationml/2006/main">
   <p:cSld>
     <p:spTree>
@@ -20726,6 +23160,253 @@
                 </a:solidFill>
               </a:rPr>
               <a:t>迭代评估报告</a:t>
+            </a:r>
+          </a:p>
+        </p:txBody>
+      </p:sp>
+      <p:sp>
+        <p:nvSpPr>
+          <p:cNvPr id="33" name="Freeform 10"/>
+          <p:cNvSpPr/>
+          <p:nvPr userDrawn="1"/>
+        </p:nvSpPr>
+        <p:spPr bwMode="auto">
+          <a:xfrm>
+            <a:off x="1841535" y="5047251"/>
+            <a:ext cx="843427" cy="343858"/>
+          </a:xfrm>
+          <a:custGeom>
+            <a:avLst/>
+            <a:gdLst>
+              <a:gd name="T0" fmla="*/ 3120 w 3800"/>
+              <a:gd name="T1" fmla="*/ 0 h 1532"/>
+              <a:gd name="T2" fmla="*/ 682 w 3800"/>
+              <a:gd name="T3" fmla="*/ 0 h 1532"/>
+              <a:gd name="T4" fmla="*/ 682 w 3800"/>
+              <a:gd name="T5" fmla="*/ 284 h 1532"/>
+              <a:gd name="T6" fmla="*/ 0 w 3800"/>
+              <a:gd name="T7" fmla="*/ 766 h 1532"/>
+              <a:gd name="T8" fmla="*/ 682 w 3800"/>
+              <a:gd name="T9" fmla="*/ 1248 h 1532"/>
+              <a:gd name="T10" fmla="*/ 682 w 3800"/>
+              <a:gd name="T11" fmla="*/ 1532 h 1532"/>
+              <a:gd name="T12" fmla="*/ 3120 w 3800"/>
+              <a:gd name="T13" fmla="*/ 1532 h 1532"/>
+              <a:gd name="T14" fmla="*/ 3120 w 3800"/>
+              <a:gd name="T15" fmla="*/ 1248 h 1532"/>
+              <a:gd name="T16" fmla="*/ 3800 w 3800"/>
+              <a:gd name="T17" fmla="*/ 766 h 1532"/>
+              <a:gd name="T18" fmla="*/ 3120 w 3800"/>
+              <a:gd name="T19" fmla="*/ 284 h 1532"/>
+              <a:gd name="T20" fmla="*/ 3120 w 3800"/>
+              <a:gd name="T21" fmla="*/ 0 h 1532"/>
+            </a:gdLst>
+            <a:ahLst/>
+            <a:cxnLst>
+              <a:cxn ang="0">
+                <a:pos x="T0" y="T1"/>
+              </a:cxn>
+              <a:cxn ang="0">
+                <a:pos x="T2" y="T3"/>
+              </a:cxn>
+              <a:cxn ang="0">
+                <a:pos x="T4" y="T5"/>
+              </a:cxn>
+              <a:cxn ang="0">
+                <a:pos x="T6" y="T7"/>
+              </a:cxn>
+              <a:cxn ang="0">
+                <a:pos x="T8" y="T9"/>
+              </a:cxn>
+              <a:cxn ang="0">
+                <a:pos x="T10" y="T11"/>
+              </a:cxn>
+              <a:cxn ang="0">
+                <a:pos x="T12" y="T13"/>
+              </a:cxn>
+              <a:cxn ang="0">
+                <a:pos x="T14" y="T15"/>
+              </a:cxn>
+              <a:cxn ang="0">
+                <a:pos x="T16" y="T17"/>
+              </a:cxn>
+              <a:cxn ang="0">
+                <a:pos x="T18" y="T19"/>
+              </a:cxn>
+              <a:cxn ang="0">
+                <a:pos x="T20" y="T21"/>
+              </a:cxn>
+            </a:cxnLst>
+            <a:rect l="0" t="0" r="r" b="b"/>
+            <a:pathLst>
+              <a:path w="3800" h="1532">
+                <a:moveTo>
+                  <a:pt x="3120" y="0"/>
+                </a:moveTo>
+                <a:lnTo>
+                  <a:pt x="682" y="0"/>
+                </a:lnTo>
+                <a:lnTo>
+                  <a:pt x="682" y="284"/>
+                </a:lnTo>
+                <a:lnTo>
+                  <a:pt x="0" y="766"/>
+                </a:lnTo>
+                <a:lnTo>
+                  <a:pt x="682" y="1248"/>
+                </a:lnTo>
+                <a:lnTo>
+                  <a:pt x="682" y="1532"/>
+                </a:lnTo>
+                <a:lnTo>
+                  <a:pt x="3120" y="1532"/>
+                </a:lnTo>
+                <a:lnTo>
+                  <a:pt x="3120" y="1248"/>
+                </a:lnTo>
+                <a:lnTo>
+                  <a:pt x="3800" y="766"/>
+                </a:lnTo>
+                <a:lnTo>
+                  <a:pt x="3120" y="284"/>
+                </a:lnTo>
+                <a:lnTo>
+                  <a:pt x="3120" y="0"/>
+                </a:lnTo>
+                <a:close/>
+              </a:path>
+            </a:pathLst>
+          </a:custGeom>
+          <a:solidFill>
+            <a:schemeClr val="bg2"/>
+          </a:solidFill>
+          <a:ln>
+            <a:noFill/>
+          </a:ln>
+        </p:spPr>
+        <p:txBody>
+          <a:bodyPr vert="horz" wrap="square" lIns="91440" tIns="45720" rIns="91440" bIns="45720" numCol="1" anchor="ctr" anchorCtr="0" compatLnSpc="1">
+            <a:noAutofit/>
+          </a:bodyPr>
+          <a:lstStyle/>
+          <a:p>
+            <a:pPr algn="ctr"/>
+            <a:endParaRPr lang="zh-CN" altLang="en-US" sz="3200" b="1"/>
+          </a:p>
+        </p:txBody>
+      </p:sp>
+      <p:sp>
+        <p:nvSpPr>
+          <p:cNvPr id="34" name="文本框 33"/>
+          <p:cNvSpPr txBox="1"/>
+          <p:nvPr userDrawn="1"/>
+        </p:nvSpPr>
+        <p:spPr>
+          <a:xfrm>
+            <a:off x="2071646" y="4983444"/>
+            <a:ext cx="383206" cy="443226"/>
+          </a:xfrm>
+          <a:prstGeom prst="rect">
+            <a:avLst/>
+          </a:prstGeom>
+          <a:noFill/>
+        </p:spPr>
+        <p:txBody>
+          <a:bodyPr wrap="none" rtlCol="0" anchor="ctr">
+            <a:noAutofit/>
+          </a:bodyPr>
+          <a:lstStyle/>
+          <a:p>
+            <a:pPr algn="ctr"/>
+            <a:r>
+              <a:rPr lang="en-US" altLang="zh-CN" b="1" dirty="0" smtClean="0">
+                <a:solidFill>
+                  <a:schemeClr val="bg1"/>
+                </a:solidFill>
+                <a:latin typeface="微软雅黑" panose="020B0503020204020204" pitchFamily="34" charset="-122"/>
+                <a:ea typeface="微软雅黑" panose="020B0503020204020204" pitchFamily="34" charset="-122"/>
+              </a:rPr>
+              <a:t>5</a:t>
+            </a:r>
+            <a:endParaRPr lang="zh-CN" altLang="en-US" b="1" dirty="0">
+              <a:solidFill>
+                <a:schemeClr val="bg1"/>
+              </a:solidFill>
+              <a:latin typeface="微软雅黑" panose="020B0503020204020204" pitchFamily="34" charset="-122"/>
+              <a:ea typeface="微软雅黑" panose="020B0503020204020204" pitchFamily="34" charset="-122"/>
+            </a:endParaRPr>
+          </a:p>
+        </p:txBody>
+      </p:sp>
+      <p:cxnSp>
+        <p:nvCxnSpPr>
+          <p:cNvPr id="35" name="直接连接符 34"/>
+          <p:cNvCxnSpPr>
+            <a:stCxn id="33" idx="6"/>
+          </p:cNvCxnSpPr>
+          <p:nvPr/>
+        </p:nvCxnSpPr>
+        <p:spPr>
+          <a:xfrm>
+            <a:off x="2534033" y="5391109"/>
+            <a:ext cx="4500000" cy="0"/>
+          </a:xfrm>
+          <a:prstGeom prst="line">
+            <a:avLst/>
+          </a:prstGeom>
+          <a:ln>
+            <a:solidFill>
+              <a:schemeClr val="bg2"/>
+            </a:solidFill>
+          </a:ln>
+        </p:spPr>
+        <p:style>
+          <a:lnRef idx="1">
+            <a:schemeClr val="accent1"/>
+          </a:lnRef>
+          <a:fillRef idx="0">
+            <a:schemeClr val="accent1"/>
+          </a:fillRef>
+          <a:effectRef idx="0">
+            <a:schemeClr val="accent1"/>
+          </a:effectRef>
+          <a:fontRef idx="minor">
+            <a:schemeClr val="tx1"/>
+          </a:fontRef>
+        </p:style>
+      </p:cxnSp>
+      <p:sp>
+        <p:nvSpPr>
+          <p:cNvPr id="36" name="文本框 35"/>
+          <p:cNvSpPr txBox="1"/>
+          <p:nvPr/>
+        </p:nvSpPr>
+        <p:spPr>
+          <a:xfrm>
+            <a:off x="2915073" y="4954628"/>
+            <a:ext cx="4387392" cy="460375"/>
+          </a:xfrm>
+          <a:prstGeom prst="rect">
+            <a:avLst/>
+          </a:prstGeom>
+          <a:noFill/>
+        </p:spPr>
+        <p:txBody>
+          <a:bodyPr wrap="square" rtlCol="0">
+            <a:spAutoFit/>
+          </a:bodyPr>
+          <a:lstStyle/>
+          <a:p>
+            <a:r>
+              <a:rPr lang="zh-CN" altLang="en-US" sz="2400" dirty="0">
+                <a:solidFill>
+                  <a:schemeClr val="tx1">
+                    <a:lumMod val="75000"/>
+                    <a:lumOff val="25000"/>
+                  </a:schemeClr>
+                </a:solidFill>
+              </a:rPr>
+              <a:t>总结</a:t>
             </a:r>
           </a:p>
         </p:txBody>
@@ -22794,7 +25475,7 @@
   <a:extraClrSchemeLst/>
   <a:extLst>
     <a:ext uri="{05A4C25C-085E-4340-85A3-A5531E510DB2}">
-      <thm15:themeFamily xmlns="" xmlns:thm15="http://schemas.microsoft.com/office/thememl/2012/main" name="Office Theme" id="{62F939B6-93AF-4DB8-9C6B-D6C7DFDC589F}" vid="{4A3C46E8-61CC-4603-A589-7422A47A8E4A}"/>
+      <thm15:themeFamily xmlns:thm15="http://schemas.microsoft.com/office/thememl/2012/main" xmlns="" name="Office Theme" id="{62F939B6-93AF-4DB8-9C6B-D6C7DFDC589F}" vid="{4A3C46E8-61CC-4603-A589-7422A47A8E4A}"/>
     </a:ext>
   </a:extLst>
 </a:theme>
@@ -23055,7 +25736,7 @@
   <a:extraClrSchemeLst/>
   <a:extLst>
     <a:ext uri="{05A4C25C-085E-4340-85A3-A5531E510DB2}">
-      <thm15:themeFamily xmlns="" xmlns:thm15="http://schemas.microsoft.com/office/thememl/2012/main" name="Office Theme" id="{62F939B6-93AF-4DB8-9C6B-D6C7DFDC589F}" vid="{4A3C46E8-61CC-4603-A589-7422A47A8E4A}"/>
+      <thm15:themeFamily xmlns:thm15="http://schemas.microsoft.com/office/thememl/2012/main" xmlns="" name="Office Theme" id="{62F939B6-93AF-4DB8-9C6B-D6C7DFDC589F}" vid="{4A3C46E8-61CC-4603-A589-7422A47A8E4A}"/>
     </a:ext>
   </a:extLst>
 </a:theme>
@@ -23316,7 +25997,7 @@
   <a:extraClrSchemeLst/>
   <a:extLst>
     <a:ext uri="{05A4C25C-085E-4340-85A3-A5531E510DB2}">
-      <thm15:themeFamily xmlns="" xmlns:thm15="http://schemas.microsoft.com/office/thememl/2012/main" name="Office Theme" id="{62F939B6-93AF-4DB8-9C6B-D6C7DFDC589F}" vid="{4A3C46E8-61CC-4603-A589-7422A47A8E4A}"/>
+      <thm15:themeFamily xmlns:thm15="http://schemas.microsoft.com/office/thememl/2012/main" xmlns="" name="Office Theme" id="{62F939B6-93AF-4DB8-9C6B-D6C7DFDC589F}" vid="{4A3C46E8-61CC-4603-A589-7422A47A8E4A}"/>
     </a:ext>
   </a:extLst>
 </a:theme>
